--- a/powerpoints/W205 Final Project Presentation.pptx
+++ b/powerpoints/W205 Final Project Presentation.pptx
@@ -1,47 +1,47 @@
 
 <file path=ppt/presentation.xml><?xml version="1.0" encoding="utf-8"?>
-<p:presentation xmlns:a="http://schemas.openxmlformats.org/drawingml/2006/main" xmlns:r="http://schemas.openxmlformats.org/officeDocument/2006/relationships" xmlns:mc="http://schemas.openxmlformats.org/markup-compatibility/2006" xmlns:mv="urn:schemas-microsoft-com:mac:vml" xmlns:p="http://schemas.openxmlformats.org/presentationml/2006/main" xmlns:c="http://schemas.openxmlformats.org/drawingml/2006/chart" xmlns:dgm="http://schemas.openxmlformats.org/drawingml/2006/diagram" xmlns:o="urn:schemas-microsoft-com:office:office" xmlns:v="urn:schemas-microsoft-com:vml" xmlns:pvml="urn:schemas-microsoft-com:office:powerpoint" xmlns:com="http://schemas.openxmlformats.org/drawingml/2006/compatibility" xmlns:p14="http://schemas.microsoft.com/office/powerpoint/2010/main" xmlns:p15="http://schemas.microsoft.com/office/powerpoint/2012/main" autoCompressPictures="0" embedTrueTypeFonts="1" strictFirstAndLastChars="0" saveSubsetFonts="1">
+<p:presentation xmlns:a="http://schemas.openxmlformats.org/drawingml/2006/main" xmlns:r="http://schemas.openxmlformats.org/officeDocument/2006/relationships" xmlns:p="http://schemas.openxmlformats.org/presentationml/2006/main" strictFirstAndLastChars="0" embedTrueTypeFonts="1" saveSubsetFonts="1" autoCompressPictures="0">
   <p:sldMasterIdLst>
-    <p:sldMasterId id="2147483658" r:id="rId3"/>
+    <p:sldMasterId id="2147483658" r:id="rId1"/>
   </p:sldMasterIdLst>
   <p:notesMasterIdLst>
-    <p:notesMasterId r:id="rId4"/>
+    <p:notesMasterId r:id="rId17"/>
   </p:notesMasterIdLst>
   <p:sldIdLst>
-    <p:sldId id="256" r:id="rId5"/>
-    <p:sldId id="257" r:id="rId6"/>
-    <p:sldId id="258" r:id="rId7"/>
-    <p:sldId id="259" r:id="rId8"/>
-    <p:sldId id="260" r:id="rId9"/>
-    <p:sldId id="261" r:id="rId10"/>
-    <p:sldId id="262" r:id="rId11"/>
-    <p:sldId id="263" r:id="rId12"/>
-    <p:sldId id="264" r:id="rId13"/>
-    <p:sldId id="265" r:id="rId14"/>
-    <p:sldId id="266" r:id="rId15"/>
-    <p:sldId id="267" r:id="rId16"/>
-    <p:sldId id="268" r:id="rId17"/>
-    <p:sldId id="269" r:id="rId18"/>
-    <p:sldId id="270" r:id="rId19"/>
+    <p:sldId id="256" r:id="rId2"/>
+    <p:sldId id="257" r:id="rId3"/>
+    <p:sldId id="258" r:id="rId4"/>
+    <p:sldId id="259" r:id="rId5"/>
+    <p:sldId id="260" r:id="rId6"/>
+    <p:sldId id="261" r:id="rId7"/>
+    <p:sldId id="262" r:id="rId8"/>
+    <p:sldId id="263" r:id="rId9"/>
+    <p:sldId id="264" r:id="rId10"/>
+    <p:sldId id="265" r:id="rId11"/>
+    <p:sldId id="266" r:id="rId12"/>
+    <p:sldId id="267" r:id="rId13"/>
+    <p:sldId id="268" r:id="rId14"/>
+    <p:sldId id="269" r:id="rId15"/>
+    <p:sldId id="270" r:id="rId16"/>
   </p:sldIdLst>
-  <p:sldSz cy="5143500" cx="9144000"/>
+  <p:sldSz cx="9144000" cy="5143500" type="screen16x9"/>
   <p:notesSz cx="6858000" cy="9144000"/>
   <p:embeddedFontLst>
     <p:embeddedFont>
-      <p:font typeface="Roboto Condensed"/>
+      <p:font typeface="Oswald"/>
+      <p:regular r:id="rId18"/>
+      <p:bold r:id="rId19"/>
+    </p:embeddedFont>
+    <p:embeddedFont>
+      <p:font typeface="Roboto Condensed" panose="020B0604020202020204" charset="0"/>
       <p:regular r:id="rId20"/>
       <p:bold r:id="rId21"/>
       <p:italic r:id="rId22"/>
       <p:boldItalic r:id="rId23"/>
     </p:embeddedFont>
-    <p:embeddedFont>
-      <p:font typeface="Oswald"/>
-      <p:regular r:id="rId24"/>
-      <p:bold r:id="rId25"/>
-    </p:embeddedFont>
   </p:embeddedFontLst>
   <p:defaultTextStyle>
-    <a:defPPr lvl="0" marR="0" rtl="0" algn="l">
+    <a:defPPr marR="0" lvl="0" algn="l" rtl="0">
       <a:lnSpc>
         <a:spcPct val="100000"/>
       </a:lnSpc>
@@ -52,7 +52,7 @@
         <a:spcPts val="0"/>
       </a:spcAft>
     </a:defPPr>
-    <a:lvl1pPr lvl="0" marR="0" rtl="0" algn="l">
+    <a:lvl1pPr marR="0" lvl="0" algn="l" rtl="0">
       <a:lnSpc>
         <a:spcPct val="100000"/>
       </a:lnSpc>
@@ -63,7 +63,7 @@
         <a:spcPts val="0"/>
       </a:spcAft>
       <a:buNone/>
-      <a:defRPr b="0" i="0" sz="1400" u="none" cap="none" strike="noStrike">
+      <a:defRPr sz="1400" b="0" i="0" u="none" strike="noStrike" cap="none">
         <a:solidFill>
           <a:srgbClr val="000000"/>
         </a:solidFill>
@@ -73,7 +73,7 @@
         <a:sym typeface="Arial"/>
       </a:defRPr>
     </a:lvl1pPr>
-    <a:lvl2pPr lvl="1" marR="0" rtl="0" algn="l">
+    <a:lvl2pPr marR="0" lvl="1" algn="l" rtl="0">
       <a:lnSpc>
         <a:spcPct val="100000"/>
       </a:lnSpc>
@@ -84,7 +84,7 @@
         <a:spcPts val="0"/>
       </a:spcAft>
       <a:buNone/>
-      <a:defRPr b="0" i="0" sz="1400" u="none" cap="none" strike="noStrike">
+      <a:defRPr sz="1400" b="0" i="0" u="none" strike="noStrike" cap="none">
         <a:solidFill>
           <a:srgbClr val="000000"/>
         </a:solidFill>
@@ -94,7 +94,7 @@
         <a:sym typeface="Arial"/>
       </a:defRPr>
     </a:lvl2pPr>
-    <a:lvl3pPr lvl="2" marR="0" rtl="0" algn="l">
+    <a:lvl3pPr marR="0" lvl="2" algn="l" rtl="0">
       <a:lnSpc>
         <a:spcPct val="100000"/>
       </a:lnSpc>
@@ -105,7 +105,7 @@
         <a:spcPts val="0"/>
       </a:spcAft>
       <a:buNone/>
-      <a:defRPr b="0" i="0" sz="1400" u="none" cap="none" strike="noStrike">
+      <a:defRPr sz="1400" b="0" i="0" u="none" strike="noStrike" cap="none">
         <a:solidFill>
           <a:srgbClr val="000000"/>
         </a:solidFill>
@@ -115,7 +115,7 @@
         <a:sym typeface="Arial"/>
       </a:defRPr>
     </a:lvl3pPr>
-    <a:lvl4pPr lvl="3" marR="0" rtl="0" algn="l">
+    <a:lvl4pPr marR="0" lvl="3" algn="l" rtl="0">
       <a:lnSpc>
         <a:spcPct val="100000"/>
       </a:lnSpc>
@@ -126,7 +126,7 @@
         <a:spcPts val="0"/>
       </a:spcAft>
       <a:buNone/>
-      <a:defRPr b="0" i="0" sz="1400" u="none" cap="none" strike="noStrike">
+      <a:defRPr sz="1400" b="0" i="0" u="none" strike="noStrike" cap="none">
         <a:solidFill>
           <a:srgbClr val="000000"/>
         </a:solidFill>
@@ -136,7 +136,7 @@
         <a:sym typeface="Arial"/>
       </a:defRPr>
     </a:lvl4pPr>
-    <a:lvl5pPr lvl="4" marR="0" rtl="0" algn="l">
+    <a:lvl5pPr marR="0" lvl="4" algn="l" rtl="0">
       <a:lnSpc>
         <a:spcPct val="100000"/>
       </a:lnSpc>
@@ -147,7 +147,7 @@
         <a:spcPts val="0"/>
       </a:spcAft>
       <a:buNone/>
-      <a:defRPr b="0" i="0" sz="1400" u="none" cap="none" strike="noStrike">
+      <a:defRPr sz="1400" b="0" i="0" u="none" strike="noStrike" cap="none">
         <a:solidFill>
           <a:srgbClr val="000000"/>
         </a:solidFill>
@@ -157,7 +157,7 @@
         <a:sym typeface="Arial"/>
       </a:defRPr>
     </a:lvl5pPr>
-    <a:lvl6pPr lvl="5" marR="0" rtl="0" algn="l">
+    <a:lvl6pPr marR="0" lvl="5" algn="l" rtl="0">
       <a:lnSpc>
         <a:spcPct val="100000"/>
       </a:lnSpc>
@@ -168,7 +168,7 @@
         <a:spcPts val="0"/>
       </a:spcAft>
       <a:buNone/>
-      <a:defRPr b="0" i="0" sz="1400" u="none" cap="none" strike="noStrike">
+      <a:defRPr sz="1400" b="0" i="0" u="none" strike="noStrike" cap="none">
         <a:solidFill>
           <a:srgbClr val="000000"/>
         </a:solidFill>
@@ -178,7 +178,7 @@
         <a:sym typeface="Arial"/>
       </a:defRPr>
     </a:lvl6pPr>
-    <a:lvl7pPr lvl="6" marR="0" rtl="0" algn="l">
+    <a:lvl7pPr marR="0" lvl="6" algn="l" rtl="0">
       <a:lnSpc>
         <a:spcPct val="100000"/>
       </a:lnSpc>
@@ -189,7 +189,7 @@
         <a:spcPts val="0"/>
       </a:spcAft>
       <a:buNone/>
-      <a:defRPr b="0" i="0" sz="1400" u="none" cap="none" strike="noStrike">
+      <a:defRPr sz="1400" b="0" i="0" u="none" strike="noStrike" cap="none">
         <a:solidFill>
           <a:srgbClr val="000000"/>
         </a:solidFill>
@@ -199,7 +199,7 @@
         <a:sym typeface="Arial"/>
       </a:defRPr>
     </a:lvl7pPr>
-    <a:lvl8pPr lvl="7" marR="0" rtl="0" algn="l">
+    <a:lvl8pPr marR="0" lvl="7" algn="l" rtl="0">
       <a:lnSpc>
         <a:spcPct val="100000"/>
       </a:lnSpc>
@@ -210,7 +210,7 @@
         <a:spcPts val="0"/>
       </a:spcAft>
       <a:buNone/>
-      <a:defRPr b="0" i="0" sz="1400" u="none" cap="none" strike="noStrike">
+      <a:defRPr sz="1400" b="0" i="0" u="none" strike="noStrike" cap="none">
         <a:solidFill>
           <a:srgbClr val="000000"/>
         </a:solidFill>
@@ -220,7 +220,7 @@
         <a:sym typeface="Arial"/>
       </a:defRPr>
     </a:lvl8pPr>
-    <a:lvl9pPr lvl="8" marR="0" rtl="0" algn="l">
+    <a:lvl9pPr marR="0" lvl="8" algn="l" rtl="0">
       <a:lnSpc>
         <a:spcPct val="100000"/>
       </a:lnSpc>
@@ -231,7 +231,7 @@
         <a:spcPts val="0"/>
       </a:spcAft>
       <a:buNone/>
-      <a:defRPr b="0" i="0" sz="1400" u="none" cap="none" strike="noStrike">
+      <a:defRPr sz="1400" b="0" i="0" u="none" strike="noStrike" cap="none">
         <a:solidFill>
           <a:srgbClr val="000000"/>
         </a:solidFill>
@@ -245,12 +245,21 @@
 </p:presentation>
 </file>
 
+<file path=ppt/revisionInfo.xml><?xml version="1.0" encoding="utf-8"?>
+<p1510:revInfo xmlns:a="http://schemas.openxmlformats.org/drawingml/2006/main" xmlns:r="http://schemas.openxmlformats.org/officeDocument/2006/relationships" xmlns:p1510="http://schemas.microsoft.com/office/powerpoint/2015/10/main"/>
+</file>
+
 <file path=ppt/notesMasters/notesMaster1.xml><?xml version="1.0" encoding="utf-8"?>
-<p:notesMaster xmlns:a="http://schemas.openxmlformats.org/drawingml/2006/main" xmlns:r="http://schemas.openxmlformats.org/officeDocument/2006/relationships" xmlns:mc="http://schemas.openxmlformats.org/markup-compatibility/2006" xmlns:mv="urn:schemas-microsoft-com:mac:vml" xmlns:p="http://schemas.openxmlformats.org/presentationml/2006/main" xmlns:c="http://schemas.openxmlformats.org/drawingml/2006/chart" xmlns:dgm="http://schemas.openxmlformats.org/drawingml/2006/diagram" xmlns:o="urn:schemas-microsoft-com:office:office" xmlns:v="urn:schemas-microsoft-com:vml" xmlns:pvml="urn:schemas-microsoft-com:office:powerpoint" xmlns:com="http://schemas.openxmlformats.org/drawingml/2006/compatibility" xmlns:p14="http://schemas.microsoft.com/office/powerpoint/2010/main" xmlns:p15="http://schemas.microsoft.com/office/powerpoint/2012/main">
+<p:notesMaster xmlns:a="http://schemas.openxmlformats.org/drawingml/2006/main" xmlns:r="http://schemas.openxmlformats.org/officeDocument/2006/relationships" xmlns:p="http://schemas.openxmlformats.org/presentationml/2006/main">
   <p:cSld>
+    <p:bg>
+      <p:bgRef idx="1001">
+        <a:schemeClr val="bg1"/>
+      </p:bgRef>
+    </p:bg>
     <p:spTree>
       <p:nvGrpSpPr>
-        <p:cNvPr id="2" name="Shape 2"/>
+        <p:cNvPr id="1" name="Shape 2"/>
         <p:cNvGrpSpPr/>
         <p:nvPr/>
       </p:nvGrpSpPr>
@@ -265,9 +274,11 @@
       <p:sp>
         <p:nvSpPr>
           <p:cNvPr id="3" name="Shape 3"/>
-          <p:cNvSpPr/>
+          <p:cNvSpPr>
+            <a:spLocks noGrp="1" noRot="1" noChangeAspect="1"/>
+          </p:cNvSpPr>
           <p:nvPr>
-            <p:ph idx="2" type="sldImg"/>
+            <p:ph type="sldImg" idx="2"/>
           </p:nvPr>
         </p:nvSpPr>
         <p:spPr>
@@ -276,8 +287,13 @@
             <a:ext cx="6096300" cy="3429000"/>
           </a:xfrm>
           <a:custGeom>
+            <a:avLst/>
+            <a:gdLst/>
+            <a:ahLst/>
+            <a:cxnLst/>
+            <a:rect l="0" t="0" r="0" b="0"/>
             <a:pathLst>
-              <a:path extrusionOk="0" h="120000" w="120000">
+              <a:path w="120000" h="120000" extrusionOk="0">
                 <a:moveTo>
                   <a:pt x="0" y="0"/>
                 </a:moveTo>
@@ -295,23 +311,25 @@
             </a:pathLst>
           </a:custGeom>
           <a:noFill/>
-          <a:ln cap="flat" cmpd="sng" w="9525">
+          <a:ln w="9525" cap="flat" cmpd="sng">
             <a:solidFill>
               <a:srgbClr val="000000"/>
             </a:solidFill>
             <a:prstDash val="solid"/>
             <a:round/>
-            <a:headEnd len="med" w="med" type="none"/>
-            <a:tailEnd len="med" w="med" type="none"/>
+            <a:headEnd type="none" w="med" len="med"/>
+            <a:tailEnd type="none" w="med" len="med"/>
           </a:ln>
         </p:spPr>
       </p:sp>
       <p:sp>
         <p:nvSpPr>
           <p:cNvPr id="4" name="Shape 4"/>
-          <p:cNvSpPr txBox="1"/>
+          <p:cNvSpPr txBox="1">
+            <a:spLocks noGrp="1"/>
+          </p:cNvSpPr>
           <p:nvPr>
-            <p:ph idx="1" type="body"/>
+            <p:ph type="body" idx="1"/>
           </p:nvPr>
         </p:nvSpPr>
         <p:spPr>
@@ -328,7 +346,7 @@
           </a:ln>
         </p:spPr>
         <p:txBody>
-          <a:bodyPr anchorCtr="0" anchor="t" bIns="91425" lIns="91425" rIns="91425" wrap="square" tIns="91425"/>
+          <a:bodyPr wrap="square" lIns="91425" tIns="91425" rIns="91425" bIns="91425" anchor="t" anchorCtr="0"/>
           <a:lstStyle>
             <a:lvl1pPr lvl="0">
               <a:spcBef>
@@ -403,21 +421,115 @@
               <a:defRPr sz="1100"/>
             </a:lvl9pPr>
           </a:lstStyle>
-          <a:p/>
+          <a:p>
+            <a:endParaRPr/>
+          </a:p>
         </p:txBody>
       </p:sp>
     </p:spTree>
   </p:cSld>
-  <p:clrMap accent1="accent1" accent2="accent2" accent3="accent3" accent4="accent4" accent5="accent5" accent6="accent6" bg1="lt1" bg2="dk2" tx1="dk1" tx2="lt2" folHlink="folHlink" hlink="hlink"/>
+  <p:clrMap bg1="lt1" tx1="dk1" bg2="dk2" tx2="lt2" accent1="accent1" accent2="accent2" accent3="accent3" accent4="accent4" accent5="accent5" accent6="accent6" hlink="hlink" folHlink="folHlink"/>
+  <p:notesStyle>
+    <a:lvl1pPr marL="0" algn="l" defTabSz="914400" rtl="0" eaLnBrk="1" latinLnBrk="0" hangingPunct="1">
+      <a:defRPr sz="1200" kern="1200">
+        <a:solidFill>
+          <a:schemeClr val="tx1"/>
+        </a:solidFill>
+        <a:latin typeface="+mn-lt"/>
+        <a:ea typeface="+mn-ea"/>
+        <a:cs typeface="+mn-cs"/>
+      </a:defRPr>
+    </a:lvl1pPr>
+    <a:lvl2pPr marL="457200" algn="l" defTabSz="914400" rtl="0" eaLnBrk="1" latinLnBrk="0" hangingPunct="1">
+      <a:defRPr sz="1200" kern="1200">
+        <a:solidFill>
+          <a:schemeClr val="tx1"/>
+        </a:solidFill>
+        <a:latin typeface="+mn-lt"/>
+        <a:ea typeface="+mn-ea"/>
+        <a:cs typeface="+mn-cs"/>
+      </a:defRPr>
+    </a:lvl2pPr>
+    <a:lvl3pPr marL="914400" algn="l" defTabSz="914400" rtl="0" eaLnBrk="1" latinLnBrk="0" hangingPunct="1">
+      <a:defRPr sz="1200" kern="1200">
+        <a:solidFill>
+          <a:schemeClr val="tx1"/>
+        </a:solidFill>
+        <a:latin typeface="+mn-lt"/>
+        <a:ea typeface="+mn-ea"/>
+        <a:cs typeface="+mn-cs"/>
+      </a:defRPr>
+    </a:lvl3pPr>
+    <a:lvl4pPr marL="1371600" algn="l" defTabSz="914400" rtl="0" eaLnBrk="1" latinLnBrk="0" hangingPunct="1">
+      <a:defRPr sz="1200" kern="1200">
+        <a:solidFill>
+          <a:schemeClr val="tx1"/>
+        </a:solidFill>
+        <a:latin typeface="+mn-lt"/>
+        <a:ea typeface="+mn-ea"/>
+        <a:cs typeface="+mn-cs"/>
+      </a:defRPr>
+    </a:lvl4pPr>
+    <a:lvl5pPr marL="1828800" algn="l" defTabSz="914400" rtl="0" eaLnBrk="1" latinLnBrk="0" hangingPunct="1">
+      <a:defRPr sz="1200" kern="1200">
+        <a:solidFill>
+          <a:schemeClr val="tx1"/>
+        </a:solidFill>
+        <a:latin typeface="+mn-lt"/>
+        <a:ea typeface="+mn-ea"/>
+        <a:cs typeface="+mn-cs"/>
+      </a:defRPr>
+    </a:lvl5pPr>
+    <a:lvl6pPr marL="2286000" algn="l" defTabSz="914400" rtl="0" eaLnBrk="1" latinLnBrk="0" hangingPunct="1">
+      <a:defRPr sz="1200" kern="1200">
+        <a:solidFill>
+          <a:schemeClr val="tx1"/>
+        </a:solidFill>
+        <a:latin typeface="+mn-lt"/>
+        <a:ea typeface="+mn-ea"/>
+        <a:cs typeface="+mn-cs"/>
+      </a:defRPr>
+    </a:lvl6pPr>
+    <a:lvl7pPr marL="2743200" algn="l" defTabSz="914400" rtl="0" eaLnBrk="1" latinLnBrk="0" hangingPunct="1">
+      <a:defRPr sz="1200" kern="1200">
+        <a:solidFill>
+          <a:schemeClr val="tx1"/>
+        </a:solidFill>
+        <a:latin typeface="+mn-lt"/>
+        <a:ea typeface="+mn-ea"/>
+        <a:cs typeface="+mn-cs"/>
+      </a:defRPr>
+    </a:lvl7pPr>
+    <a:lvl8pPr marL="3200400" algn="l" defTabSz="914400" rtl="0" eaLnBrk="1" latinLnBrk="0" hangingPunct="1">
+      <a:defRPr sz="1200" kern="1200">
+        <a:solidFill>
+          <a:schemeClr val="tx1"/>
+        </a:solidFill>
+        <a:latin typeface="+mn-lt"/>
+        <a:ea typeface="+mn-ea"/>
+        <a:cs typeface="+mn-cs"/>
+      </a:defRPr>
+    </a:lvl8pPr>
+    <a:lvl9pPr marL="3657600" algn="l" defTabSz="914400" rtl="0" eaLnBrk="1" latinLnBrk="0" hangingPunct="1">
+      <a:defRPr sz="1200" kern="1200">
+        <a:solidFill>
+          <a:schemeClr val="tx1"/>
+        </a:solidFill>
+        <a:latin typeface="+mn-lt"/>
+        <a:ea typeface="+mn-ea"/>
+        <a:cs typeface="+mn-cs"/>
+      </a:defRPr>
+    </a:lvl9pPr>
+  </p:notesStyle>
 </p:notesMaster>
 </file>
 
 <file path=ppt/notesSlides/notesSlide1.xml><?xml version="1.0" encoding="utf-8"?>
-<p:notes xmlns:a="http://schemas.openxmlformats.org/drawingml/2006/main" xmlns:r="http://schemas.openxmlformats.org/officeDocument/2006/relationships" xmlns:mc="http://schemas.openxmlformats.org/markup-compatibility/2006" xmlns:mv="urn:schemas-microsoft-com:mac:vml" xmlns:p="http://schemas.openxmlformats.org/presentationml/2006/main" xmlns:c="http://schemas.openxmlformats.org/drawingml/2006/chart" xmlns:dgm="http://schemas.openxmlformats.org/drawingml/2006/diagram" xmlns:o="urn:schemas-microsoft-com:office:office" xmlns:v="urn:schemas-microsoft-com:vml" xmlns:pvml="urn:schemas-microsoft-com:office:powerpoint" xmlns:com="http://schemas.openxmlformats.org/drawingml/2006/compatibility" xmlns:p14="http://schemas.microsoft.com/office/powerpoint/2010/main" xmlns:p15="http://schemas.microsoft.com/office/powerpoint/2012/main" showMasterPhAnim="0" showMasterSp="0">
+<p:notes xmlns:a="http://schemas.openxmlformats.org/drawingml/2006/main" xmlns:r="http://schemas.openxmlformats.org/officeDocument/2006/relationships" xmlns:p="http://schemas.openxmlformats.org/presentationml/2006/main" showMasterSp="0" showMasterPhAnim="0">
   <p:cSld>
     <p:spTree>
       <p:nvGrpSpPr>
-        <p:cNvPr id="153" name="Shape 153"/>
+        <p:cNvPr id="1" name="Shape 153"/>
         <p:cNvGrpSpPr/>
         <p:nvPr/>
       </p:nvGrpSpPr>
@@ -432,9 +544,11 @@
       <p:sp>
         <p:nvSpPr>
           <p:cNvPr id="154" name="Shape 154"/>
-          <p:cNvSpPr/>
+          <p:cNvSpPr>
+            <a:spLocks noGrp="1" noRot="1" noChangeAspect="1"/>
+          </p:cNvSpPr>
           <p:nvPr>
-            <p:ph idx="2" type="sldImg"/>
+            <p:ph type="sldImg" idx="2"/>
           </p:nvPr>
         </p:nvSpPr>
         <p:spPr>
@@ -443,8 +557,13 @@
             <a:ext cx="6096300" cy="3429000"/>
           </a:xfrm>
           <a:custGeom>
+            <a:avLst/>
+            <a:gdLst/>
+            <a:ahLst/>
+            <a:cxnLst/>
+            <a:rect l="0" t="0" r="0" b="0"/>
             <a:pathLst>
-              <a:path extrusionOk="0" h="120000" w="120000">
+              <a:path w="120000" h="120000" extrusionOk="0">
                 <a:moveTo>
                   <a:pt x="0" y="0"/>
                 </a:moveTo>
@@ -466,9 +585,11 @@
       <p:sp>
         <p:nvSpPr>
           <p:cNvPr id="155" name="Shape 155"/>
-          <p:cNvSpPr txBox="1"/>
+          <p:cNvSpPr txBox="1">
+            <a:spLocks noGrp="1"/>
+          </p:cNvSpPr>
           <p:nvPr>
-            <p:ph idx="1" type="body"/>
+            <p:ph type="body" idx="1"/>
           </p:nvPr>
         </p:nvSpPr>
         <p:spPr>
@@ -481,20 +602,17 @@
           </a:prstGeom>
         </p:spPr>
         <p:txBody>
-          <a:bodyPr anchorCtr="0" anchor="t" bIns="91425" lIns="91425" rIns="91425" wrap="square" tIns="91425">
+          <a:bodyPr wrap="square" lIns="91425" tIns="91425" rIns="91425" bIns="91425" anchor="t" anchorCtr="0">
             <a:noAutofit/>
           </a:bodyPr>
           <a:lstStyle/>
           <a:p>
-            <a:pPr indent="0" lvl="0" marL="0">
+            <a:pPr marL="0" lvl="0" indent="0">
               <a:spcBef>
                 <a:spcPts val="0"/>
               </a:spcBef>
               <a:buNone/>
             </a:pPr>
-            <a:r>
-              <a:t/>
-            </a:r>
             <a:endParaRPr/>
           </a:p>
         </p:txBody>
@@ -508,11 +626,11 @@
 </file>
 
 <file path=ppt/notesSlides/notesSlide10.xml><?xml version="1.0" encoding="utf-8"?>
-<p:notes xmlns:a="http://schemas.openxmlformats.org/drawingml/2006/main" xmlns:r="http://schemas.openxmlformats.org/officeDocument/2006/relationships" xmlns:mc="http://schemas.openxmlformats.org/markup-compatibility/2006" xmlns:mv="urn:schemas-microsoft-com:mac:vml" xmlns:p="http://schemas.openxmlformats.org/presentationml/2006/main" xmlns:c="http://schemas.openxmlformats.org/drawingml/2006/chart" xmlns:dgm="http://schemas.openxmlformats.org/drawingml/2006/diagram" xmlns:o="urn:schemas-microsoft-com:office:office" xmlns:v="urn:schemas-microsoft-com:vml" xmlns:pvml="urn:schemas-microsoft-com:office:powerpoint" xmlns:com="http://schemas.openxmlformats.org/drawingml/2006/compatibility" xmlns:p14="http://schemas.microsoft.com/office/powerpoint/2010/main" xmlns:p15="http://schemas.microsoft.com/office/powerpoint/2012/main" showMasterPhAnim="0" showMasterSp="0">
+<p:notes xmlns:a="http://schemas.openxmlformats.org/drawingml/2006/main" xmlns:r="http://schemas.openxmlformats.org/officeDocument/2006/relationships" xmlns:p="http://schemas.openxmlformats.org/presentationml/2006/main" showMasterSp="0" showMasterPhAnim="0">
   <p:cSld>
     <p:spTree>
       <p:nvGrpSpPr>
-        <p:cNvPr id="209" name="Shape 209"/>
+        <p:cNvPr id="1" name="Shape 209"/>
         <p:cNvGrpSpPr/>
         <p:nvPr/>
       </p:nvGrpSpPr>
@@ -527,9 +645,11 @@
       <p:sp>
         <p:nvSpPr>
           <p:cNvPr id="210" name="Shape 210"/>
-          <p:cNvSpPr/>
+          <p:cNvSpPr>
+            <a:spLocks noGrp="1" noRot="1" noChangeAspect="1"/>
+          </p:cNvSpPr>
           <p:nvPr>
-            <p:ph idx="2" type="sldImg"/>
+            <p:ph type="sldImg" idx="2"/>
           </p:nvPr>
         </p:nvSpPr>
         <p:spPr>
@@ -538,8 +658,13 @@
             <a:ext cx="6096300" cy="3429000"/>
           </a:xfrm>
           <a:custGeom>
+            <a:avLst/>
+            <a:gdLst/>
+            <a:ahLst/>
+            <a:cxnLst/>
+            <a:rect l="0" t="0" r="0" b="0"/>
             <a:pathLst>
-              <a:path extrusionOk="0" h="120000" w="120000">
+              <a:path w="120000" h="120000" extrusionOk="0">
                 <a:moveTo>
                   <a:pt x="0" y="0"/>
                 </a:moveTo>
@@ -561,9 +686,11 @@
       <p:sp>
         <p:nvSpPr>
           <p:cNvPr id="211" name="Shape 211"/>
-          <p:cNvSpPr txBox="1"/>
+          <p:cNvSpPr txBox="1">
+            <a:spLocks noGrp="1"/>
+          </p:cNvSpPr>
           <p:nvPr>
-            <p:ph idx="1" type="body"/>
+            <p:ph type="body" idx="1"/>
           </p:nvPr>
         </p:nvSpPr>
         <p:spPr>
@@ -576,20 +703,17 @@
           </a:prstGeom>
         </p:spPr>
         <p:txBody>
-          <a:bodyPr anchorCtr="0" anchor="t" bIns="91425" lIns="91425" rIns="91425" wrap="square" tIns="91425">
+          <a:bodyPr wrap="square" lIns="91425" tIns="91425" rIns="91425" bIns="91425" anchor="t" anchorCtr="0">
             <a:noAutofit/>
           </a:bodyPr>
           <a:lstStyle/>
           <a:p>
-            <a:pPr indent="0" lvl="0" marL="0">
+            <a:pPr marL="0" lvl="0" indent="0">
               <a:spcBef>
                 <a:spcPts val="0"/>
               </a:spcBef>
               <a:buNone/>
             </a:pPr>
-            <a:r>
-              <a:t/>
-            </a:r>
             <a:endParaRPr/>
           </a:p>
         </p:txBody>
@@ -603,11 +727,11 @@
 </file>
 
 <file path=ppt/notesSlides/notesSlide11.xml><?xml version="1.0" encoding="utf-8"?>
-<p:notes xmlns:a="http://schemas.openxmlformats.org/drawingml/2006/main" xmlns:r="http://schemas.openxmlformats.org/officeDocument/2006/relationships" xmlns:mc="http://schemas.openxmlformats.org/markup-compatibility/2006" xmlns:mv="urn:schemas-microsoft-com:mac:vml" xmlns:p="http://schemas.openxmlformats.org/presentationml/2006/main" xmlns:c="http://schemas.openxmlformats.org/drawingml/2006/chart" xmlns:dgm="http://schemas.openxmlformats.org/drawingml/2006/diagram" xmlns:o="urn:schemas-microsoft-com:office:office" xmlns:v="urn:schemas-microsoft-com:vml" xmlns:pvml="urn:schemas-microsoft-com:office:powerpoint" xmlns:com="http://schemas.openxmlformats.org/drawingml/2006/compatibility" xmlns:p14="http://schemas.microsoft.com/office/powerpoint/2010/main" xmlns:p15="http://schemas.microsoft.com/office/powerpoint/2012/main" showMasterPhAnim="0" showMasterSp="0">
+<p:notes xmlns:a="http://schemas.openxmlformats.org/drawingml/2006/main" xmlns:r="http://schemas.openxmlformats.org/officeDocument/2006/relationships" xmlns:p="http://schemas.openxmlformats.org/presentationml/2006/main" showMasterSp="0" showMasterPhAnim="0">
   <p:cSld>
     <p:spTree>
       <p:nvGrpSpPr>
-        <p:cNvPr id="216" name="Shape 216"/>
+        <p:cNvPr id="1" name="Shape 216"/>
         <p:cNvGrpSpPr/>
         <p:nvPr/>
       </p:nvGrpSpPr>
@@ -622,19 +746,26 @@
       <p:sp>
         <p:nvSpPr>
           <p:cNvPr id="217" name="Shape 217"/>
-          <p:cNvSpPr/>
+          <p:cNvSpPr>
+            <a:spLocks noGrp="1" noRot="1" noChangeAspect="1"/>
+          </p:cNvSpPr>
           <p:nvPr>
-            <p:ph idx="2" type="sldImg"/>
+            <p:ph type="sldImg" idx="2"/>
           </p:nvPr>
         </p:nvSpPr>
         <p:spPr>
           <a:xfrm>
-            <a:off x="381175" y="685800"/>
-            <a:ext cx="6096300" cy="3429000"/>
+            <a:off x="381000" y="685800"/>
+            <a:ext cx="6096000" cy="3429000"/>
           </a:xfrm>
           <a:custGeom>
+            <a:avLst/>
+            <a:gdLst/>
+            <a:ahLst/>
+            <a:cxnLst/>
+            <a:rect l="0" t="0" r="0" b="0"/>
             <a:pathLst>
-              <a:path extrusionOk="0" h="120000" w="120000">
+              <a:path w="120000" h="120000" extrusionOk="0">
                 <a:moveTo>
                   <a:pt x="0" y="0"/>
                 </a:moveTo>
@@ -656,9 +787,11 @@
       <p:sp>
         <p:nvSpPr>
           <p:cNvPr id="218" name="Shape 218"/>
-          <p:cNvSpPr txBox="1"/>
+          <p:cNvSpPr txBox="1">
+            <a:spLocks noGrp="1"/>
+          </p:cNvSpPr>
           <p:nvPr>
-            <p:ph idx="1" type="body"/>
+            <p:ph type="body" idx="1"/>
           </p:nvPr>
         </p:nvSpPr>
         <p:spPr>
@@ -671,12 +804,12 @@
           </a:prstGeom>
         </p:spPr>
         <p:txBody>
-          <a:bodyPr anchorCtr="0" anchor="t" bIns="91425" lIns="91425" rIns="91425" wrap="square" tIns="91425">
+          <a:bodyPr wrap="square" lIns="91425" tIns="91425" rIns="91425" bIns="91425" anchor="t" anchorCtr="0">
             <a:noAutofit/>
           </a:bodyPr>
           <a:lstStyle/>
           <a:p>
-            <a:pPr indent="0" lvl="0" marL="0">
+            <a:pPr marL="0" lvl="0" indent="0">
               <a:spcBef>
                 <a:spcPts val="0"/>
               </a:spcBef>
@@ -698,11 +831,11 @@
 </file>
 
 <file path=ppt/notesSlides/notesSlide12.xml><?xml version="1.0" encoding="utf-8"?>
-<p:notes xmlns:a="http://schemas.openxmlformats.org/drawingml/2006/main" xmlns:r="http://schemas.openxmlformats.org/officeDocument/2006/relationships" xmlns:mc="http://schemas.openxmlformats.org/markup-compatibility/2006" xmlns:mv="urn:schemas-microsoft-com:mac:vml" xmlns:p="http://schemas.openxmlformats.org/presentationml/2006/main" xmlns:c="http://schemas.openxmlformats.org/drawingml/2006/chart" xmlns:dgm="http://schemas.openxmlformats.org/drawingml/2006/diagram" xmlns:o="urn:schemas-microsoft-com:office:office" xmlns:v="urn:schemas-microsoft-com:vml" xmlns:pvml="urn:schemas-microsoft-com:office:powerpoint" xmlns:com="http://schemas.openxmlformats.org/drawingml/2006/compatibility" xmlns:p14="http://schemas.microsoft.com/office/powerpoint/2010/main" xmlns:p15="http://schemas.microsoft.com/office/powerpoint/2012/main" showMasterPhAnim="0" showMasterSp="0">
+<p:notes xmlns:a="http://schemas.openxmlformats.org/drawingml/2006/main" xmlns:r="http://schemas.openxmlformats.org/officeDocument/2006/relationships" xmlns:p="http://schemas.openxmlformats.org/presentationml/2006/main" showMasterSp="0" showMasterPhAnim="0">
   <p:cSld>
     <p:spTree>
       <p:nvGrpSpPr>
-        <p:cNvPr id="222" name="Shape 222"/>
+        <p:cNvPr id="1" name="Shape 222"/>
         <p:cNvGrpSpPr/>
         <p:nvPr/>
       </p:nvGrpSpPr>
@@ -717,9 +850,11 @@
       <p:sp>
         <p:nvSpPr>
           <p:cNvPr id="223" name="Shape 223"/>
-          <p:cNvSpPr/>
+          <p:cNvSpPr>
+            <a:spLocks noGrp="1" noRot="1" noChangeAspect="1"/>
+          </p:cNvSpPr>
           <p:nvPr>
-            <p:ph idx="2" type="sldImg"/>
+            <p:ph type="sldImg" idx="2"/>
           </p:nvPr>
         </p:nvSpPr>
         <p:spPr>
@@ -728,8 +863,13 @@
             <a:ext cx="6096300" cy="3429000"/>
           </a:xfrm>
           <a:custGeom>
+            <a:avLst/>
+            <a:gdLst/>
+            <a:ahLst/>
+            <a:cxnLst/>
+            <a:rect l="0" t="0" r="0" b="0"/>
             <a:pathLst>
-              <a:path extrusionOk="0" h="120000" w="120000">
+              <a:path w="120000" h="120000" extrusionOk="0">
                 <a:moveTo>
                   <a:pt x="0" y="0"/>
                 </a:moveTo>
@@ -751,9 +891,11 @@
       <p:sp>
         <p:nvSpPr>
           <p:cNvPr id="224" name="Shape 224"/>
-          <p:cNvSpPr txBox="1"/>
+          <p:cNvSpPr txBox="1">
+            <a:spLocks noGrp="1"/>
+          </p:cNvSpPr>
           <p:nvPr>
-            <p:ph idx="1" type="body"/>
+            <p:ph type="body" idx="1"/>
           </p:nvPr>
         </p:nvSpPr>
         <p:spPr>
@@ -766,20 +908,17 @@
           </a:prstGeom>
         </p:spPr>
         <p:txBody>
-          <a:bodyPr anchorCtr="0" anchor="t" bIns="91425" lIns="91425" rIns="91425" wrap="square" tIns="91425">
+          <a:bodyPr wrap="square" lIns="91425" tIns="91425" rIns="91425" bIns="91425" anchor="t" anchorCtr="0">
             <a:noAutofit/>
           </a:bodyPr>
           <a:lstStyle/>
           <a:p>
-            <a:pPr indent="0" lvl="0" marL="0">
+            <a:pPr marL="0" lvl="0" indent="0">
               <a:spcBef>
                 <a:spcPts val="0"/>
               </a:spcBef>
               <a:buNone/>
             </a:pPr>
-            <a:r>
-              <a:t/>
-            </a:r>
             <a:endParaRPr/>
           </a:p>
         </p:txBody>
@@ -793,11 +932,11 @@
 </file>
 
 <file path=ppt/notesSlides/notesSlide13.xml><?xml version="1.0" encoding="utf-8"?>
-<p:notes xmlns:a="http://schemas.openxmlformats.org/drawingml/2006/main" xmlns:r="http://schemas.openxmlformats.org/officeDocument/2006/relationships" xmlns:mc="http://schemas.openxmlformats.org/markup-compatibility/2006" xmlns:mv="urn:schemas-microsoft-com:mac:vml" xmlns:p="http://schemas.openxmlformats.org/presentationml/2006/main" xmlns:c="http://schemas.openxmlformats.org/drawingml/2006/chart" xmlns:dgm="http://schemas.openxmlformats.org/drawingml/2006/diagram" xmlns:o="urn:schemas-microsoft-com:office:office" xmlns:v="urn:schemas-microsoft-com:vml" xmlns:pvml="urn:schemas-microsoft-com:office:powerpoint" xmlns:com="http://schemas.openxmlformats.org/drawingml/2006/compatibility" xmlns:p14="http://schemas.microsoft.com/office/powerpoint/2010/main" xmlns:p15="http://schemas.microsoft.com/office/powerpoint/2012/main" showMasterPhAnim="0" showMasterSp="0">
+<p:notes xmlns:a="http://schemas.openxmlformats.org/drawingml/2006/main" xmlns:r="http://schemas.openxmlformats.org/officeDocument/2006/relationships" xmlns:p="http://schemas.openxmlformats.org/presentationml/2006/main" showMasterSp="0" showMasterPhAnim="0">
   <p:cSld>
     <p:spTree>
       <p:nvGrpSpPr>
-        <p:cNvPr id="229" name="Shape 229"/>
+        <p:cNvPr id="1" name="Shape 229"/>
         <p:cNvGrpSpPr/>
         <p:nvPr/>
       </p:nvGrpSpPr>
@@ -812,9 +951,11 @@
       <p:sp>
         <p:nvSpPr>
           <p:cNvPr id="230" name="Shape 230"/>
-          <p:cNvSpPr/>
+          <p:cNvSpPr>
+            <a:spLocks noGrp="1" noRot="1" noChangeAspect="1"/>
+          </p:cNvSpPr>
           <p:nvPr>
-            <p:ph idx="2" type="sldImg"/>
+            <p:ph type="sldImg" idx="2"/>
           </p:nvPr>
         </p:nvSpPr>
         <p:spPr>
@@ -823,8 +964,13 @@
             <a:ext cx="6096300" cy="3429000"/>
           </a:xfrm>
           <a:custGeom>
+            <a:avLst/>
+            <a:gdLst/>
+            <a:ahLst/>
+            <a:cxnLst/>
+            <a:rect l="0" t="0" r="0" b="0"/>
             <a:pathLst>
-              <a:path extrusionOk="0" h="120000" w="120000">
+              <a:path w="120000" h="120000" extrusionOk="0">
                 <a:moveTo>
                   <a:pt x="0" y="0"/>
                 </a:moveTo>
@@ -846,9 +992,11 @@
       <p:sp>
         <p:nvSpPr>
           <p:cNvPr id="231" name="Shape 231"/>
-          <p:cNvSpPr txBox="1"/>
+          <p:cNvSpPr txBox="1">
+            <a:spLocks noGrp="1"/>
+          </p:cNvSpPr>
           <p:nvPr>
-            <p:ph idx="1" type="body"/>
+            <p:ph type="body" idx="1"/>
           </p:nvPr>
         </p:nvSpPr>
         <p:spPr>
@@ -861,20 +1009,17 @@
           </a:prstGeom>
         </p:spPr>
         <p:txBody>
-          <a:bodyPr anchorCtr="0" anchor="t" bIns="91425" lIns="91425" rIns="91425" wrap="square" tIns="91425">
+          <a:bodyPr wrap="square" lIns="91425" tIns="91425" rIns="91425" bIns="91425" anchor="t" anchorCtr="0">
             <a:noAutofit/>
           </a:bodyPr>
           <a:lstStyle/>
           <a:p>
-            <a:pPr indent="0" lvl="0" marL="0">
+            <a:pPr marL="0" lvl="0" indent="0">
               <a:spcBef>
                 <a:spcPts val="0"/>
               </a:spcBef>
               <a:buNone/>
             </a:pPr>
-            <a:r>
-              <a:t/>
-            </a:r>
             <a:endParaRPr/>
           </a:p>
         </p:txBody>
@@ -888,11 +1033,11 @@
 </file>
 
 <file path=ppt/notesSlides/notesSlide14.xml><?xml version="1.0" encoding="utf-8"?>
-<p:notes xmlns:a="http://schemas.openxmlformats.org/drawingml/2006/main" xmlns:r="http://schemas.openxmlformats.org/officeDocument/2006/relationships" xmlns:mc="http://schemas.openxmlformats.org/markup-compatibility/2006" xmlns:mv="urn:schemas-microsoft-com:mac:vml" xmlns:p="http://schemas.openxmlformats.org/presentationml/2006/main" xmlns:c="http://schemas.openxmlformats.org/drawingml/2006/chart" xmlns:dgm="http://schemas.openxmlformats.org/drawingml/2006/diagram" xmlns:o="urn:schemas-microsoft-com:office:office" xmlns:v="urn:schemas-microsoft-com:vml" xmlns:pvml="urn:schemas-microsoft-com:office:powerpoint" xmlns:com="http://schemas.openxmlformats.org/drawingml/2006/compatibility" xmlns:p14="http://schemas.microsoft.com/office/powerpoint/2010/main" xmlns:p15="http://schemas.microsoft.com/office/powerpoint/2012/main" showMasterPhAnim="0" showMasterSp="0">
+<p:notes xmlns:a="http://schemas.openxmlformats.org/drawingml/2006/main" xmlns:r="http://schemas.openxmlformats.org/officeDocument/2006/relationships" xmlns:p="http://schemas.openxmlformats.org/presentationml/2006/main" showMasterSp="0" showMasterPhAnim="0">
   <p:cSld>
     <p:spTree>
       <p:nvGrpSpPr>
-        <p:cNvPr id="235" name="Shape 235"/>
+        <p:cNvPr id="1" name="Shape 235"/>
         <p:cNvGrpSpPr/>
         <p:nvPr/>
       </p:nvGrpSpPr>
@@ -907,9 +1052,11 @@
       <p:sp>
         <p:nvSpPr>
           <p:cNvPr id="236" name="Shape 236"/>
-          <p:cNvSpPr/>
+          <p:cNvSpPr>
+            <a:spLocks noGrp="1" noRot="1" noChangeAspect="1"/>
+          </p:cNvSpPr>
           <p:nvPr>
-            <p:ph idx="2" type="sldImg"/>
+            <p:ph type="sldImg" idx="2"/>
           </p:nvPr>
         </p:nvSpPr>
         <p:spPr>
@@ -918,8 +1065,13 @@
             <a:ext cx="6096300" cy="3429000"/>
           </a:xfrm>
           <a:custGeom>
+            <a:avLst/>
+            <a:gdLst/>
+            <a:ahLst/>
+            <a:cxnLst/>
+            <a:rect l="0" t="0" r="0" b="0"/>
             <a:pathLst>
-              <a:path extrusionOk="0" h="120000" w="120000">
+              <a:path w="120000" h="120000" extrusionOk="0">
                 <a:moveTo>
                   <a:pt x="0" y="0"/>
                 </a:moveTo>
@@ -941,9 +1093,11 @@
       <p:sp>
         <p:nvSpPr>
           <p:cNvPr id="237" name="Shape 237"/>
-          <p:cNvSpPr txBox="1"/>
+          <p:cNvSpPr txBox="1">
+            <a:spLocks noGrp="1"/>
+          </p:cNvSpPr>
           <p:nvPr>
-            <p:ph idx="1" type="body"/>
+            <p:ph type="body" idx="1"/>
           </p:nvPr>
         </p:nvSpPr>
         <p:spPr>
@@ -956,20 +1110,17 @@
           </a:prstGeom>
         </p:spPr>
         <p:txBody>
-          <a:bodyPr anchorCtr="0" anchor="t" bIns="91425" lIns="91425" rIns="91425" wrap="square" tIns="91425">
+          <a:bodyPr wrap="square" lIns="91425" tIns="91425" rIns="91425" bIns="91425" anchor="t" anchorCtr="0">
             <a:noAutofit/>
           </a:bodyPr>
           <a:lstStyle/>
           <a:p>
-            <a:pPr indent="0" lvl="0" marL="0">
+            <a:pPr marL="0" lvl="0" indent="0">
               <a:spcBef>
                 <a:spcPts val="0"/>
               </a:spcBef>
               <a:buNone/>
             </a:pPr>
-            <a:r>
-              <a:t/>
-            </a:r>
             <a:endParaRPr/>
           </a:p>
         </p:txBody>
@@ -983,11 +1134,11 @@
 </file>
 
 <file path=ppt/notesSlides/notesSlide15.xml><?xml version="1.0" encoding="utf-8"?>
-<p:notes xmlns:a="http://schemas.openxmlformats.org/drawingml/2006/main" xmlns:r="http://schemas.openxmlformats.org/officeDocument/2006/relationships" xmlns:mc="http://schemas.openxmlformats.org/markup-compatibility/2006" xmlns:mv="urn:schemas-microsoft-com:mac:vml" xmlns:p="http://schemas.openxmlformats.org/presentationml/2006/main" xmlns:c="http://schemas.openxmlformats.org/drawingml/2006/chart" xmlns:dgm="http://schemas.openxmlformats.org/drawingml/2006/diagram" xmlns:o="urn:schemas-microsoft-com:office:office" xmlns:v="urn:schemas-microsoft-com:vml" xmlns:pvml="urn:schemas-microsoft-com:office:powerpoint" xmlns:com="http://schemas.openxmlformats.org/drawingml/2006/compatibility" xmlns:p14="http://schemas.microsoft.com/office/powerpoint/2010/main" xmlns:p15="http://schemas.microsoft.com/office/powerpoint/2012/main" showMasterPhAnim="0" showMasterSp="0">
+<p:notes xmlns:a="http://schemas.openxmlformats.org/drawingml/2006/main" xmlns:r="http://schemas.openxmlformats.org/officeDocument/2006/relationships" xmlns:p="http://schemas.openxmlformats.org/presentationml/2006/main" showMasterSp="0" showMasterPhAnim="0">
   <p:cSld>
     <p:spTree>
       <p:nvGrpSpPr>
-        <p:cNvPr id="240" name="Shape 240"/>
+        <p:cNvPr id="1" name="Shape 240"/>
         <p:cNvGrpSpPr/>
         <p:nvPr/>
       </p:nvGrpSpPr>
@@ -1002,9 +1153,11 @@
       <p:sp>
         <p:nvSpPr>
           <p:cNvPr id="241" name="Shape 241"/>
-          <p:cNvSpPr/>
+          <p:cNvSpPr>
+            <a:spLocks noGrp="1" noRot="1" noChangeAspect="1"/>
+          </p:cNvSpPr>
           <p:nvPr>
-            <p:ph idx="2" type="sldImg"/>
+            <p:ph type="sldImg" idx="2"/>
           </p:nvPr>
         </p:nvSpPr>
         <p:spPr>
@@ -1013,8 +1166,13 @@
             <a:ext cx="6096300" cy="3429000"/>
           </a:xfrm>
           <a:custGeom>
+            <a:avLst/>
+            <a:gdLst/>
+            <a:ahLst/>
+            <a:cxnLst/>
+            <a:rect l="0" t="0" r="0" b="0"/>
             <a:pathLst>
-              <a:path extrusionOk="0" h="120000" w="120000">
+              <a:path w="120000" h="120000" extrusionOk="0">
                 <a:moveTo>
                   <a:pt x="0" y="0"/>
                 </a:moveTo>
@@ -1036,9 +1194,11 @@
       <p:sp>
         <p:nvSpPr>
           <p:cNvPr id="242" name="Shape 242"/>
-          <p:cNvSpPr txBox="1"/>
+          <p:cNvSpPr txBox="1">
+            <a:spLocks noGrp="1"/>
+          </p:cNvSpPr>
           <p:nvPr>
-            <p:ph idx="1" type="body"/>
+            <p:ph type="body" idx="1"/>
           </p:nvPr>
         </p:nvSpPr>
         <p:spPr>
@@ -1051,20 +1211,17 @@
           </a:prstGeom>
         </p:spPr>
         <p:txBody>
-          <a:bodyPr anchorCtr="0" anchor="t" bIns="91425" lIns="91425" rIns="91425" wrap="square" tIns="91425">
+          <a:bodyPr wrap="square" lIns="91425" tIns="91425" rIns="91425" bIns="91425" anchor="t" anchorCtr="0">
             <a:noAutofit/>
           </a:bodyPr>
           <a:lstStyle/>
           <a:p>
-            <a:pPr indent="0" lvl="0" marL="0">
+            <a:pPr marL="0" lvl="0" indent="0">
               <a:spcBef>
                 <a:spcPts val="0"/>
               </a:spcBef>
               <a:buNone/>
             </a:pPr>
-            <a:r>
-              <a:t/>
-            </a:r>
             <a:endParaRPr/>
           </a:p>
         </p:txBody>
@@ -1078,11 +1235,11 @@
 </file>
 
 <file path=ppt/notesSlides/notesSlide2.xml><?xml version="1.0" encoding="utf-8"?>
-<p:notes xmlns:a="http://schemas.openxmlformats.org/drawingml/2006/main" xmlns:r="http://schemas.openxmlformats.org/officeDocument/2006/relationships" xmlns:mc="http://schemas.openxmlformats.org/markup-compatibility/2006" xmlns:mv="urn:schemas-microsoft-com:mac:vml" xmlns:p="http://schemas.openxmlformats.org/presentationml/2006/main" xmlns:c="http://schemas.openxmlformats.org/drawingml/2006/chart" xmlns:dgm="http://schemas.openxmlformats.org/drawingml/2006/diagram" xmlns:o="urn:schemas-microsoft-com:office:office" xmlns:v="urn:schemas-microsoft-com:vml" xmlns:pvml="urn:schemas-microsoft-com:office:powerpoint" xmlns:com="http://schemas.openxmlformats.org/drawingml/2006/compatibility" xmlns:p14="http://schemas.microsoft.com/office/powerpoint/2010/main" xmlns:p15="http://schemas.microsoft.com/office/powerpoint/2012/main" showMasterPhAnim="0" showMasterSp="0">
+<p:notes xmlns:a="http://schemas.openxmlformats.org/drawingml/2006/main" xmlns:r="http://schemas.openxmlformats.org/officeDocument/2006/relationships" xmlns:p="http://schemas.openxmlformats.org/presentationml/2006/main" showMasterSp="0" showMasterPhAnim="0">
   <p:cSld>
     <p:spTree>
       <p:nvGrpSpPr>
-        <p:cNvPr id="159" name="Shape 159"/>
+        <p:cNvPr id="1" name="Shape 159"/>
         <p:cNvGrpSpPr/>
         <p:nvPr/>
       </p:nvGrpSpPr>
@@ -1097,9 +1254,11 @@
       <p:sp>
         <p:nvSpPr>
           <p:cNvPr id="160" name="Shape 160"/>
-          <p:cNvSpPr/>
+          <p:cNvSpPr>
+            <a:spLocks noGrp="1" noRot="1" noChangeAspect="1"/>
+          </p:cNvSpPr>
           <p:nvPr>
-            <p:ph idx="2" type="sldImg"/>
+            <p:ph type="sldImg" idx="2"/>
           </p:nvPr>
         </p:nvSpPr>
         <p:spPr>
@@ -1108,8 +1267,13 @@
             <a:ext cx="6096300" cy="3429000"/>
           </a:xfrm>
           <a:custGeom>
+            <a:avLst/>
+            <a:gdLst/>
+            <a:ahLst/>
+            <a:cxnLst/>
+            <a:rect l="0" t="0" r="0" b="0"/>
             <a:pathLst>
-              <a:path extrusionOk="0" h="120000" w="120000">
+              <a:path w="120000" h="120000" extrusionOk="0">
                 <a:moveTo>
                   <a:pt x="0" y="0"/>
                 </a:moveTo>
@@ -1131,9 +1295,11 @@
       <p:sp>
         <p:nvSpPr>
           <p:cNvPr id="161" name="Shape 161"/>
-          <p:cNvSpPr txBox="1"/>
+          <p:cNvSpPr txBox="1">
+            <a:spLocks noGrp="1"/>
+          </p:cNvSpPr>
           <p:nvPr>
-            <p:ph idx="1" type="body"/>
+            <p:ph type="body" idx="1"/>
           </p:nvPr>
         </p:nvSpPr>
         <p:spPr>
@@ -1146,20 +1312,17 @@
           </a:prstGeom>
         </p:spPr>
         <p:txBody>
-          <a:bodyPr anchorCtr="0" anchor="t" bIns="91425" lIns="91425" rIns="91425" wrap="square" tIns="91425">
+          <a:bodyPr wrap="square" lIns="91425" tIns="91425" rIns="91425" bIns="91425" anchor="t" anchorCtr="0">
             <a:noAutofit/>
           </a:bodyPr>
           <a:lstStyle/>
           <a:p>
-            <a:pPr indent="0" lvl="0" marL="0">
+            <a:pPr marL="0" lvl="0" indent="0">
               <a:spcBef>
                 <a:spcPts val="0"/>
               </a:spcBef>
               <a:buNone/>
             </a:pPr>
-            <a:r>
-              <a:t/>
-            </a:r>
             <a:endParaRPr/>
           </a:p>
         </p:txBody>
@@ -1173,11 +1336,11 @@
 </file>
 
 <file path=ppt/notesSlides/notesSlide3.xml><?xml version="1.0" encoding="utf-8"?>
-<p:notes xmlns:a="http://schemas.openxmlformats.org/drawingml/2006/main" xmlns:r="http://schemas.openxmlformats.org/officeDocument/2006/relationships" xmlns:mc="http://schemas.openxmlformats.org/markup-compatibility/2006" xmlns:mv="urn:schemas-microsoft-com:mac:vml" xmlns:p="http://schemas.openxmlformats.org/presentationml/2006/main" xmlns:c="http://schemas.openxmlformats.org/drawingml/2006/chart" xmlns:dgm="http://schemas.openxmlformats.org/drawingml/2006/diagram" xmlns:o="urn:schemas-microsoft-com:office:office" xmlns:v="urn:schemas-microsoft-com:vml" xmlns:pvml="urn:schemas-microsoft-com:office:powerpoint" xmlns:com="http://schemas.openxmlformats.org/drawingml/2006/compatibility" xmlns:p14="http://schemas.microsoft.com/office/powerpoint/2010/main" xmlns:p15="http://schemas.microsoft.com/office/powerpoint/2012/main" showMasterPhAnim="0" showMasterSp="0">
+<p:notes xmlns:a="http://schemas.openxmlformats.org/drawingml/2006/main" xmlns:r="http://schemas.openxmlformats.org/officeDocument/2006/relationships" xmlns:p="http://schemas.openxmlformats.org/presentationml/2006/main" showMasterSp="0" showMasterPhAnim="0">
   <p:cSld>
     <p:spTree>
       <p:nvGrpSpPr>
-        <p:cNvPr id="165" name="Shape 165"/>
+        <p:cNvPr id="1" name="Shape 165"/>
         <p:cNvGrpSpPr/>
         <p:nvPr/>
       </p:nvGrpSpPr>
@@ -1192,9 +1355,11 @@
       <p:sp>
         <p:nvSpPr>
           <p:cNvPr id="166" name="Shape 166"/>
-          <p:cNvSpPr/>
+          <p:cNvSpPr>
+            <a:spLocks noGrp="1" noRot="1" noChangeAspect="1"/>
+          </p:cNvSpPr>
           <p:nvPr>
-            <p:ph idx="2" type="sldImg"/>
+            <p:ph type="sldImg" idx="2"/>
           </p:nvPr>
         </p:nvSpPr>
         <p:spPr>
@@ -1203,8 +1368,13 @@
             <a:ext cx="6096300" cy="3429000"/>
           </a:xfrm>
           <a:custGeom>
+            <a:avLst/>
+            <a:gdLst/>
+            <a:ahLst/>
+            <a:cxnLst/>
+            <a:rect l="0" t="0" r="0" b="0"/>
             <a:pathLst>
-              <a:path extrusionOk="0" h="120000" w="120000">
+              <a:path w="120000" h="120000" extrusionOk="0">
                 <a:moveTo>
                   <a:pt x="0" y="0"/>
                 </a:moveTo>
@@ -1226,9 +1396,11 @@
       <p:sp>
         <p:nvSpPr>
           <p:cNvPr id="167" name="Shape 167"/>
-          <p:cNvSpPr txBox="1"/>
+          <p:cNvSpPr txBox="1">
+            <a:spLocks noGrp="1"/>
+          </p:cNvSpPr>
           <p:nvPr>
-            <p:ph idx="1" type="body"/>
+            <p:ph type="body" idx="1"/>
           </p:nvPr>
         </p:nvSpPr>
         <p:spPr>
@@ -1241,20 +1413,17 @@
           </a:prstGeom>
         </p:spPr>
         <p:txBody>
-          <a:bodyPr anchorCtr="0" anchor="t" bIns="91425" lIns="91425" rIns="91425" wrap="square" tIns="91425">
+          <a:bodyPr wrap="square" lIns="91425" tIns="91425" rIns="91425" bIns="91425" anchor="t" anchorCtr="0">
             <a:noAutofit/>
           </a:bodyPr>
           <a:lstStyle/>
           <a:p>
-            <a:pPr indent="0" lvl="0" marL="0">
+            <a:pPr marL="0" lvl="0" indent="0">
               <a:spcBef>
                 <a:spcPts val="0"/>
               </a:spcBef>
               <a:buNone/>
             </a:pPr>
-            <a:r>
-              <a:t/>
-            </a:r>
             <a:endParaRPr/>
           </a:p>
         </p:txBody>
@@ -1268,11 +1437,11 @@
 </file>
 
 <file path=ppt/notesSlides/notesSlide4.xml><?xml version="1.0" encoding="utf-8"?>
-<p:notes xmlns:a="http://schemas.openxmlformats.org/drawingml/2006/main" xmlns:r="http://schemas.openxmlformats.org/officeDocument/2006/relationships" xmlns:mc="http://schemas.openxmlformats.org/markup-compatibility/2006" xmlns:mv="urn:schemas-microsoft-com:mac:vml" xmlns:p="http://schemas.openxmlformats.org/presentationml/2006/main" xmlns:c="http://schemas.openxmlformats.org/drawingml/2006/chart" xmlns:dgm="http://schemas.openxmlformats.org/drawingml/2006/diagram" xmlns:o="urn:schemas-microsoft-com:office:office" xmlns:v="urn:schemas-microsoft-com:vml" xmlns:pvml="urn:schemas-microsoft-com:office:powerpoint" xmlns:com="http://schemas.openxmlformats.org/drawingml/2006/compatibility" xmlns:p14="http://schemas.microsoft.com/office/powerpoint/2010/main" xmlns:p15="http://schemas.microsoft.com/office/powerpoint/2012/main" showMasterPhAnim="0" showMasterSp="0">
+<p:notes xmlns:a="http://schemas.openxmlformats.org/drawingml/2006/main" xmlns:r="http://schemas.openxmlformats.org/officeDocument/2006/relationships" xmlns:p="http://schemas.openxmlformats.org/presentationml/2006/main" showMasterSp="0" showMasterPhAnim="0">
   <p:cSld>
     <p:spTree>
       <p:nvGrpSpPr>
-        <p:cNvPr id="171" name="Shape 171"/>
+        <p:cNvPr id="1" name="Shape 171"/>
         <p:cNvGrpSpPr/>
         <p:nvPr/>
       </p:nvGrpSpPr>
@@ -1287,9 +1456,11 @@
       <p:sp>
         <p:nvSpPr>
           <p:cNvPr id="172" name="Shape 172"/>
-          <p:cNvSpPr/>
+          <p:cNvSpPr>
+            <a:spLocks noGrp="1" noRot="1" noChangeAspect="1"/>
+          </p:cNvSpPr>
           <p:nvPr>
-            <p:ph idx="2" type="sldImg"/>
+            <p:ph type="sldImg" idx="2"/>
           </p:nvPr>
         </p:nvSpPr>
         <p:spPr>
@@ -1298,8 +1469,13 @@
             <a:ext cx="6096300" cy="3429000"/>
           </a:xfrm>
           <a:custGeom>
+            <a:avLst/>
+            <a:gdLst/>
+            <a:ahLst/>
+            <a:cxnLst/>
+            <a:rect l="0" t="0" r="0" b="0"/>
             <a:pathLst>
-              <a:path extrusionOk="0" h="120000" w="120000">
+              <a:path w="120000" h="120000" extrusionOk="0">
                 <a:moveTo>
                   <a:pt x="0" y="0"/>
                 </a:moveTo>
@@ -1321,9 +1497,11 @@
       <p:sp>
         <p:nvSpPr>
           <p:cNvPr id="173" name="Shape 173"/>
-          <p:cNvSpPr txBox="1"/>
+          <p:cNvSpPr txBox="1">
+            <a:spLocks noGrp="1"/>
+          </p:cNvSpPr>
           <p:nvPr>
-            <p:ph idx="1" type="body"/>
+            <p:ph type="body" idx="1"/>
           </p:nvPr>
         </p:nvSpPr>
         <p:spPr>
@@ -1336,20 +1514,17 @@
           </a:prstGeom>
         </p:spPr>
         <p:txBody>
-          <a:bodyPr anchorCtr="0" anchor="t" bIns="91425" lIns="91425" rIns="91425" wrap="square" tIns="91425">
+          <a:bodyPr wrap="square" lIns="91425" tIns="91425" rIns="91425" bIns="91425" anchor="t" anchorCtr="0">
             <a:noAutofit/>
           </a:bodyPr>
           <a:lstStyle/>
           <a:p>
-            <a:pPr indent="0" lvl="0" marL="0" rtl="0">
+            <a:pPr marL="0" lvl="0" indent="0" rtl="0">
               <a:spcBef>
                 <a:spcPts val="0"/>
               </a:spcBef>
               <a:buNone/>
             </a:pPr>
-            <a:r>
-              <a:t/>
-            </a:r>
             <a:endParaRPr/>
           </a:p>
         </p:txBody>
@@ -1363,11 +1538,11 @@
 </file>
 
 <file path=ppt/notesSlides/notesSlide5.xml><?xml version="1.0" encoding="utf-8"?>
-<p:notes xmlns:a="http://schemas.openxmlformats.org/drawingml/2006/main" xmlns:r="http://schemas.openxmlformats.org/officeDocument/2006/relationships" xmlns:mc="http://schemas.openxmlformats.org/markup-compatibility/2006" xmlns:mv="urn:schemas-microsoft-com:mac:vml" xmlns:p="http://schemas.openxmlformats.org/presentationml/2006/main" xmlns:c="http://schemas.openxmlformats.org/drawingml/2006/chart" xmlns:dgm="http://schemas.openxmlformats.org/drawingml/2006/diagram" xmlns:o="urn:schemas-microsoft-com:office:office" xmlns:v="urn:schemas-microsoft-com:vml" xmlns:pvml="urn:schemas-microsoft-com:office:powerpoint" xmlns:com="http://schemas.openxmlformats.org/drawingml/2006/compatibility" xmlns:p14="http://schemas.microsoft.com/office/powerpoint/2010/main" xmlns:p15="http://schemas.microsoft.com/office/powerpoint/2012/main" showMasterPhAnim="0" showMasterSp="0">
+<p:notes xmlns:a="http://schemas.openxmlformats.org/drawingml/2006/main" xmlns:r="http://schemas.openxmlformats.org/officeDocument/2006/relationships" xmlns:p="http://schemas.openxmlformats.org/presentationml/2006/main" showMasterSp="0" showMasterPhAnim="0">
   <p:cSld>
     <p:spTree>
       <p:nvGrpSpPr>
-        <p:cNvPr id="177" name="Shape 177"/>
+        <p:cNvPr id="1" name="Shape 177"/>
         <p:cNvGrpSpPr/>
         <p:nvPr/>
       </p:nvGrpSpPr>
@@ -1382,9 +1557,11 @@
       <p:sp>
         <p:nvSpPr>
           <p:cNvPr id="178" name="Shape 178"/>
-          <p:cNvSpPr/>
+          <p:cNvSpPr>
+            <a:spLocks noGrp="1" noRot="1" noChangeAspect="1"/>
+          </p:cNvSpPr>
           <p:nvPr>
-            <p:ph idx="2" type="sldImg"/>
+            <p:ph type="sldImg" idx="2"/>
           </p:nvPr>
         </p:nvSpPr>
         <p:spPr>
@@ -1393,8 +1570,13 @@
             <a:ext cx="6096300" cy="3429000"/>
           </a:xfrm>
           <a:custGeom>
+            <a:avLst/>
+            <a:gdLst/>
+            <a:ahLst/>
+            <a:cxnLst/>
+            <a:rect l="0" t="0" r="0" b="0"/>
             <a:pathLst>
-              <a:path extrusionOk="0" h="120000" w="120000">
+              <a:path w="120000" h="120000" extrusionOk="0">
                 <a:moveTo>
                   <a:pt x="0" y="0"/>
                 </a:moveTo>
@@ -1416,9 +1598,11 @@
       <p:sp>
         <p:nvSpPr>
           <p:cNvPr id="179" name="Shape 179"/>
-          <p:cNvSpPr txBox="1"/>
+          <p:cNvSpPr txBox="1">
+            <a:spLocks noGrp="1"/>
+          </p:cNvSpPr>
           <p:nvPr>
-            <p:ph idx="1" type="body"/>
+            <p:ph type="body" idx="1"/>
           </p:nvPr>
         </p:nvSpPr>
         <p:spPr>
@@ -1431,20 +1615,17 @@
           </a:prstGeom>
         </p:spPr>
         <p:txBody>
-          <a:bodyPr anchorCtr="0" anchor="t" bIns="91425" lIns="91425" rIns="91425" wrap="square" tIns="91425">
+          <a:bodyPr wrap="square" lIns="91425" tIns="91425" rIns="91425" bIns="91425" anchor="t" anchorCtr="0">
             <a:noAutofit/>
           </a:bodyPr>
           <a:lstStyle/>
           <a:p>
-            <a:pPr indent="0" lvl="0" marL="0" rtl="0">
+            <a:pPr marL="0" lvl="0" indent="0" rtl="0">
               <a:spcBef>
                 <a:spcPts val="0"/>
               </a:spcBef>
               <a:buNone/>
             </a:pPr>
-            <a:r>
-              <a:t/>
-            </a:r>
             <a:endParaRPr/>
           </a:p>
         </p:txBody>
@@ -1458,11 +1639,11 @@
 </file>
 
 <file path=ppt/notesSlides/notesSlide6.xml><?xml version="1.0" encoding="utf-8"?>
-<p:notes xmlns:a="http://schemas.openxmlformats.org/drawingml/2006/main" xmlns:r="http://schemas.openxmlformats.org/officeDocument/2006/relationships" xmlns:mc="http://schemas.openxmlformats.org/markup-compatibility/2006" xmlns:mv="urn:schemas-microsoft-com:mac:vml" xmlns:p="http://schemas.openxmlformats.org/presentationml/2006/main" xmlns:c="http://schemas.openxmlformats.org/drawingml/2006/chart" xmlns:dgm="http://schemas.openxmlformats.org/drawingml/2006/diagram" xmlns:o="urn:schemas-microsoft-com:office:office" xmlns:v="urn:schemas-microsoft-com:vml" xmlns:pvml="urn:schemas-microsoft-com:office:powerpoint" xmlns:com="http://schemas.openxmlformats.org/drawingml/2006/compatibility" xmlns:p14="http://schemas.microsoft.com/office/powerpoint/2010/main" xmlns:p15="http://schemas.microsoft.com/office/powerpoint/2012/main" showMasterPhAnim="0" showMasterSp="0">
+<p:notes xmlns:a="http://schemas.openxmlformats.org/drawingml/2006/main" xmlns:r="http://schemas.openxmlformats.org/officeDocument/2006/relationships" xmlns:p="http://schemas.openxmlformats.org/presentationml/2006/main" showMasterSp="0" showMasterPhAnim="0">
   <p:cSld>
     <p:spTree>
       <p:nvGrpSpPr>
-        <p:cNvPr id="184" name="Shape 184"/>
+        <p:cNvPr id="1" name="Shape 184"/>
         <p:cNvGrpSpPr/>
         <p:nvPr/>
       </p:nvGrpSpPr>
@@ -1477,9 +1658,11 @@
       <p:sp>
         <p:nvSpPr>
           <p:cNvPr id="185" name="Shape 185"/>
-          <p:cNvSpPr/>
+          <p:cNvSpPr>
+            <a:spLocks noGrp="1" noRot="1" noChangeAspect="1"/>
+          </p:cNvSpPr>
           <p:nvPr>
-            <p:ph idx="2" type="sldImg"/>
+            <p:ph type="sldImg" idx="2"/>
           </p:nvPr>
         </p:nvSpPr>
         <p:spPr>
@@ -1488,8 +1671,13 @@
             <a:ext cx="6096300" cy="3429000"/>
           </a:xfrm>
           <a:custGeom>
+            <a:avLst/>
+            <a:gdLst/>
+            <a:ahLst/>
+            <a:cxnLst/>
+            <a:rect l="0" t="0" r="0" b="0"/>
             <a:pathLst>
-              <a:path extrusionOk="0" h="120000" w="120000">
+              <a:path w="120000" h="120000" extrusionOk="0">
                 <a:moveTo>
                   <a:pt x="0" y="0"/>
                 </a:moveTo>
@@ -1511,9 +1699,11 @@
       <p:sp>
         <p:nvSpPr>
           <p:cNvPr id="186" name="Shape 186"/>
-          <p:cNvSpPr txBox="1"/>
+          <p:cNvSpPr txBox="1">
+            <a:spLocks noGrp="1"/>
+          </p:cNvSpPr>
           <p:nvPr>
-            <p:ph idx="1" type="body"/>
+            <p:ph type="body" idx="1"/>
           </p:nvPr>
         </p:nvSpPr>
         <p:spPr>
@@ -1526,20 +1716,17 @@
           </a:prstGeom>
         </p:spPr>
         <p:txBody>
-          <a:bodyPr anchorCtr="0" anchor="t" bIns="91425" lIns="91425" rIns="91425" wrap="square" tIns="91425">
+          <a:bodyPr wrap="square" lIns="91425" tIns="91425" rIns="91425" bIns="91425" anchor="t" anchorCtr="0">
             <a:noAutofit/>
           </a:bodyPr>
           <a:lstStyle/>
           <a:p>
-            <a:pPr indent="0" lvl="0" marL="0" rtl="0">
+            <a:pPr marL="0" lvl="0" indent="0" rtl="0">
               <a:spcBef>
                 <a:spcPts val="0"/>
               </a:spcBef>
               <a:buNone/>
             </a:pPr>
-            <a:r>
-              <a:t/>
-            </a:r>
             <a:endParaRPr/>
           </a:p>
         </p:txBody>
@@ -1553,11 +1740,11 @@
 </file>
 
 <file path=ppt/notesSlides/notesSlide7.xml><?xml version="1.0" encoding="utf-8"?>
-<p:notes xmlns:a="http://schemas.openxmlformats.org/drawingml/2006/main" xmlns:r="http://schemas.openxmlformats.org/officeDocument/2006/relationships" xmlns:mc="http://schemas.openxmlformats.org/markup-compatibility/2006" xmlns:mv="urn:schemas-microsoft-com:mac:vml" xmlns:p="http://schemas.openxmlformats.org/presentationml/2006/main" xmlns:c="http://schemas.openxmlformats.org/drawingml/2006/chart" xmlns:dgm="http://schemas.openxmlformats.org/drawingml/2006/diagram" xmlns:o="urn:schemas-microsoft-com:office:office" xmlns:v="urn:schemas-microsoft-com:vml" xmlns:pvml="urn:schemas-microsoft-com:office:powerpoint" xmlns:com="http://schemas.openxmlformats.org/drawingml/2006/compatibility" xmlns:p14="http://schemas.microsoft.com/office/powerpoint/2010/main" xmlns:p15="http://schemas.microsoft.com/office/powerpoint/2012/main" showMasterPhAnim="0" showMasterSp="0">
+<p:notes xmlns:a="http://schemas.openxmlformats.org/drawingml/2006/main" xmlns:r="http://schemas.openxmlformats.org/officeDocument/2006/relationships" xmlns:p="http://schemas.openxmlformats.org/presentationml/2006/main" showMasterSp="0" showMasterPhAnim="0">
   <p:cSld>
     <p:spTree>
       <p:nvGrpSpPr>
-        <p:cNvPr id="191" name="Shape 191"/>
+        <p:cNvPr id="1" name="Shape 191"/>
         <p:cNvGrpSpPr/>
         <p:nvPr/>
       </p:nvGrpSpPr>
@@ -1572,9 +1759,11 @@
       <p:sp>
         <p:nvSpPr>
           <p:cNvPr id="192" name="Shape 192"/>
-          <p:cNvSpPr/>
+          <p:cNvSpPr>
+            <a:spLocks noGrp="1" noRot="1" noChangeAspect="1"/>
+          </p:cNvSpPr>
           <p:nvPr>
-            <p:ph idx="2" type="sldImg"/>
+            <p:ph type="sldImg" idx="2"/>
           </p:nvPr>
         </p:nvSpPr>
         <p:spPr>
@@ -1583,8 +1772,13 @@
             <a:ext cx="6096300" cy="3429000"/>
           </a:xfrm>
           <a:custGeom>
+            <a:avLst/>
+            <a:gdLst/>
+            <a:ahLst/>
+            <a:cxnLst/>
+            <a:rect l="0" t="0" r="0" b="0"/>
             <a:pathLst>
-              <a:path extrusionOk="0" h="120000" w="120000">
+              <a:path w="120000" h="120000" extrusionOk="0">
                 <a:moveTo>
                   <a:pt x="0" y="0"/>
                 </a:moveTo>
@@ -1606,9 +1800,11 @@
       <p:sp>
         <p:nvSpPr>
           <p:cNvPr id="193" name="Shape 193"/>
-          <p:cNvSpPr txBox="1"/>
+          <p:cNvSpPr txBox="1">
+            <a:spLocks noGrp="1"/>
+          </p:cNvSpPr>
           <p:nvPr>
-            <p:ph idx="1" type="body"/>
+            <p:ph type="body" idx="1"/>
           </p:nvPr>
         </p:nvSpPr>
         <p:spPr>
@@ -1621,20 +1817,17 @@
           </a:prstGeom>
         </p:spPr>
         <p:txBody>
-          <a:bodyPr anchorCtr="0" anchor="t" bIns="91425" lIns="91425" rIns="91425" wrap="square" tIns="91425">
+          <a:bodyPr wrap="square" lIns="91425" tIns="91425" rIns="91425" bIns="91425" anchor="t" anchorCtr="0">
             <a:noAutofit/>
           </a:bodyPr>
           <a:lstStyle/>
           <a:p>
-            <a:pPr indent="0" lvl="0" marL="0">
+            <a:pPr marL="0" lvl="0" indent="0">
               <a:spcBef>
                 <a:spcPts val="0"/>
               </a:spcBef>
               <a:buNone/>
             </a:pPr>
-            <a:r>
-              <a:t/>
-            </a:r>
             <a:endParaRPr/>
           </a:p>
         </p:txBody>
@@ -1648,11 +1841,11 @@
 </file>
 
 <file path=ppt/notesSlides/notesSlide8.xml><?xml version="1.0" encoding="utf-8"?>
-<p:notes xmlns:a="http://schemas.openxmlformats.org/drawingml/2006/main" xmlns:r="http://schemas.openxmlformats.org/officeDocument/2006/relationships" xmlns:mc="http://schemas.openxmlformats.org/markup-compatibility/2006" xmlns:mv="urn:schemas-microsoft-com:mac:vml" xmlns:p="http://schemas.openxmlformats.org/presentationml/2006/main" xmlns:c="http://schemas.openxmlformats.org/drawingml/2006/chart" xmlns:dgm="http://schemas.openxmlformats.org/drawingml/2006/diagram" xmlns:o="urn:schemas-microsoft-com:office:office" xmlns:v="urn:schemas-microsoft-com:vml" xmlns:pvml="urn:schemas-microsoft-com:office:powerpoint" xmlns:com="http://schemas.openxmlformats.org/drawingml/2006/compatibility" xmlns:p14="http://schemas.microsoft.com/office/powerpoint/2010/main" xmlns:p15="http://schemas.microsoft.com/office/powerpoint/2012/main" showMasterPhAnim="0" showMasterSp="0">
+<p:notes xmlns:a="http://schemas.openxmlformats.org/drawingml/2006/main" xmlns:r="http://schemas.openxmlformats.org/officeDocument/2006/relationships" xmlns:p="http://schemas.openxmlformats.org/presentationml/2006/main" showMasterSp="0" showMasterPhAnim="0">
   <p:cSld>
     <p:spTree>
       <p:nvGrpSpPr>
-        <p:cNvPr id="197" name="Shape 197"/>
+        <p:cNvPr id="1" name="Shape 197"/>
         <p:cNvGrpSpPr/>
         <p:nvPr/>
       </p:nvGrpSpPr>
@@ -1667,9 +1860,11 @@
       <p:sp>
         <p:nvSpPr>
           <p:cNvPr id="198" name="Shape 198"/>
-          <p:cNvSpPr/>
+          <p:cNvSpPr>
+            <a:spLocks noGrp="1" noRot="1" noChangeAspect="1"/>
+          </p:cNvSpPr>
           <p:nvPr>
-            <p:ph idx="2" type="sldImg"/>
+            <p:ph type="sldImg" idx="2"/>
           </p:nvPr>
         </p:nvSpPr>
         <p:spPr>
@@ -1678,8 +1873,13 @@
             <a:ext cx="6096300" cy="3429000"/>
           </a:xfrm>
           <a:custGeom>
+            <a:avLst/>
+            <a:gdLst/>
+            <a:ahLst/>
+            <a:cxnLst/>
+            <a:rect l="0" t="0" r="0" b="0"/>
             <a:pathLst>
-              <a:path extrusionOk="0" h="120000" w="120000">
+              <a:path w="120000" h="120000" extrusionOk="0">
                 <a:moveTo>
                   <a:pt x="0" y="0"/>
                 </a:moveTo>
@@ -1701,9 +1901,11 @@
       <p:sp>
         <p:nvSpPr>
           <p:cNvPr id="199" name="Shape 199"/>
-          <p:cNvSpPr txBox="1"/>
+          <p:cNvSpPr txBox="1">
+            <a:spLocks noGrp="1"/>
+          </p:cNvSpPr>
           <p:nvPr>
-            <p:ph idx="1" type="body"/>
+            <p:ph type="body" idx="1"/>
           </p:nvPr>
         </p:nvSpPr>
         <p:spPr>
@@ -1716,20 +1918,17 @@
           </a:prstGeom>
         </p:spPr>
         <p:txBody>
-          <a:bodyPr anchorCtr="0" anchor="t" bIns="91425" lIns="91425" rIns="91425" wrap="square" tIns="91425">
+          <a:bodyPr wrap="square" lIns="91425" tIns="91425" rIns="91425" bIns="91425" anchor="t" anchorCtr="0">
             <a:noAutofit/>
           </a:bodyPr>
           <a:lstStyle/>
           <a:p>
-            <a:pPr indent="0" lvl="0" marL="0" rtl="0">
+            <a:pPr marL="0" lvl="0" indent="0" rtl="0">
               <a:spcBef>
                 <a:spcPts val="0"/>
               </a:spcBef>
               <a:buNone/>
             </a:pPr>
-            <a:r>
-              <a:t/>
-            </a:r>
             <a:endParaRPr/>
           </a:p>
         </p:txBody>
@@ -1743,11 +1942,11 @@
 </file>
 
 <file path=ppt/notesSlides/notesSlide9.xml><?xml version="1.0" encoding="utf-8"?>
-<p:notes xmlns:a="http://schemas.openxmlformats.org/drawingml/2006/main" xmlns:r="http://schemas.openxmlformats.org/officeDocument/2006/relationships" xmlns:mc="http://schemas.openxmlformats.org/markup-compatibility/2006" xmlns:mv="urn:schemas-microsoft-com:mac:vml" xmlns:p="http://schemas.openxmlformats.org/presentationml/2006/main" xmlns:c="http://schemas.openxmlformats.org/drawingml/2006/chart" xmlns:dgm="http://schemas.openxmlformats.org/drawingml/2006/diagram" xmlns:o="urn:schemas-microsoft-com:office:office" xmlns:v="urn:schemas-microsoft-com:vml" xmlns:pvml="urn:schemas-microsoft-com:office:powerpoint" xmlns:com="http://schemas.openxmlformats.org/drawingml/2006/compatibility" xmlns:p14="http://schemas.microsoft.com/office/powerpoint/2010/main" xmlns:p15="http://schemas.microsoft.com/office/powerpoint/2012/main" showMasterPhAnim="0" showMasterSp="0">
+<p:notes xmlns:a="http://schemas.openxmlformats.org/drawingml/2006/main" xmlns:r="http://schemas.openxmlformats.org/officeDocument/2006/relationships" xmlns:p="http://schemas.openxmlformats.org/presentationml/2006/main" showMasterSp="0" showMasterPhAnim="0">
   <p:cSld>
     <p:spTree>
       <p:nvGrpSpPr>
-        <p:cNvPr id="203" name="Shape 203"/>
+        <p:cNvPr id="1" name="Shape 203"/>
         <p:cNvGrpSpPr/>
         <p:nvPr/>
       </p:nvGrpSpPr>
@@ -1762,9 +1961,11 @@
       <p:sp>
         <p:nvSpPr>
           <p:cNvPr id="204" name="Shape 204"/>
-          <p:cNvSpPr/>
+          <p:cNvSpPr>
+            <a:spLocks noGrp="1" noRot="1" noChangeAspect="1"/>
+          </p:cNvSpPr>
           <p:nvPr>
-            <p:ph idx="2" type="sldImg"/>
+            <p:ph type="sldImg" idx="2"/>
           </p:nvPr>
         </p:nvSpPr>
         <p:spPr>
@@ -1773,8 +1974,13 @@
             <a:ext cx="6096300" cy="3429000"/>
           </a:xfrm>
           <a:custGeom>
+            <a:avLst/>
+            <a:gdLst/>
+            <a:ahLst/>
+            <a:cxnLst/>
+            <a:rect l="0" t="0" r="0" b="0"/>
             <a:pathLst>
-              <a:path extrusionOk="0" h="120000" w="120000">
+              <a:path w="120000" h="120000" extrusionOk="0">
                 <a:moveTo>
                   <a:pt x="0" y="0"/>
                 </a:moveTo>
@@ -1796,9 +2002,11 @@
       <p:sp>
         <p:nvSpPr>
           <p:cNvPr id="205" name="Shape 205"/>
-          <p:cNvSpPr txBox="1"/>
+          <p:cNvSpPr txBox="1">
+            <a:spLocks noGrp="1"/>
+          </p:cNvSpPr>
           <p:nvPr>
-            <p:ph idx="1" type="body"/>
+            <p:ph type="body" idx="1"/>
           </p:nvPr>
         </p:nvSpPr>
         <p:spPr>
@@ -1811,20 +2019,17 @@
           </a:prstGeom>
         </p:spPr>
         <p:txBody>
-          <a:bodyPr anchorCtr="0" anchor="t" bIns="91425" lIns="91425" rIns="91425" wrap="square" tIns="91425">
+          <a:bodyPr wrap="square" lIns="91425" tIns="91425" rIns="91425" bIns="91425" anchor="t" anchorCtr="0">
             <a:noAutofit/>
           </a:bodyPr>
           <a:lstStyle/>
           <a:p>
-            <a:pPr indent="0" lvl="0" marL="0">
+            <a:pPr marL="0" lvl="0" indent="0">
               <a:spcBef>
                 <a:spcPts val="0"/>
               </a:spcBef>
               <a:buNone/>
             </a:pPr>
-            <a:r>
-              <a:t/>
-            </a:r>
             <a:endParaRPr/>
           </a:p>
         </p:txBody>
@@ -1838,18 +2043,19 @@
 </file>
 
 <file path=ppt/slideLayouts/slideLayout1.xml><?xml version="1.0" encoding="utf-8"?>
-<p:sldLayout xmlns:a="http://schemas.openxmlformats.org/drawingml/2006/main" xmlns:r="http://schemas.openxmlformats.org/officeDocument/2006/relationships" xmlns:mc="http://schemas.openxmlformats.org/markup-compatibility/2006" xmlns:mv="urn:schemas-microsoft-com:mac:vml" xmlns:p="http://schemas.openxmlformats.org/presentationml/2006/main" xmlns:c="http://schemas.openxmlformats.org/drawingml/2006/chart" xmlns:dgm="http://schemas.openxmlformats.org/drawingml/2006/diagram" xmlns:o="urn:schemas-microsoft-com:office:office" xmlns:v="urn:schemas-microsoft-com:vml" xmlns:pvml="urn:schemas-microsoft-com:office:powerpoint" xmlns:com="http://schemas.openxmlformats.org/drawingml/2006/compatibility" xmlns:p14="http://schemas.microsoft.com/office/powerpoint/2010/main" xmlns:p15="http://schemas.microsoft.com/office/powerpoint/2012/main" type="title">
+<p:sldLayout xmlns:a="http://schemas.openxmlformats.org/drawingml/2006/main" xmlns:r="http://schemas.openxmlformats.org/officeDocument/2006/relationships" xmlns:p="http://schemas.openxmlformats.org/presentationml/2006/main" type="title">
   <p:cSld name="Title">
     <p:bg>
       <p:bgPr>
         <a:solidFill>
           <a:srgbClr val="4BB5D9"/>
         </a:solidFill>
+        <a:effectLst/>
       </p:bgPr>
     </p:bg>
     <p:spTree>
       <p:nvGrpSpPr>
-        <p:cNvPr id="8" name="Shape 8"/>
+        <p:cNvPr id="1" name="Shape 8"/>
         <p:cNvGrpSpPr/>
         <p:nvPr/>
       </p:nvGrpSpPr>
@@ -1882,7 +2088,7 @@
             <p:nvPr/>
           </p:nvSpPr>
           <p:spPr>
-            <a:xfrm flipH="1" rot="9208626">
+            <a:xfrm rot="9208626" flipH="1">
               <a:off x="6704904" y="4110434"/>
               <a:ext cx="484232" cy="1204006"/>
             </a:xfrm>
@@ -1897,20 +2103,17 @@
             </a:ln>
           </p:spPr>
           <p:txBody>
-            <a:bodyPr anchorCtr="0" anchor="ctr" bIns="91425" lIns="91425" rIns="91425" wrap="square" tIns="91425">
+            <a:bodyPr wrap="square" lIns="91425" tIns="91425" rIns="91425" bIns="91425" anchor="ctr" anchorCtr="0">
               <a:noAutofit/>
             </a:bodyPr>
             <a:lstStyle/>
             <a:p>
-              <a:pPr indent="0" lvl="0" marL="0">
+              <a:pPr marL="0" lvl="0" indent="0">
                 <a:spcBef>
                   <a:spcPts val="0"/>
                 </a:spcBef>
                 <a:buNone/>
               </a:pPr>
-              <a:r>
-                <a:t/>
-              </a:r>
               <a:endParaRPr/>
             </a:p>
           </p:txBody>
@@ -1922,7 +2125,7 @@
             <p:nvPr/>
           </p:nvSpPr>
           <p:spPr>
-            <a:xfrm flipH="1" rot="9208633">
+            <a:xfrm rot="9208633" flipH="1">
               <a:off x="7804300" y="3279013"/>
               <a:ext cx="877624" cy="2182136"/>
             </a:xfrm>
@@ -1937,20 +2140,17 @@
             </a:ln>
           </p:spPr>
           <p:txBody>
-            <a:bodyPr anchorCtr="0" anchor="ctr" bIns="91425" lIns="91425" rIns="91425" wrap="square" tIns="91425">
+            <a:bodyPr wrap="square" lIns="91425" tIns="91425" rIns="91425" bIns="91425" anchor="ctr" anchorCtr="0">
               <a:noAutofit/>
             </a:bodyPr>
             <a:lstStyle/>
             <a:p>
-              <a:pPr indent="0" lvl="0" marL="0">
+              <a:pPr marL="0" lvl="0" indent="0">
                 <a:spcBef>
                   <a:spcPts val="0"/>
                 </a:spcBef>
                 <a:buNone/>
               </a:pPr>
-              <a:r>
-                <a:t/>
-              </a:r>
               <a:endParaRPr/>
             </a:p>
           </p:txBody>
@@ -1962,7 +2162,7 @@
             <p:nvPr/>
           </p:nvSpPr>
           <p:spPr>
-            <a:xfrm flipH="1" rot="9208606">
+            <a:xfrm rot="9208606" flipH="1">
               <a:off x="7481789" y="4276913"/>
               <a:ext cx="408796" cy="1016449"/>
             </a:xfrm>
@@ -1977,20 +2177,17 @@
             </a:ln>
           </p:spPr>
           <p:txBody>
-            <a:bodyPr anchorCtr="0" anchor="ctr" bIns="91425" lIns="91425" rIns="91425" wrap="square" tIns="91425">
+            <a:bodyPr wrap="square" lIns="91425" tIns="91425" rIns="91425" bIns="91425" anchor="ctr" anchorCtr="0">
               <a:noAutofit/>
             </a:bodyPr>
             <a:lstStyle/>
             <a:p>
-              <a:pPr indent="0" lvl="0" marL="0">
+              <a:pPr marL="0" lvl="0" indent="0">
                 <a:spcBef>
                   <a:spcPts val="0"/>
                 </a:spcBef>
                 <a:buNone/>
               </a:pPr>
-              <a:r>
-                <a:t/>
-              </a:r>
               <a:endParaRPr/>
             </a:p>
           </p:txBody>
@@ -2002,7 +2199,7 @@
             <p:nvPr/>
           </p:nvSpPr>
           <p:spPr>
-            <a:xfrm flipH="1" rot="9208678">
+            <a:xfrm rot="9208678" flipH="1">
               <a:off x="6287617" y="4657701"/>
               <a:ext cx="229660" cy="571018"/>
             </a:xfrm>
@@ -2017,20 +2214,17 @@
             </a:ln>
           </p:spPr>
           <p:txBody>
-            <a:bodyPr anchorCtr="0" anchor="ctr" bIns="91425" lIns="91425" rIns="91425" wrap="square" tIns="91425">
+            <a:bodyPr wrap="square" lIns="91425" tIns="91425" rIns="91425" bIns="91425" anchor="ctr" anchorCtr="0">
               <a:noAutofit/>
             </a:bodyPr>
             <a:lstStyle/>
             <a:p>
-              <a:pPr indent="0" lvl="0" marL="0">
+              <a:pPr marL="0" lvl="0" indent="0">
                 <a:spcBef>
                   <a:spcPts val="0"/>
                 </a:spcBef>
                 <a:buNone/>
               </a:pPr>
-              <a:r>
-                <a:t/>
-              </a:r>
               <a:endParaRPr/>
             </a:p>
           </p:txBody>
@@ -2047,8 +2241,13 @@
               <a:ext cx="854651" cy="1929080"/>
             </a:xfrm>
             <a:custGeom>
+              <a:avLst/>
+              <a:gdLst/>
+              <a:ahLst/>
+              <a:cxnLst/>
+              <a:rect l="0" t="0" r="0" b="0"/>
               <a:pathLst>
-                <a:path extrusionOk="0" h="84860" w="37596">
+                <a:path w="37596" h="84860" extrusionOk="0">
                   <a:moveTo>
                     <a:pt x="19066" y="0"/>
                   </a:moveTo>
@@ -2095,7 +2294,7 @@
             <p:nvPr/>
           </p:nvSpPr>
           <p:spPr>
-            <a:xfrm flipH="1" rot="-1591408">
+            <a:xfrm rot="-1591408" flipH="1">
               <a:off x="1362169" y="-63166"/>
               <a:ext cx="205103" cy="509980"/>
             </a:xfrm>
@@ -2110,20 +2309,17 @@
             </a:ln>
           </p:spPr>
           <p:txBody>
-            <a:bodyPr anchorCtr="0" anchor="ctr" bIns="91425" lIns="91425" rIns="91425" wrap="square" tIns="91425">
+            <a:bodyPr wrap="square" lIns="91425" tIns="91425" rIns="91425" bIns="91425" anchor="ctr" anchorCtr="0">
               <a:noAutofit/>
             </a:bodyPr>
             <a:lstStyle/>
             <a:p>
-              <a:pPr indent="0" lvl="0" marL="0">
+              <a:pPr marL="0" lvl="0" indent="0">
                 <a:spcBef>
                   <a:spcPts val="0"/>
                 </a:spcBef>
                 <a:buNone/>
               </a:pPr>
-              <a:r>
-                <a:t/>
-              </a:r>
               <a:endParaRPr/>
             </a:p>
           </p:txBody>
@@ -2135,7 +2331,7 @@
             <p:nvPr/>
           </p:nvSpPr>
           <p:spPr>
-            <a:xfrm flipH="1" rot="-1591371">
+            <a:xfrm rot="-1591371" flipH="1">
               <a:off x="239463" y="-151890"/>
               <a:ext cx="434754" cy="1080980"/>
             </a:xfrm>
@@ -2150,20 +2346,17 @@
             </a:ln>
           </p:spPr>
           <p:txBody>
-            <a:bodyPr anchorCtr="0" anchor="ctr" bIns="91425" lIns="91425" rIns="91425" wrap="square" tIns="91425">
+            <a:bodyPr wrap="square" lIns="91425" tIns="91425" rIns="91425" bIns="91425" anchor="ctr" anchorCtr="0">
               <a:noAutofit/>
             </a:bodyPr>
             <a:lstStyle/>
             <a:p>
-              <a:pPr indent="0" lvl="0" marL="0">
+              <a:pPr marL="0" lvl="0" indent="0">
                 <a:spcBef>
                   <a:spcPts val="0"/>
                 </a:spcBef>
                 <a:buNone/>
               </a:pPr>
-              <a:r>
-                <a:t/>
-              </a:r>
               <a:endParaRPr/>
             </a:p>
           </p:txBody>
@@ -2175,7 +2368,7 @@
             <p:nvPr/>
           </p:nvSpPr>
           <p:spPr>
-            <a:xfrm flipH="1" rot="-1591339">
+            <a:xfrm rot="-1591339" flipH="1">
               <a:off x="892401" y="-169347"/>
               <a:ext cx="504374" cy="1254067"/>
             </a:xfrm>
@@ -2190,20 +2383,17 @@
             </a:ln>
           </p:spPr>
           <p:txBody>
-            <a:bodyPr anchorCtr="0" anchor="ctr" bIns="91425" lIns="91425" rIns="91425" wrap="square" tIns="91425">
+            <a:bodyPr wrap="square" lIns="91425" tIns="91425" rIns="91425" bIns="91425" anchor="ctr" anchorCtr="0">
               <a:noAutofit/>
             </a:bodyPr>
             <a:lstStyle/>
             <a:p>
-              <a:pPr indent="0" lvl="0" marL="0">
+              <a:pPr marL="0" lvl="0" indent="0">
                 <a:spcBef>
                   <a:spcPts val="0"/>
                 </a:spcBef>
                 <a:buNone/>
               </a:pPr>
-              <a:r>
-                <a:t/>
-              </a:r>
               <a:endParaRPr/>
             </a:p>
           </p:txBody>
@@ -2215,7 +2405,7 @@
             <p:nvPr/>
           </p:nvSpPr>
           <p:spPr>
-            <a:xfrm flipH="1" rot="-1591322">
+            <a:xfrm rot="-1591322" flipH="1">
               <a:off x="1818452" y="-76292"/>
               <a:ext cx="229660" cy="571018"/>
             </a:xfrm>
@@ -2230,20 +2420,17 @@
             </a:ln>
           </p:spPr>
           <p:txBody>
-            <a:bodyPr anchorCtr="0" anchor="ctr" bIns="91425" lIns="91425" rIns="91425" wrap="square" tIns="91425">
+            <a:bodyPr wrap="square" lIns="91425" tIns="91425" rIns="91425" bIns="91425" anchor="ctr" anchorCtr="0">
               <a:noAutofit/>
             </a:bodyPr>
             <a:lstStyle/>
             <a:p>
-              <a:pPr indent="0" lvl="0" marL="0">
+              <a:pPr marL="0" lvl="0" indent="0">
                 <a:spcBef>
                   <a:spcPts val="0"/>
                 </a:spcBef>
                 <a:buNone/>
               </a:pPr>
-              <a:r>
-                <a:t/>
-              </a:r>
               <a:endParaRPr/>
             </a:p>
           </p:txBody>
@@ -2260,8 +2447,13 @@
               <a:ext cx="380284" cy="858147"/>
             </a:xfrm>
             <a:custGeom>
+              <a:avLst/>
+              <a:gdLst/>
+              <a:ahLst/>
+              <a:cxnLst/>
+              <a:rect l="0" t="0" r="0" b="0"/>
               <a:pathLst>
-                <a:path extrusionOk="0" h="84860" w="37596">
+                <a:path w="37596" h="84860" extrusionOk="0">
                   <a:moveTo>
                     <a:pt x="19066" y="0"/>
                   </a:moveTo>
@@ -2290,7 +2482,9 @@
       <p:sp>
         <p:nvSpPr>
           <p:cNvPr id="21" name="Shape 21"/>
-          <p:cNvSpPr txBox="1"/>
+          <p:cNvSpPr txBox="1">
+            <a:spLocks noGrp="1"/>
+          </p:cNvSpPr>
           <p:nvPr>
             <p:ph type="ctrTitle"/>
           </p:nvPr>
@@ -2305,7 +2499,7 @@
           </a:prstGeom>
         </p:spPr>
         <p:txBody>
-          <a:bodyPr anchorCtr="0" anchor="b" bIns="91425" lIns="91425" rIns="91425" wrap="square" tIns="91425"/>
+          <a:bodyPr wrap="square" lIns="91425" tIns="91425" rIns="91425" bIns="91425" anchor="b" anchorCtr="0"/>
           <a:lstStyle>
             <a:lvl1pPr lvl="0">
               <a:spcBef>
@@ -2443,7 +2637,9 @@
               </a:defRPr>
             </a:lvl9pPr>
           </a:lstStyle>
-          <a:p/>
+          <a:p>
+            <a:endParaRPr/>
+          </a:p>
         </p:txBody>
       </p:sp>
     </p:spTree>
@@ -2455,18 +2651,19 @@
 </file>
 
 <file path=ppt/slideLayouts/slideLayout10.xml><?xml version="1.0" encoding="utf-8"?>
-<p:sldLayout xmlns:a="http://schemas.openxmlformats.org/drawingml/2006/main" xmlns:r="http://schemas.openxmlformats.org/officeDocument/2006/relationships" xmlns:mc="http://schemas.openxmlformats.org/markup-compatibility/2006" xmlns:mv="urn:schemas-microsoft-com:mac:vml" xmlns:p="http://schemas.openxmlformats.org/presentationml/2006/main" xmlns:c="http://schemas.openxmlformats.org/drawingml/2006/chart" xmlns:dgm="http://schemas.openxmlformats.org/drawingml/2006/diagram" xmlns:o="urn:schemas-microsoft-com:office:office" xmlns:v="urn:schemas-microsoft-com:vml" xmlns:pvml="urn:schemas-microsoft-com:office:powerpoint" xmlns:com="http://schemas.openxmlformats.org/drawingml/2006/compatibility" xmlns:p14="http://schemas.microsoft.com/office/powerpoint/2010/main" xmlns:p15="http://schemas.microsoft.com/office/powerpoint/2012/main">
+<p:sldLayout xmlns:a="http://schemas.openxmlformats.org/drawingml/2006/main" xmlns:r="http://schemas.openxmlformats.org/officeDocument/2006/relationships" xmlns:p="http://schemas.openxmlformats.org/presentationml/2006/main">
   <p:cSld name="Transparent Shapes">
     <p:bg>
       <p:bgPr>
         <a:solidFill>
           <a:srgbClr val="3796BF"/>
         </a:solidFill>
+        <a:effectLst/>
       </p:bgPr>
     </p:bg>
     <p:spTree>
       <p:nvGrpSpPr>
-        <p:cNvPr id="140" name="Shape 140"/>
+        <p:cNvPr id="1" name="Shape 140"/>
         <p:cNvGrpSpPr/>
         <p:nvPr/>
       </p:nvGrpSpPr>
@@ -2499,7 +2696,7 @@
             <p:nvPr/>
           </p:nvSpPr>
           <p:spPr>
-            <a:xfrm flipH="1" rot="9208626">
+            <a:xfrm rot="9208626" flipH="1">
               <a:off x="6704904" y="4110434"/>
               <a:ext cx="484232" cy="1204006"/>
             </a:xfrm>
@@ -2516,20 +2713,17 @@
             </a:ln>
           </p:spPr>
           <p:txBody>
-            <a:bodyPr anchorCtr="0" anchor="ctr" bIns="91425" lIns="91425" rIns="91425" wrap="square" tIns="91425">
+            <a:bodyPr wrap="square" lIns="91425" tIns="91425" rIns="91425" bIns="91425" anchor="ctr" anchorCtr="0">
               <a:noAutofit/>
             </a:bodyPr>
             <a:lstStyle/>
             <a:p>
-              <a:pPr indent="0" lvl="0" marL="0">
+              <a:pPr marL="0" lvl="0" indent="0">
                 <a:spcBef>
                   <a:spcPts val="0"/>
                 </a:spcBef>
                 <a:buNone/>
               </a:pPr>
-              <a:r>
-                <a:t/>
-              </a:r>
               <a:endParaRPr/>
             </a:p>
           </p:txBody>
@@ -2541,7 +2735,7 @@
             <p:nvPr/>
           </p:nvSpPr>
           <p:spPr>
-            <a:xfrm flipH="1" rot="9208633">
+            <a:xfrm rot="9208633" flipH="1">
               <a:off x="7804300" y="3279013"/>
               <a:ext cx="877624" cy="2182136"/>
             </a:xfrm>
@@ -2558,20 +2752,17 @@
             </a:ln>
           </p:spPr>
           <p:txBody>
-            <a:bodyPr anchorCtr="0" anchor="ctr" bIns="91425" lIns="91425" rIns="91425" wrap="square" tIns="91425">
+            <a:bodyPr wrap="square" lIns="91425" tIns="91425" rIns="91425" bIns="91425" anchor="ctr" anchorCtr="0">
               <a:noAutofit/>
             </a:bodyPr>
             <a:lstStyle/>
             <a:p>
-              <a:pPr indent="0" lvl="0" marL="0">
+              <a:pPr marL="0" lvl="0" indent="0">
                 <a:spcBef>
                   <a:spcPts val="0"/>
                 </a:spcBef>
                 <a:buNone/>
               </a:pPr>
-              <a:r>
-                <a:t/>
-              </a:r>
               <a:endParaRPr/>
             </a:p>
           </p:txBody>
@@ -2583,7 +2774,7 @@
             <p:nvPr/>
           </p:nvSpPr>
           <p:spPr>
-            <a:xfrm flipH="1" rot="9208606">
+            <a:xfrm rot="9208606" flipH="1">
               <a:off x="7481789" y="4276913"/>
               <a:ext cx="408796" cy="1016449"/>
             </a:xfrm>
@@ -2600,20 +2791,17 @@
             </a:ln>
           </p:spPr>
           <p:txBody>
-            <a:bodyPr anchorCtr="0" anchor="ctr" bIns="91425" lIns="91425" rIns="91425" wrap="square" tIns="91425">
+            <a:bodyPr wrap="square" lIns="91425" tIns="91425" rIns="91425" bIns="91425" anchor="ctr" anchorCtr="0">
               <a:noAutofit/>
             </a:bodyPr>
             <a:lstStyle/>
             <a:p>
-              <a:pPr indent="0" lvl="0" marL="0">
+              <a:pPr marL="0" lvl="0" indent="0">
                 <a:spcBef>
                   <a:spcPts val="0"/>
                 </a:spcBef>
                 <a:buNone/>
               </a:pPr>
-              <a:r>
-                <a:t/>
-              </a:r>
               <a:endParaRPr/>
             </a:p>
           </p:txBody>
@@ -2625,7 +2813,7 @@
             <p:nvPr/>
           </p:nvSpPr>
           <p:spPr>
-            <a:xfrm flipH="1" rot="9208678">
+            <a:xfrm rot="9208678" flipH="1">
               <a:off x="6287617" y="4657701"/>
               <a:ext cx="229660" cy="571018"/>
             </a:xfrm>
@@ -2642,20 +2830,17 @@
             </a:ln>
           </p:spPr>
           <p:txBody>
-            <a:bodyPr anchorCtr="0" anchor="ctr" bIns="91425" lIns="91425" rIns="91425" wrap="square" tIns="91425">
+            <a:bodyPr wrap="square" lIns="91425" tIns="91425" rIns="91425" bIns="91425" anchor="ctr" anchorCtr="0">
               <a:noAutofit/>
             </a:bodyPr>
             <a:lstStyle/>
             <a:p>
-              <a:pPr indent="0" lvl="0" marL="0">
+              <a:pPr marL="0" lvl="0" indent="0">
                 <a:spcBef>
                   <a:spcPts val="0"/>
                 </a:spcBef>
                 <a:buNone/>
               </a:pPr>
-              <a:r>
-                <a:t/>
-              </a:r>
               <a:endParaRPr/>
             </a:p>
           </p:txBody>
@@ -2672,8 +2857,13 @@
               <a:ext cx="854651" cy="1929080"/>
             </a:xfrm>
             <a:custGeom>
+              <a:avLst/>
+              <a:gdLst/>
+              <a:ahLst/>
+              <a:cxnLst/>
+              <a:rect l="0" t="0" r="0" b="0"/>
               <a:pathLst>
-                <a:path extrusionOk="0" h="84860" w="37596">
+                <a:path w="37596" h="84860" extrusionOk="0">
                   <a:moveTo>
                     <a:pt x="19066" y="0"/>
                   </a:moveTo>
@@ -2722,7 +2912,7 @@
             <p:nvPr/>
           </p:nvSpPr>
           <p:spPr>
-            <a:xfrm flipH="1" rot="-1591408">
+            <a:xfrm rot="-1591408" flipH="1">
               <a:off x="1362169" y="-63166"/>
               <a:ext cx="205103" cy="509980"/>
             </a:xfrm>
@@ -2739,20 +2929,17 @@
             </a:ln>
           </p:spPr>
           <p:txBody>
-            <a:bodyPr anchorCtr="0" anchor="ctr" bIns="91425" lIns="91425" rIns="91425" wrap="square" tIns="91425">
+            <a:bodyPr wrap="square" lIns="91425" tIns="91425" rIns="91425" bIns="91425" anchor="ctr" anchorCtr="0">
               <a:noAutofit/>
             </a:bodyPr>
             <a:lstStyle/>
             <a:p>
-              <a:pPr indent="0" lvl="0" marL="0">
+              <a:pPr marL="0" lvl="0" indent="0">
                 <a:spcBef>
                   <a:spcPts val="0"/>
                 </a:spcBef>
                 <a:buNone/>
               </a:pPr>
-              <a:r>
-                <a:t/>
-              </a:r>
               <a:endParaRPr/>
             </a:p>
           </p:txBody>
@@ -2764,7 +2951,7 @@
             <p:nvPr/>
           </p:nvSpPr>
           <p:spPr>
-            <a:xfrm flipH="1" rot="-1591371">
+            <a:xfrm rot="-1591371" flipH="1">
               <a:off x="239463" y="-151890"/>
               <a:ext cx="434754" cy="1080980"/>
             </a:xfrm>
@@ -2781,20 +2968,17 @@
             </a:ln>
           </p:spPr>
           <p:txBody>
-            <a:bodyPr anchorCtr="0" anchor="ctr" bIns="91425" lIns="91425" rIns="91425" wrap="square" tIns="91425">
+            <a:bodyPr wrap="square" lIns="91425" tIns="91425" rIns="91425" bIns="91425" anchor="ctr" anchorCtr="0">
               <a:noAutofit/>
             </a:bodyPr>
             <a:lstStyle/>
             <a:p>
-              <a:pPr indent="0" lvl="0" marL="0">
+              <a:pPr marL="0" lvl="0" indent="0">
                 <a:spcBef>
                   <a:spcPts val="0"/>
                 </a:spcBef>
                 <a:buNone/>
               </a:pPr>
-              <a:r>
-                <a:t/>
-              </a:r>
               <a:endParaRPr/>
             </a:p>
           </p:txBody>
@@ -2806,7 +2990,7 @@
             <p:nvPr/>
           </p:nvSpPr>
           <p:spPr>
-            <a:xfrm flipH="1" rot="-1591339">
+            <a:xfrm rot="-1591339" flipH="1">
               <a:off x="892401" y="-169347"/>
               <a:ext cx="504374" cy="1254067"/>
             </a:xfrm>
@@ -2823,20 +3007,17 @@
             </a:ln>
           </p:spPr>
           <p:txBody>
-            <a:bodyPr anchorCtr="0" anchor="ctr" bIns="91425" lIns="91425" rIns="91425" wrap="square" tIns="91425">
+            <a:bodyPr wrap="square" lIns="91425" tIns="91425" rIns="91425" bIns="91425" anchor="ctr" anchorCtr="0">
               <a:noAutofit/>
             </a:bodyPr>
             <a:lstStyle/>
             <a:p>
-              <a:pPr indent="0" lvl="0" marL="0">
+              <a:pPr marL="0" lvl="0" indent="0">
                 <a:spcBef>
                   <a:spcPts val="0"/>
                 </a:spcBef>
                 <a:buNone/>
               </a:pPr>
-              <a:r>
-                <a:t/>
-              </a:r>
               <a:endParaRPr/>
             </a:p>
           </p:txBody>
@@ -2848,7 +3029,7 @@
             <p:nvPr/>
           </p:nvSpPr>
           <p:spPr>
-            <a:xfrm flipH="1" rot="-1591322">
+            <a:xfrm rot="-1591322" flipH="1">
               <a:off x="1818452" y="-76292"/>
               <a:ext cx="229660" cy="571018"/>
             </a:xfrm>
@@ -2865,20 +3046,17 @@
             </a:ln>
           </p:spPr>
           <p:txBody>
-            <a:bodyPr anchorCtr="0" anchor="ctr" bIns="91425" lIns="91425" rIns="91425" wrap="square" tIns="91425">
+            <a:bodyPr wrap="square" lIns="91425" tIns="91425" rIns="91425" bIns="91425" anchor="ctr" anchorCtr="0">
               <a:noAutofit/>
             </a:bodyPr>
             <a:lstStyle/>
             <a:p>
-              <a:pPr indent="0" lvl="0" marL="0">
+              <a:pPr marL="0" lvl="0" indent="0">
                 <a:spcBef>
                   <a:spcPts val="0"/>
                 </a:spcBef>
                 <a:buNone/>
               </a:pPr>
-              <a:r>
-                <a:t/>
-              </a:r>
               <a:endParaRPr/>
             </a:p>
           </p:txBody>
@@ -2895,8 +3073,13 @@
               <a:ext cx="380284" cy="858147"/>
             </a:xfrm>
             <a:custGeom>
+              <a:avLst/>
+              <a:gdLst/>
+              <a:ahLst/>
+              <a:cxnLst/>
+              <a:rect l="0" t="0" r="0" b="0"/>
               <a:pathLst>
-                <a:path extrusionOk="0" h="84860" w="37596">
+                <a:path w="37596" h="84860" extrusionOk="0">
                   <a:moveTo>
                     <a:pt x="19066" y="0"/>
                   </a:moveTo>
@@ -2933,18 +3116,19 @@
 </file>
 
 <file path=ppt/slideLayouts/slideLayout2.xml><?xml version="1.0" encoding="utf-8"?>
-<p:sldLayout xmlns:a="http://schemas.openxmlformats.org/drawingml/2006/main" xmlns:r="http://schemas.openxmlformats.org/officeDocument/2006/relationships" xmlns:mc="http://schemas.openxmlformats.org/markup-compatibility/2006" xmlns:mv="urn:schemas-microsoft-com:mac:vml" xmlns:p="http://schemas.openxmlformats.org/presentationml/2006/main" xmlns:c="http://schemas.openxmlformats.org/drawingml/2006/chart" xmlns:dgm="http://schemas.openxmlformats.org/drawingml/2006/diagram" xmlns:o="urn:schemas-microsoft-com:office:office" xmlns:v="urn:schemas-microsoft-com:vml" xmlns:pvml="urn:schemas-microsoft-com:office:powerpoint" xmlns:com="http://schemas.openxmlformats.org/drawingml/2006/compatibility" xmlns:p14="http://schemas.microsoft.com/office/powerpoint/2010/main" xmlns:p15="http://schemas.microsoft.com/office/powerpoint/2012/main">
+<p:sldLayout xmlns:a="http://schemas.openxmlformats.org/drawingml/2006/main" xmlns:r="http://schemas.openxmlformats.org/officeDocument/2006/relationships" xmlns:p="http://schemas.openxmlformats.org/presentationml/2006/main">
   <p:cSld name="Subtitle">
     <p:bg>
       <p:bgPr>
         <a:solidFill>
           <a:srgbClr val="FF9900"/>
         </a:solidFill>
+        <a:effectLst/>
       </p:bgPr>
     </p:bg>
     <p:spTree>
       <p:nvGrpSpPr>
-        <p:cNvPr id="22" name="Shape 22"/>
+        <p:cNvPr id="1" name="Shape 22"/>
         <p:cNvGrpSpPr/>
         <p:nvPr/>
       </p:nvGrpSpPr>
@@ -2977,7 +3161,7 @@
             <p:nvPr/>
           </p:nvSpPr>
           <p:spPr>
-            <a:xfrm flipH="1" rot="9208626">
+            <a:xfrm rot="9208626" flipH="1">
               <a:off x="6704904" y="4110434"/>
               <a:ext cx="484232" cy="1204006"/>
             </a:xfrm>
@@ -2992,20 +3176,17 @@
             </a:ln>
           </p:spPr>
           <p:txBody>
-            <a:bodyPr anchorCtr="0" anchor="ctr" bIns="91425" lIns="91425" rIns="91425" wrap="square" tIns="91425">
+            <a:bodyPr wrap="square" lIns="91425" tIns="91425" rIns="91425" bIns="91425" anchor="ctr" anchorCtr="0">
               <a:noAutofit/>
             </a:bodyPr>
             <a:lstStyle/>
             <a:p>
-              <a:pPr indent="0" lvl="0" marL="0">
+              <a:pPr marL="0" lvl="0" indent="0">
                 <a:spcBef>
                   <a:spcPts val="0"/>
                 </a:spcBef>
                 <a:buNone/>
               </a:pPr>
-              <a:r>
-                <a:t/>
-              </a:r>
               <a:endParaRPr/>
             </a:p>
           </p:txBody>
@@ -3017,7 +3198,7 @@
             <p:nvPr/>
           </p:nvSpPr>
           <p:spPr>
-            <a:xfrm flipH="1" rot="9208633">
+            <a:xfrm rot="9208633" flipH="1">
               <a:off x="7804300" y="3279013"/>
               <a:ext cx="877624" cy="2182136"/>
             </a:xfrm>
@@ -3032,20 +3213,17 @@
             </a:ln>
           </p:spPr>
           <p:txBody>
-            <a:bodyPr anchorCtr="0" anchor="ctr" bIns="91425" lIns="91425" rIns="91425" wrap="square" tIns="91425">
+            <a:bodyPr wrap="square" lIns="91425" tIns="91425" rIns="91425" bIns="91425" anchor="ctr" anchorCtr="0">
               <a:noAutofit/>
             </a:bodyPr>
             <a:lstStyle/>
             <a:p>
-              <a:pPr indent="0" lvl="0" marL="0">
+              <a:pPr marL="0" lvl="0" indent="0">
                 <a:spcBef>
                   <a:spcPts val="0"/>
                 </a:spcBef>
                 <a:buNone/>
               </a:pPr>
-              <a:r>
-                <a:t/>
-              </a:r>
               <a:endParaRPr/>
             </a:p>
           </p:txBody>
@@ -3057,7 +3235,7 @@
             <p:nvPr/>
           </p:nvSpPr>
           <p:spPr>
-            <a:xfrm flipH="1" rot="9208606">
+            <a:xfrm rot="9208606" flipH="1">
               <a:off x="7481789" y="4276913"/>
               <a:ext cx="408796" cy="1016449"/>
             </a:xfrm>
@@ -3072,20 +3250,17 @@
             </a:ln>
           </p:spPr>
           <p:txBody>
-            <a:bodyPr anchorCtr="0" anchor="ctr" bIns="91425" lIns="91425" rIns="91425" wrap="square" tIns="91425">
+            <a:bodyPr wrap="square" lIns="91425" tIns="91425" rIns="91425" bIns="91425" anchor="ctr" anchorCtr="0">
               <a:noAutofit/>
             </a:bodyPr>
             <a:lstStyle/>
             <a:p>
-              <a:pPr indent="0" lvl="0" marL="0">
+              <a:pPr marL="0" lvl="0" indent="0">
                 <a:spcBef>
                   <a:spcPts val="0"/>
                 </a:spcBef>
                 <a:buNone/>
               </a:pPr>
-              <a:r>
-                <a:t/>
-              </a:r>
               <a:endParaRPr/>
             </a:p>
           </p:txBody>
@@ -3097,7 +3272,7 @@
             <p:nvPr/>
           </p:nvSpPr>
           <p:spPr>
-            <a:xfrm flipH="1" rot="9208678">
+            <a:xfrm rot="9208678" flipH="1">
               <a:off x="6287617" y="4657701"/>
               <a:ext cx="229660" cy="571018"/>
             </a:xfrm>
@@ -3112,20 +3287,17 @@
             </a:ln>
           </p:spPr>
           <p:txBody>
-            <a:bodyPr anchorCtr="0" anchor="ctr" bIns="91425" lIns="91425" rIns="91425" wrap="square" tIns="91425">
+            <a:bodyPr wrap="square" lIns="91425" tIns="91425" rIns="91425" bIns="91425" anchor="ctr" anchorCtr="0">
               <a:noAutofit/>
             </a:bodyPr>
             <a:lstStyle/>
             <a:p>
-              <a:pPr indent="0" lvl="0" marL="0">
+              <a:pPr marL="0" lvl="0" indent="0">
                 <a:spcBef>
                   <a:spcPts val="0"/>
                 </a:spcBef>
                 <a:buNone/>
               </a:pPr>
-              <a:r>
-                <a:t/>
-              </a:r>
               <a:endParaRPr/>
             </a:p>
           </p:txBody>
@@ -3142,8 +3314,13 @@
               <a:ext cx="854651" cy="1929080"/>
             </a:xfrm>
             <a:custGeom>
+              <a:avLst/>
+              <a:gdLst/>
+              <a:ahLst/>
+              <a:cxnLst/>
+              <a:rect l="0" t="0" r="0" b="0"/>
               <a:pathLst>
-                <a:path extrusionOk="0" h="84860" w="37596">
+                <a:path w="37596" h="84860" extrusionOk="0">
                   <a:moveTo>
                     <a:pt x="19066" y="0"/>
                   </a:moveTo>
@@ -3190,7 +3367,7 @@
             <p:nvPr/>
           </p:nvSpPr>
           <p:spPr>
-            <a:xfrm flipH="1" rot="-1591408">
+            <a:xfrm rot="-1591408" flipH="1">
               <a:off x="1362169" y="-63166"/>
               <a:ext cx="205103" cy="509980"/>
             </a:xfrm>
@@ -3205,20 +3382,17 @@
             </a:ln>
           </p:spPr>
           <p:txBody>
-            <a:bodyPr anchorCtr="0" anchor="ctr" bIns="91425" lIns="91425" rIns="91425" wrap="square" tIns="91425">
+            <a:bodyPr wrap="square" lIns="91425" tIns="91425" rIns="91425" bIns="91425" anchor="ctr" anchorCtr="0">
               <a:noAutofit/>
             </a:bodyPr>
             <a:lstStyle/>
             <a:p>
-              <a:pPr indent="0" lvl="0" marL="0">
+              <a:pPr marL="0" lvl="0" indent="0">
                 <a:spcBef>
                   <a:spcPts val="0"/>
                 </a:spcBef>
                 <a:buNone/>
               </a:pPr>
-              <a:r>
-                <a:t/>
-              </a:r>
               <a:endParaRPr/>
             </a:p>
           </p:txBody>
@@ -3230,7 +3404,7 @@
             <p:nvPr/>
           </p:nvSpPr>
           <p:spPr>
-            <a:xfrm flipH="1" rot="-1591371">
+            <a:xfrm rot="-1591371" flipH="1">
               <a:off x="239463" y="-151890"/>
               <a:ext cx="434754" cy="1080980"/>
             </a:xfrm>
@@ -3245,20 +3419,17 @@
             </a:ln>
           </p:spPr>
           <p:txBody>
-            <a:bodyPr anchorCtr="0" anchor="ctr" bIns="91425" lIns="91425" rIns="91425" wrap="square" tIns="91425">
+            <a:bodyPr wrap="square" lIns="91425" tIns="91425" rIns="91425" bIns="91425" anchor="ctr" anchorCtr="0">
               <a:noAutofit/>
             </a:bodyPr>
             <a:lstStyle/>
             <a:p>
-              <a:pPr indent="0" lvl="0" marL="0">
+              <a:pPr marL="0" lvl="0" indent="0">
                 <a:spcBef>
                   <a:spcPts val="0"/>
                 </a:spcBef>
                 <a:buNone/>
               </a:pPr>
-              <a:r>
-                <a:t/>
-              </a:r>
               <a:endParaRPr/>
             </a:p>
           </p:txBody>
@@ -3270,7 +3441,7 @@
             <p:nvPr/>
           </p:nvSpPr>
           <p:spPr>
-            <a:xfrm flipH="1" rot="-1591339">
+            <a:xfrm rot="-1591339" flipH="1">
               <a:off x="892401" y="-169347"/>
               <a:ext cx="504374" cy="1254067"/>
             </a:xfrm>
@@ -3285,20 +3456,17 @@
             </a:ln>
           </p:spPr>
           <p:txBody>
-            <a:bodyPr anchorCtr="0" anchor="ctr" bIns="91425" lIns="91425" rIns="91425" wrap="square" tIns="91425">
+            <a:bodyPr wrap="square" lIns="91425" tIns="91425" rIns="91425" bIns="91425" anchor="ctr" anchorCtr="0">
               <a:noAutofit/>
             </a:bodyPr>
             <a:lstStyle/>
             <a:p>
-              <a:pPr indent="0" lvl="0" marL="0">
+              <a:pPr marL="0" lvl="0" indent="0">
                 <a:spcBef>
                   <a:spcPts val="0"/>
                 </a:spcBef>
                 <a:buNone/>
               </a:pPr>
-              <a:r>
-                <a:t/>
-              </a:r>
               <a:endParaRPr/>
             </a:p>
           </p:txBody>
@@ -3310,7 +3478,7 @@
             <p:nvPr/>
           </p:nvSpPr>
           <p:spPr>
-            <a:xfrm flipH="1" rot="-1591322">
+            <a:xfrm rot="-1591322" flipH="1">
               <a:off x="1818452" y="-76292"/>
               <a:ext cx="229660" cy="571018"/>
             </a:xfrm>
@@ -3325,20 +3493,17 @@
             </a:ln>
           </p:spPr>
           <p:txBody>
-            <a:bodyPr anchorCtr="0" anchor="ctr" bIns="91425" lIns="91425" rIns="91425" wrap="square" tIns="91425">
+            <a:bodyPr wrap="square" lIns="91425" tIns="91425" rIns="91425" bIns="91425" anchor="ctr" anchorCtr="0">
               <a:noAutofit/>
             </a:bodyPr>
             <a:lstStyle/>
             <a:p>
-              <a:pPr indent="0" lvl="0" marL="0">
+              <a:pPr marL="0" lvl="0" indent="0">
                 <a:spcBef>
                   <a:spcPts val="0"/>
                 </a:spcBef>
                 <a:buNone/>
               </a:pPr>
-              <a:r>
-                <a:t/>
-              </a:r>
               <a:endParaRPr/>
             </a:p>
           </p:txBody>
@@ -3355,8 +3520,13 @@
               <a:ext cx="380284" cy="858147"/>
             </a:xfrm>
             <a:custGeom>
+              <a:avLst/>
+              <a:gdLst/>
+              <a:ahLst/>
+              <a:cxnLst/>
+              <a:rect l="0" t="0" r="0" b="0"/>
               <a:pathLst>
-                <a:path extrusionOk="0" h="84860" w="37596">
+                <a:path w="37596" h="84860" extrusionOk="0">
                   <a:moveTo>
                     <a:pt x="19066" y="0"/>
                   </a:moveTo>
@@ -3385,7 +3555,9 @@
       <p:sp>
         <p:nvSpPr>
           <p:cNvPr id="35" name="Shape 35"/>
-          <p:cNvSpPr txBox="1"/>
+          <p:cNvSpPr txBox="1">
+            <a:spLocks noGrp="1"/>
+          </p:cNvSpPr>
           <p:nvPr>
             <p:ph type="ctrTitle"/>
           </p:nvPr>
@@ -3400,7 +3572,7 @@
           </a:prstGeom>
         </p:spPr>
         <p:txBody>
-          <a:bodyPr anchorCtr="0" anchor="b" bIns="91425" lIns="91425" rIns="91425" wrap="square" tIns="91425"/>
+          <a:bodyPr wrap="square" lIns="91425" tIns="91425" rIns="91425" bIns="91425" anchor="b" anchorCtr="0"/>
           <a:lstStyle>
             <a:lvl1pPr lvl="0" rtl="0">
               <a:spcBef>
@@ -3538,15 +3710,19 @@
               </a:defRPr>
             </a:lvl9pPr>
           </a:lstStyle>
-          <a:p/>
+          <a:p>
+            <a:endParaRPr/>
+          </a:p>
         </p:txBody>
       </p:sp>
       <p:sp>
         <p:nvSpPr>
           <p:cNvPr id="36" name="Shape 36"/>
-          <p:cNvSpPr txBox="1"/>
+          <p:cNvSpPr txBox="1">
+            <a:spLocks noGrp="1"/>
+          </p:cNvSpPr>
           <p:nvPr>
-            <p:ph idx="1" type="subTitle"/>
+            <p:ph type="subTitle" idx="1"/>
           </p:nvPr>
         </p:nvSpPr>
         <p:spPr>
@@ -3559,7 +3735,7 @@
           </a:prstGeom>
         </p:spPr>
         <p:txBody>
-          <a:bodyPr anchorCtr="0" anchor="t" bIns="91425" lIns="91425" rIns="91425" wrap="square" tIns="91425"/>
+          <a:bodyPr wrap="square" lIns="91425" tIns="91425" rIns="91425" bIns="91425" anchor="t" anchorCtr="0"/>
           <a:lstStyle>
             <a:lvl1pPr lvl="0" rtl="0">
               <a:spcBef>
@@ -3697,7 +3873,9 @@
               </a:defRPr>
             </a:lvl9pPr>
           </a:lstStyle>
-          <a:p/>
+          <a:p>
+            <a:endParaRPr/>
+          </a:p>
         </p:txBody>
       </p:sp>
     </p:spTree>
@@ -3709,11 +3887,11 @@
 </file>
 
 <file path=ppt/slideLayouts/slideLayout3.xml><?xml version="1.0" encoding="utf-8"?>
-<p:sldLayout xmlns:a="http://schemas.openxmlformats.org/drawingml/2006/main" xmlns:r="http://schemas.openxmlformats.org/officeDocument/2006/relationships" xmlns:mc="http://schemas.openxmlformats.org/markup-compatibility/2006" xmlns:mv="urn:schemas-microsoft-com:mac:vml" xmlns:p="http://schemas.openxmlformats.org/presentationml/2006/main" xmlns:c="http://schemas.openxmlformats.org/drawingml/2006/chart" xmlns:dgm="http://schemas.openxmlformats.org/drawingml/2006/diagram" xmlns:o="urn:schemas-microsoft-com:office:office" xmlns:v="urn:schemas-microsoft-com:vml" xmlns:pvml="urn:schemas-microsoft-com:office:powerpoint" xmlns:com="http://schemas.openxmlformats.org/drawingml/2006/compatibility" xmlns:p14="http://schemas.microsoft.com/office/powerpoint/2010/main" xmlns:p15="http://schemas.microsoft.com/office/powerpoint/2012/main">
+<p:sldLayout xmlns:a="http://schemas.openxmlformats.org/drawingml/2006/main" xmlns:r="http://schemas.openxmlformats.org/officeDocument/2006/relationships" xmlns:p="http://schemas.openxmlformats.org/presentationml/2006/main">
   <p:cSld name="Quote">
     <p:spTree>
       <p:nvGrpSpPr>
-        <p:cNvPr id="37" name="Shape 37"/>
+        <p:cNvPr id="1" name="Shape 37"/>
         <p:cNvGrpSpPr/>
         <p:nvPr/>
       </p:nvGrpSpPr>
@@ -3728,9 +3906,11 @@
       <p:sp>
         <p:nvSpPr>
           <p:cNvPr id="38" name="Shape 38"/>
-          <p:cNvSpPr txBox="1"/>
+          <p:cNvSpPr txBox="1">
+            <a:spLocks noGrp="1"/>
+          </p:cNvSpPr>
           <p:nvPr>
-            <p:ph idx="1" type="body"/>
+            <p:ph type="body" idx="1"/>
           </p:nvPr>
         </p:nvSpPr>
         <p:spPr>
@@ -3743,9 +3923,9 @@
           </a:prstGeom>
         </p:spPr>
         <p:txBody>
-          <a:bodyPr anchorCtr="0" anchor="ctr" bIns="91425" lIns="91425" rIns="91425" wrap="square" tIns="91425"/>
+          <a:bodyPr wrap="square" lIns="91425" tIns="91425" rIns="91425" bIns="91425" anchor="ctr" anchorCtr="0"/>
           <a:lstStyle>
-            <a:lvl1pPr lvl="0" rtl="0" algn="ctr">
+            <a:lvl1pPr lvl="0" algn="ctr" rtl="0">
               <a:spcBef>
                 <a:spcPts val="0"/>
               </a:spcBef>
@@ -3765,7 +3945,7 @@
                 <a:sym typeface="Oswald"/>
               </a:defRPr>
             </a:lvl1pPr>
-            <a:lvl2pPr lvl="1" rtl="0" algn="ctr">
+            <a:lvl2pPr lvl="1" algn="ctr" rtl="0">
               <a:spcBef>
                 <a:spcPts val="0"/>
               </a:spcBef>
@@ -3785,7 +3965,7 @@
                 <a:sym typeface="Oswald"/>
               </a:defRPr>
             </a:lvl2pPr>
-            <a:lvl3pPr lvl="2" rtl="0" algn="ctr">
+            <a:lvl3pPr lvl="2" algn="ctr" rtl="0">
               <a:spcBef>
                 <a:spcPts val="0"/>
               </a:spcBef>
@@ -3805,7 +3985,7 @@
                 <a:sym typeface="Oswald"/>
               </a:defRPr>
             </a:lvl3pPr>
-            <a:lvl4pPr lvl="3" rtl="0" algn="ctr">
+            <a:lvl4pPr lvl="3" algn="ctr" rtl="0">
               <a:spcBef>
                 <a:spcPts val="0"/>
               </a:spcBef>
@@ -3825,7 +4005,7 @@
                 <a:sym typeface="Oswald"/>
               </a:defRPr>
             </a:lvl4pPr>
-            <a:lvl5pPr lvl="4" rtl="0" algn="ctr">
+            <a:lvl5pPr lvl="4" algn="ctr" rtl="0">
               <a:spcBef>
                 <a:spcPts val="0"/>
               </a:spcBef>
@@ -3845,7 +4025,7 @@
                 <a:sym typeface="Oswald"/>
               </a:defRPr>
             </a:lvl5pPr>
-            <a:lvl6pPr lvl="5" rtl="0" algn="ctr">
+            <a:lvl6pPr lvl="5" algn="ctr" rtl="0">
               <a:spcBef>
                 <a:spcPts val="0"/>
               </a:spcBef>
@@ -3865,7 +4045,7 @@
                 <a:sym typeface="Oswald"/>
               </a:defRPr>
             </a:lvl6pPr>
-            <a:lvl7pPr lvl="6" rtl="0" algn="ctr">
+            <a:lvl7pPr lvl="6" algn="ctr" rtl="0">
               <a:spcBef>
                 <a:spcPts val="0"/>
               </a:spcBef>
@@ -3885,7 +4065,7 @@
                 <a:sym typeface="Oswald"/>
               </a:defRPr>
             </a:lvl7pPr>
-            <a:lvl8pPr lvl="7" rtl="0" algn="ctr">
+            <a:lvl8pPr lvl="7" algn="ctr" rtl="0">
               <a:spcBef>
                 <a:spcPts val="0"/>
               </a:spcBef>
@@ -3926,7 +4106,9 @@
               </a:defRPr>
             </a:lvl9pPr>
           </a:lstStyle>
-          <a:p/>
+          <a:p>
+            <a:endParaRPr/>
+          </a:p>
         </p:txBody>
       </p:sp>
       <p:grpSp>
@@ -3950,7 +4132,7 @@
             <p:nvPr/>
           </p:nvSpPr>
           <p:spPr>
-            <a:xfrm flipH="1" rot="9208626">
+            <a:xfrm rot="9208626" flipH="1">
               <a:off x="6704904" y="4110434"/>
               <a:ext cx="484232" cy="1204006"/>
             </a:xfrm>
@@ -3965,20 +4147,17 @@
             </a:ln>
           </p:spPr>
           <p:txBody>
-            <a:bodyPr anchorCtr="0" anchor="ctr" bIns="91425" lIns="91425" rIns="91425" wrap="square" tIns="91425">
+            <a:bodyPr wrap="square" lIns="91425" tIns="91425" rIns="91425" bIns="91425" anchor="ctr" anchorCtr="0">
               <a:noAutofit/>
             </a:bodyPr>
             <a:lstStyle/>
             <a:p>
-              <a:pPr indent="0" lvl="0" marL="0">
+              <a:pPr marL="0" lvl="0" indent="0">
                 <a:spcBef>
                   <a:spcPts val="0"/>
                 </a:spcBef>
                 <a:buNone/>
               </a:pPr>
-              <a:r>
-                <a:t/>
-              </a:r>
               <a:endParaRPr/>
             </a:p>
           </p:txBody>
@@ -3990,7 +4169,7 @@
             <p:nvPr/>
           </p:nvSpPr>
           <p:spPr>
-            <a:xfrm flipH="1" rot="9208633">
+            <a:xfrm rot="9208633" flipH="1">
               <a:off x="7804300" y="3279013"/>
               <a:ext cx="877624" cy="2182136"/>
             </a:xfrm>
@@ -4005,20 +4184,17 @@
             </a:ln>
           </p:spPr>
           <p:txBody>
-            <a:bodyPr anchorCtr="0" anchor="ctr" bIns="91425" lIns="91425" rIns="91425" wrap="square" tIns="91425">
+            <a:bodyPr wrap="square" lIns="91425" tIns="91425" rIns="91425" bIns="91425" anchor="ctr" anchorCtr="0">
               <a:noAutofit/>
             </a:bodyPr>
             <a:lstStyle/>
             <a:p>
-              <a:pPr indent="0" lvl="0" marL="0">
+              <a:pPr marL="0" lvl="0" indent="0">
                 <a:spcBef>
                   <a:spcPts val="0"/>
                 </a:spcBef>
                 <a:buNone/>
               </a:pPr>
-              <a:r>
-                <a:t/>
-              </a:r>
               <a:endParaRPr/>
             </a:p>
           </p:txBody>
@@ -4030,7 +4206,7 @@
             <p:nvPr/>
           </p:nvSpPr>
           <p:spPr>
-            <a:xfrm flipH="1" rot="9208606">
+            <a:xfrm rot="9208606" flipH="1">
               <a:off x="7481789" y="4276913"/>
               <a:ext cx="408796" cy="1016449"/>
             </a:xfrm>
@@ -4045,20 +4221,17 @@
             </a:ln>
           </p:spPr>
           <p:txBody>
-            <a:bodyPr anchorCtr="0" anchor="ctr" bIns="91425" lIns="91425" rIns="91425" wrap="square" tIns="91425">
+            <a:bodyPr wrap="square" lIns="91425" tIns="91425" rIns="91425" bIns="91425" anchor="ctr" anchorCtr="0">
               <a:noAutofit/>
             </a:bodyPr>
             <a:lstStyle/>
             <a:p>
-              <a:pPr indent="0" lvl="0" marL="0">
+              <a:pPr marL="0" lvl="0" indent="0">
                 <a:spcBef>
                   <a:spcPts val="0"/>
                 </a:spcBef>
                 <a:buNone/>
               </a:pPr>
-              <a:r>
-                <a:t/>
-              </a:r>
               <a:endParaRPr/>
             </a:p>
           </p:txBody>
@@ -4070,7 +4243,7 @@
             <p:nvPr/>
           </p:nvSpPr>
           <p:spPr>
-            <a:xfrm flipH="1" rot="9208678">
+            <a:xfrm rot="9208678" flipH="1">
               <a:off x="6287617" y="4657701"/>
               <a:ext cx="229660" cy="571018"/>
             </a:xfrm>
@@ -4085,20 +4258,17 @@
             </a:ln>
           </p:spPr>
           <p:txBody>
-            <a:bodyPr anchorCtr="0" anchor="ctr" bIns="91425" lIns="91425" rIns="91425" wrap="square" tIns="91425">
+            <a:bodyPr wrap="square" lIns="91425" tIns="91425" rIns="91425" bIns="91425" anchor="ctr" anchorCtr="0">
               <a:noAutofit/>
             </a:bodyPr>
             <a:lstStyle/>
             <a:p>
-              <a:pPr indent="0" lvl="0" marL="0">
+              <a:pPr marL="0" lvl="0" indent="0">
                 <a:spcBef>
                   <a:spcPts val="0"/>
                 </a:spcBef>
                 <a:buNone/>
               </a:pPr>
-              <a:r>
-                <a:t/>
-              </a:r>
               <a:endParaRPr/>
             </a:p>
           </p:txBody>
@@ -4115,8 +4285,13 @@
               <a:ext cx="854651" cy="1929080"/>
             </a:xfrm>
             <a:custGeom>
+              <a:avLst/>
+              <a:gdLst/>
+              <a:ahLst/>
+              <a:cxnLst/>
+              <a:rect l="0" t="0" r="0" b="0"/>
               <a:pathLst>
-                <a:path extrusionOk="0" h="84860" w="37596">
+                <a:path w="37596" h="84860" extrusionOk="0">
                   <a:moveTo>
                     <a:pt x="19066" y="0"/>
                   </a:moveTo>
@@ -4163,7 +4338,7 @@
             <p:nvPr/>
           </p:nvSpPr>
           <p:spPr>
-            <a:xfrm flipH="1" rot="-1591408">
+            <a:xfrm rot="-1591408" flipH="1">
               <a:off x="1362169" y="-63166"/>
               <a:ext cx="205103" cy="509980"/>
             </a:xfrm>
@@ -4178,20 +4353,17 @@
             </a:ln>
           </p:spPr>
           <p:txBody>
-            <a:bodyPr anchorCtr="0" anchor="ctr" bIns="91425" lIns="91425" rIns="91425" wrap="square" tIns="91425">
+            <a:bodyPr wrap="square" lIns="91425" tIns="91425" rIns="91425" bIns="91425" anchor="ctr" anchorCtr="0">
               <a:noAutofit/>
             </a:bodyPr>
             <a:lstStyle/>
             <a:p>
-              <a:pPr indent="0" lvl="0" marL="0">
+              <a:pPr marL="0" lvl="0" indent="0">
                 <a:spcBef>
                   <a:spcPts val="0"/>
                 </a:spcBef>
                 <a:buNone/>
               </a:pPr>
-              <a:r>
-                <a:t/>
-              </a:r>
               <a:endParaRPr/>
             </a:p>
           </p:txBody>
@@ -4203,7 +4375,7 @@
             <p:nvPr/>
           </p:nvSpPr>
           <p:spPr>
-            <a:xfrm flipH="1" rot="-1591371">
+            <a:xfrm rot="-1591371" flipH="1">
               <a:off x="239463" y="-151890"/>
               <a:ext cx="434754" cy="1080980"/>
             </a:xfrm>
@@ -4218,20 +4390,17 @@
             </a:ln>
           </p:spPr>
           <p:txBody>
-            <a:bodyPr anchorCtr="0" anchor="ctr" bIns="91425" lIns="91425" rIns="91425" wrap="square" tIns="91425">
+            <a:bodyPr wrap="square" lIns="91425" tIns="91425" rIns="91425" bIns="91425" anchor="ctr" anchorCtr="0">
               <a:noAutofit/>
             </a:bodyPr>
             <a:lstStyle/>
             <a:p>
-              <a:pPr indent="0" lvl="0" marL="0">
+              <a:pPr marL="0" lvl="0" indent="0">
                 <a:spcBef>
                   <a:spcPts val="0"/>
                 </a:spcBef>
                 <a:buNone/>
               </a:pPr>
-              <a:r>
-                <a:t/>
-              </a:r>
               <a:endParaRPr/>
             </a:p>
           </p:txBody>
@@ -4243,7 +4412,7 @@
             <p:nvPr/>
           </p:nvSpPr>
           <p:spPr>
-            <a:xfrm flipH="1" rot="-1591339">
+            <a:xfrm rot="-1591339" flipH="1">
               <a:off x="892401" y="-169347"/>
               <a:ext cx="504374" cy="1254067"/>
             </a:xfrm>
@@ -4258,20 +4427,17 @@
             </a:ln>
           </p:spPr>
           <p:txBody>
-            <a:bodyPr anchorCtr="0" anchor="ctr" bIns="91425" lIns="91425" rIns="91425" wrap="square" tIns="91425">
+            <a:bodyPr wrap="square" lIns="91425" tIns="91425" rIns="91425" bIns="91425" anchor="ctr" anchorCtr="0">
               <a:noAutofit/>
             </a:bodyPr>
             <a:lstStyle/>
             <a:p>
-              <a:pPr indent="0" lvl="0" marL="0">
+              <a:pPr marL="0" lvl="0" indent="0">
                 <a:spcBef>
                   <a:spcPts val="0"/>
                 </a:spcBef>
                 <a:buNone/>
               </a:pPr>
-              <a:r>
-                <a:t/>
-              </a:r>
               <a:endParaRPr/>
             </a:p>
           </p:txBody>
@@ -4283,7 +4449,7 @@
             <p:nvPr/>
           </p:nvSpPr>
           <p:spPr>
-            <a:xfrm flipH="1" rot="-1591322">
+            <a:xfrm rot="-1591322" flipH="1">
               <a:off x="1818452" y="-76292"/>
               <a:ext cx="229660" cy="571018"/>
             </a:xfrm>
@@ -4298,20 +4464,17 @@
             </a:ln>
           </p:spPr>
           <p:txBody>
-            <a:bodyPr anchorCtr="0" anchor="ctr" bIns="91425" lIns="91425" rIns="91425" wrap="square" tIns="91425">
+            <a:bodyPr wrap="square" lIns="91425" tIns="91425" rIns="91425" bIns="91425" anchor="ctr" anchorCtr="0">
               <a:noAutofit/>
             </a:bodyPr>
             <a:lstStyle/>
             <a:p>
-              <a:pPr indent="0" lvl="0" marL="0">
+              <a:pPr marL="0" lvl="0" indent="0">
                 <a:spcBef>
                   <a:spcPts val="0"/>
                 </a:spcBef>
                 <a:buNone/>
               </a:pPr>
-              <a:r>
-                <a:t/>
-              </a:r>
               <a:endParaRPr/>
             </a:p>
           </p:txBody>
@@ -4328,8 +4491,13 @@
               <a:ext cx="380284" cy="858147"/>
             </a:xfrm>
             <a:custGeom>
+              <a:avLst/>
+              <a:gdLst/>
+              <a:ahLst/>
+              <a:cxnLst/>
+              <a:rect l="0" t="0" r="0" b="0"/>
               <a:pathLst>
-                <a:path extrusionOk="0" h="84860" w="37596">
+                <a:path w="37596" h="84860" extrusionOk="0">
                   <a:moveTo>
                     <a:pt x="19066" y="0"/>
                   </a:moveTo>
@@ -4364,11 +4532,11 @@
 </file>
 
 <file path=ppt/slideLayouts/slideLayout4.xml><?xml version="1.0" encoding="utf-8"?>
-<p:sldLayout xmlns:a="http://schemas.openxmlformats.org/drawingml/2006/main" xmlns:r="http://schemas.openxmlformats.org/officeDocument/2006/relationships" xmlns:mc="http://schemas.openxmlformats.org/markup-compatibility/2006" xmlns:mv="urn:schemas-microsoft-com:mac:vml" xmlns:p="http://schemas.openxmlformats.org/presentationml/2006/main" xmlns:c="http://schemas.openxmlformats.org/drawingml/2006/chart" xmlns:dgm="http://schemas.openxmlformats.org/drawingml/2006/diagram" xmlns:o="urn:schemas-microsoft-com:office:office" xmlns:v="urn:schemas-microsoft-com:vml" xmlns:pvml="urn:schemas-microsoft-com:office:powerpoint" xmlns:com="http://schemas.openxmlformats.org/drawingml/2006/compatibility" xmlns:p14="http://schemas.microsoft.com/office/powerpoint/2010/main" xmlns:p15="http://schemas.microsoft.com/office/powerpoint/2012/main" type="tx">
+<p:sldLayout xmlns:a="http://schemas.openxmlformats.org/drawingml/2006/main" xmlns:r="http://schemas.openxmlformats.org/officeDocument/2006/relationships" xmlns:p="http://schemas.openxmlformats.org/presentationml/2006/main" type="tx">
   <p:cSld name="Title + 1 column">
     <p:spTree>
       <p:nvGrpSpPr>
-        <p:cNvPr id="51" name="Shape 51"/>
+        <p:cNvPr id="1" name="Shape 51"/>
         <p:cNvGrpSpPr/>
         <p:nvPr/>
       </p:nvGrpSpPr>
@@ -4401,7 +4569,7 @@
             <p:nvPr/>
           </p:nvSpPr>
           <p:spPr>
-            <a:xfrm flipH="1" rot="9208626">
+            <a:xfrm rot="9208626" flipH="1">
               <a:off x="6704904" y="4110434"/>
               <a:ext cx="484232" cy="1204006"/>
             </a:xfrm>
@@ -4416,20 +4584,17 @@
             </a:ln>
           </p:spPr>
           <p:txBody>
-            <a:bodyPr anchorCtr="0" anchor="ctr" bIns="91425" lIns="91425" rIns="91425" wrap="square" tIns="91425">
+            <a:bodyPr wrap="square" lIns="91425" tIns="91425" rIns="91425" bIns="91425" anchor="ctr" anchorCtr="0">
               <a:noAutofit/>
             </a:bodyPr>
             <a:lstStyle/>
             <a:p>
-              <a:pPr indent="0" lvl="0" marL="0">
+              <a:pPr marL="0" lvl="0" indent="0">
                 <a:spcBef>
                   <a:spcPts val="0"/>
                 </a:spcBef>
                 <a:buNone/>
               </a:pPr>
-              <a:r>
-                <a:t/>
-              </a:r>
               <a:endParaRPr/>
             </a:p>
           </p:txBody>
@@ -4441,7 +4606,7 @@
             <p:nvPr/>
           </p:nvSpPr>
           <p:spPr>
-            <a:xfrm flipH="1" rot="9208633">
+            <a:xfrm rot="9208633" flipH="1">
               <a:off x="7804300" y="3279013"/>
               <a:ext cx="877624" cy="2182136"/>
             </a:xfrm>
@@ -4456,20 +4621,17 @@
             </a:ln>
           </p:spPr>
           <p:txBody>
-            <a:bodyPr anchorCtr="0" anchor="ctr" bIns="91425" lIns="91425" rIns="91425" wrap="square" tIns="91425">
+            <a:bodyPr wrap="square" lIns="91425" tIns="91425" rIns="91425" bIns="91425" anchor="ctr" anchorCtr="0">
               <a:noAutofit/>
             </a:bodyPr>
             <a:lstStyle/>
             <a:p>
-              <a:pPr indent="0" lvl="0" marL="0">
+              <a:pPr marL="0" lvl="0" indent="0">
                 <a:spcBef>
                   <a:spcPts val="0"/>
                 </a:spcBef>
                 <a:buNone/>
               </a:pPr>
-              <a:r>
-                <a:t/>
-              </a:r>
               <a:endParaRPr/>
             </a:p>
           </p:txBody>
@@ -4481,7 +4643,7 @@
             <p:nvPr/>
           </p:nvSpPr>
           <p:spPr>
-            <a:xfrm flipH="1" rot="9208606">
+            <a:xfrm rot="9208606" flipH="1">
               <a:off x="7481789" y="4276913"/>
               <a:ext cx="408796" cy="1016449"/>
             </a:xfrm>
@@ -4496,20 +4658,17 @@
             </a:ln>
           </p:spPr>
           <p:txBody>
-            <a:bodyPr anchorCtr="0" anchor="ctr" bIns="91425" lIns="91425" rIns="91425" wrap="square" tIns="91425">
+            <a:bodyPr wrap="square" lIns="91425" tIns="91425" rIns="91425" bIns="91425" anchor="ctr" anchorCtr="0">
               <a:noAutofit/>
             </a:bodyPr>
             <a:lstStyle/>
             <a:p>
-              <a:pPr indent="0" lvl="0" marL="0">
+              <a:pPr marL="0" lvl="0" indent="0">
                 <a:spcBef>
                   <a:spcPts val="0"/>
                 </a:spcBef>
                 <a:buNone/>
               </a:pPr>
-              <a:r>
-                <a:t/>
-              </a:r>
               <a:endParaRPr/>
             </a:p>
           </p:txBody>
@@ -4521,7 +4680,7 @@
             <p:nvPr/>
           </p:nvSpPr>
           <p:spPr>
-            <a:xfrm flipH="1" rot="9208678">
+            <a:xfrm rot="9208678" flipH="1">
               <a:off x="6287617" y="4657701"/>
               <a:ext cx="229660" cy="571018"/>
             </a:xfrm>
@@ -4536,20 +4695,17 @@
             </a:ln>
           </p:spPr>
           <p:txBody>
-            <a:bodyPr anchorCtr="0" anchor="ctr" bIns="91425" lIns="91425" rIns="91425" wrap="square" tIns="91425">
+            <a:bodyPr wrap="square" lIns="91425" tIns="91425" rIns="91425" bIns="91425" anchor="ctr" anchorCtr="0">
               <a:noAutofit/>
             </a:bodyPr>
             <a:lstStyle/>
             <a:p>
-              <a:pPr indent="0" lvl="0" marL="0">
+              <a:pPr marL="0" lvl="0" indent="0">
                 <a:spcBef>
                   <a:spcPts val="0"/>
                 </a:spcBef>
                 <a:buNone/>
               </a:pPr>
-              <a:r>
-                <a:t/>
-              </a:r>
               <a:endParaRPr/>
             </a:p>
           </p:txBody>
@@ -4566,8 +4722,13 @@
               <a:ext cx="854651" cy="1929080"/>
             </a:xfrm>
             <a:custGeom>
+              <a:avLst/>
+              <a:gdLst/>
+              <a:ahLst/>
+              <a:cxnLst/>
+              <a:rect l="0" t="0" r="0" b="0"/>
               <a:pathLst>
-                <a:path extrusionOk="0" h="84860" w="37596">
+                <a:path w="37596" h="84860" extrusionOk="0">
                   <a:moveTo>
                     <a:pt x="19066" y="0"/>
                   </a:moveTo>
@@ -4614,7 +4775,7 @@
             <p:nvPr/>
           </p:nvSpPr>
           <p:spPr>
-            <a:xfrm flipH="1" rot="-1591408">
+            <a:xfrm rot="-1591408" flipH="1">
               <a:off x="1362169" y="-63166"/>
               <a:ext cx="205103" cy="509980"/>
             </a:xfrm>
@@ -4629,20 +4790,17 @@
             </a:ln>
           </p:spPr>
           <p:txBody>
-            <a:bodyPr anchorCtr="0" anchor="ctr" bIns="91425" lIns="91425" rIns="91425" wrap="square" tIns="91425">
+            <a:bodyPr wrap="square" lIns="91425" tIns="91425" rIns="91425" bIns="91425" anchor="ctr" anchorCtr="0">
               <a:noAutofit/>
             </a:bodyPr>
             <a:lstStyle/>
             <a:p>
-              <a:pPr indent="0" lvl="0" marL="0">
+              <a:pPr marL="0" lvl="0" indent="0">
                 <a:spcBef>
                   <a:spcPts val="0"/>
                 </a:spcBef>
                 <a:buNone/>
               </a:pPr>
-              <a:r>
-                <a:t/>
-              </a:r>
               <a:endParaRPr/>
             </a:p>
           </p:txBody>
@@ -4654,7 +4812,7 @@
             <p:nvPr/>
           </p:nvSpPr>
           <p:spPr>
-            <a:xfrm flipH="1" rot="-1591371">
+            <a:xfrm rot="-1591371" flipH="1">
               <a:off x="239463" y="-151890"/>
               <a:ext cx="434754" cy="1080980"/>
             </a:xfrm>
@@ -4669,20 +4827,17 @@
             </a:ln>
           </p:spPr>
           <p:txBody>
-            <a:bodyPr anchorCtr="0" anchor="ctr" bIns="91425" lIns="91425" rIns="91425" wrap="square" tIns="91425">
+            <a:bodyPr wrap="square" lIns="91425" tIns="91425" rIns="91425" bIns="91425" anchor="ctr" anchorCtr="0">
               <a:noAutofit/>
             </a:bodyPr>
             <a:lstStyle/>
             <a:p>
-              <a:pPr indent="0" lvl="0" marL="0">
+              <a:pPr marL="0" lvl="0" indent="0">
                 <a:spcBef>
                   <a:spcPts val="0"/>
                 </a:spcBef>
                 <a:buNone/>
               </a:pPr>
-              <a:r>
-                <a:t/>
-              </a:r>
               <a:endParaRPr/>
             </a:p>
           </p:txBody>
@@ -4694,7 +4849,7 @@
             <p:nvPr/>
           </p:nvSpPr>
           <p:spPr>
-            <a:xfrm flipH="1" rot="-1591339">
+            <a:xfrm rot="-1591339" flipH="1">
               <a:off x="892401" y="-169347"/>
               <a:ext cx="504374" cy="1254067"/>
             </a:xfrm>
@@ -4709,20 +4864,17 @@
             </a:ln>
           </p:spPr>
           <p:txBody>
-            <a:bodyPr anchorCtr="0" anchor="ctr" bIns="91425" lIns="91425" rIns="91425" wrap="square" tIns="91425">
+            <a:bodyPr wrap="square" lIns="91425" tIns="91425" rIns="91425" bIns="91425" anchor="ctr" anchorCtr="0">
               <a:noAutofit/>
             </a:bodyPr>
             <a:lstStyle/>
             <a:p>
-              <a:pPr indent="0" lvl="0" marL="0">
+              <a:pPr marL="0" lvl="0" indent="0">
                 <a:spcBef>
                   <a:spcPts val="0"/>
                 </a:spcBef>
                 <a:buNone/>
               </a:pPr>
-              <a:r>
-                <a:t/>
-              </a:r>
               <a:endParaRPr/>
             </a:p>
           </p:txBody>
@@ -4734,7 +4886,7 @@
             <p:nvPr/>
           </p:nvSpPr>
           <p:spPr>
-            <a:xfrm flipH="1" rot="-1591322">
+            <a:xfrm rot="-1591322" flipH="1">
               <a:off x="1818452" y="-76292"/>
               <a:ext cx="229660" cy="571018"/>
             </a:xfrm>
@@ -4749,20 +4901,17 @@
             </a:ln>
           </p:spPr>
           <p:txBody>
-            <a:bodyPr anchorCtr="0" anchor="ctr" bIns="91425" lIns="91425" rIns="91425" wrap="square" tIns="91425">
+            <a:bodyPr wrap="square" lIns="91425" tIns="91425" rIns="91425" bIns="91425" anchor="ctr" anchorCtr="0">
               <a:noAutofit/>
             </a:bodyPr>
             <a:lstStyle/>
             <a:p>
-              <a:pPr indent="0" lvl="0" marL="0">
+              <a:pPr marL="0" lvl="0" indent="0">
                 <a:spcBef>
                   <a:spcPts val="0"/>
                 </a:spcBef>
                 <a:buNone/>
               </a:pPr>
-              <a:r>
-                <a:t/>
-              </a:r>
               <a:endParaRPr/>
             </a:p>
           </p:txBody>
@@ -4779,8 +4928,13 @@
               <a:ext cx="380284" cy="858147"/>
             </a:xfrm>
             <a:custGeom>
+              <a:avLst/>
+              <a:gdLst/>
+              <a:ahLst/>
+              <a:cxnLst/>
+              <a:rect l="0" t="0" r="0" b="0"/>
               <a:pathLst>
-                <a:path extrusionOk="0" h="84860" w="37596">
+                <a:path w="37596" h="84860" extrusionOk="0">
                   <a:moveTo>
                     <a:pt x="19066" y="0"/>
                   </a:moveTo>
@@ -4809,7 +4963,9 @@
       <p:sp>
         <p:nvSpPr>
           <p:cNvPr id="64" name="Shape 64"/>
-          <p:cNvSpPr txBox="1"/>
+          <p:cNvSpPr txBox="1">
+            <a:spLocks noGrp="1"/>
+          </p:cNvSpPr>
           <p:nvPr>
             <p:ph type="title"/>
           </p:nvPr>
@@ -4824,7 +4980,7 @@
           </a:prstGeom>
         </p:spPr>
         <p:txBody>
-          <a:bodyPr anchorCtr="0" anchor="b" bIns="91425" lIns="91425" rIns="91425" wrap="square" tIns="91425"/>
+          <a:bodyPr wrap="square" lIns="91425" tIns="91425" rIns="91425" bIns="91425" anchor="b" anchorCtr="0"/>
           <a:lstStyle>
             <a:lvl1pPr lvl="0">
               <a:spcBef>
@@ -4899,15 +5055,19 @@
               <a:defRPr/>
             </a:lvl9pPr>
           </a:lstStyle>
-          <a:p/>
+          <a:p>
+            <a:endParaRPr/>
+          </a:p>
         </p:txBody>
       </p:sp>
       <p:sp>
         <p:nvSpPr>
           <p:cNvPr id="65" name="Shape 65"/>
-          <p:cNvSpPr txBox="1"/>
+          <p:cNvSpPr txBox="1">
+            <a:spLocks noGrp="1"/>
+          </p:cNvSpPr>
           <p:nvPr>
-            <p:ph idx="1" type="body"/>
+            <p:ph type="body" idx="1"/>
           </p:nvPr>
         </p:nvSpPr>
         <p:spPr>
@@ -4920,7 +5080,7 @@
           </a:prstGeom>
         </p:spPr>
         <p:txBody>
-          <a:bodyPr anchorCtr="0" anchor="t" bIns="91425" lIns="91425" rIns="91425" wrap="square" tIns="91425"/>
+          <a:bodyPr wrap="square" lIns="91425" tIns="91425" rIns="91425" bIns="91425" anchor="t" anchorCtr="0"/>
           <a:lstStyle>
             <a:lvl1pPr lvl="0">
               <a:spcBef>
@@ -4995,7 +5155,9 @@
               <a:defRPr/>
             </a:lvl9pPr>
           </a:lstStyle>
-          <a:p/>
+          <a:p>
+            <a:endParaRPr/>
+          </a:p>
         </p:txBody>
       </p:sp>
     </p:spTree>
@@ -5007,11 +5169,11 @@
 </file>
 
 <file path=ppt/slideLayouts/slideLayout5.xml><?xml version="1.0" encoding="utf-8"?>
-<p:sldLayout xmlns:a="http://schemas.openxmlformats.org/drawingml/2006/main" xmlns:r="http://schemas.openxmlformats.org/officeDocument/2006/relationships" xmlns:mc="http://schemas.openxmlformats.org/markup-compatibility/2006" xmlns:mv="urn:schemas-microsoft-com:mac:vml" xmlns:p="http://schemas.openxmlformats.org/presentationml/2006/main" xmlns:c="http://schemas.openxmlformats.org/drawingml/2006/chart" xmlns:dgm="http://schemas.openxmlformats.org/drawingml/2006/diagram" xmlns:o="urn:schemas-microsoft-com:office:office" xmlns:v="urn:schemas-microsoft-com:vml" xmlns:pvml="urn:schemas-microsoft-com:office:powerpoint" xmlns:com="http://schemas.openxmlformats.org/drawingml/2006/compatibility" xmlns:p14="http://schemas.microsoft.com/office/powerpoint/2010/main" xmlns:p15="http://schemas.microsoft.com/office/powerpoint/2012/main" type="twoColTx">
+<p:sldLayout xmlns:a="http://schemas.openxmlformats.org/drawingml/2006/main" xmlns:r="http://schemas.openxmlformats.org/officeDocument/2006/relationships" xmlns:p="http://schemas.openxmlformats.org/presentationml/2006/main" type="twoColTx">
   <p:cSld name="Title + 2 columns">
     <p:spTree>
       <p:nvGrpSpPr>
-        <p:cNvPr id="66" name="Shape 66"/>
+        <p:cNvPr id="1" name="Shape 66"/>
         <p:cNvGrpSpPr/>
         <p:nvPr/>
       </p:nvGrpSpPr>
@@ -5044,7 +5206,7 @@
             <p:nvPr/>
           </p:nvSpPr>
           <p:spPr>
-            <a:xfrm flipH="1" rot="9208626">
+            <a:xfrm rot="9208626" flipH="1">
               <a:off x="6704904" y="4110434"/>
               <a:ext cx="484232" cy="1204006"/>
             </a:xfrm>
@@ -5059,20 +5221,17 @@
             </a:ln>
           </p:spPr>
           <p:txBody>
-            <a:bodyPr anchorCtr="0" anchor="ctr" bIns="91425" lIns="91425" rIns="91425" wrap="square" tIns="91425">
+            <a:bodyPr wrap="square" lIns="91425" tIns="91425" rIns="91425" bIns="91425" anchor="ctr" anchorCtr="0">
               <a:noAutofit/>
             </a:bodyPr>
             <a:lstStyle/>
             <a:p>
-              <a:pPr indent="0" lvl="0" marL="0">
+              <a:pPr marL="0" lvl="0" indent="0">
                 <a:spcBef>
                   <a:spcPts val="0"/>
                 </a:spcBef>
                 <a:buNone/>
               </a:pPr>
-              <a:r>
-                <a:t/>
-              </a:r>
               <a:endParaRPr/>
             </a:p>
           </p:txBody>
@@ -5084,7 +5243,7 @@
             <p:nvPr/>
           </p:nvSpPr>
           <p:spPr>
-            <a:xfrm flipH="1" rot="9208633">
+            <a:xfrm rot="9208633" flipH="1">
               <a:off x="7804300" y="3279013"/>
               <a:ext cx="877624" cy="2182136"/>
             </a:xfrm>
@@ -5099,20 +5258,17 @@
             </a:ln>
           </p:spPr>
           <p:txBody>
-            <a:bodyPr anchorCtr="0" anchor="ctr" bIns="91425" lIns="91425" rIns="91425" wrap="square" tIns="91425">
+            <a:bodyPr wrap="square" lIns="91425" tIns="91425" rIns="91425" bIns="91425" anchor="ctr" anchorCtr="0">
               <a:noAutofit/>
             </a:bodyPr>
             <a:lstStyle/>
             <a:p>
-              <a:pPr indent="0" lvl="0" marL="0">
+              <a:pPr marL="0" lvl="0" indent="0">
                 <a:spcBef>
                   <a:spcPts val="0"/>
                 </a:spcBef>
                 <a:buNone/>
               </a:pPr>
-              <a:r>
-                <a:t/>
-              </a:r>
               <a:endParaRPr/>
             </a:p>
           </p:txBody>
@@ -5124,7 +5280,7 @@
             <p:nvPr/>
           </p:nvSpPr>
           <p:spPr>
-            <a:xfrm flipH="1" rot="9208606">
+            <a:xfrm rot="9208606" flipH="1">
               <a:off x="7481789" y="4276913"/>
               <a:ext cx="408796" cy="1016449"/>
             </a:xfrm>
@@ -5139,20 +5295,17 @@
             </a:ln>
           </p:spPr>
           <p:txBody>
-            <a:bodyPr anchorCtr="0" anchor="ctr" bIns="91425" lIns="91425" rIns="91425" wrap="square" tIns="91425">
+            <a:bodyPr wrap="square" lIns="91425" tIns="91425" rIns="91425" bIns="91425" anchor="ctr" anchorCtr="0">
               <a:noAutofit/>
             </a:bodyPr>
             <a:lstStyle/>
             <a:p>
-              <a:pPr indent="0" lvl="0" marL="0">
+              <a:pPr marL="0" lvl="0" indent="0">
                 <a:spcBef>
                   <a:spcPts val="0"/>
                 </a:spcBef>
                 <a:buNone/>
               </a:pPr>
-              <a:r>
-                <a:t/>
-              </a:r>
               <a:endParaRPr/>
             </a:p>
           </p:txBody>
@@ -5164,7 +5317,7 @@
             <p:nvPr/>
           </p:nvSpPr>
           <p:spPr>
-            <a:xfrm flipH="1" rot="9208678">
+            <a:xfrm rot="9208678" flipH="1">
               <a:off x="6287617" y="4657701"/>
               <a:ext cx="229660" cy="571018"/>
             </a:xfrm>
@@ -5179,20 +5332,17 @@
             </a:ln>
           </p:spPr>
           <p:txBody>
-            <a:bodyPr anchorCtr="0" anchor="ctr" bIns="91425" lIns="91425" rIns="91425" wrap="square" tIns="91425">
+            <a:bodyPr wrap="square" lIns="91425" tIns="91425" rIns="91425" bIns="91425" anchor="ctr" anchorCtr="0">
               <a:noAutofit/>
             </a:bodyPr>
             <a:lstStyle/>
             <a:p>
-              <a:pPr indent="0" lvl="0" marL="0">
+              <a:pPr marL="0" lvl="0" indent="0">
                 <a:spcBef>
                   <a:spcPts val="0"/>
                 </a:spcBef>
                 <a:buNone/>
               </a:pPr>
-              <a:r>
-                <a:t/>
-              </a:r>
               <a:endParaRPr/>
             </a:p>
           </p:txBody>
@@ -5209,8 +5359,13 @@
               <a:ext cx="854651" cy="1929080"/>
             </a:xfrm>
             <a:custGeom>
+              <a:avLst/>
+              <a:gdLst/>
+              <a:ahLst/>
+              <a:cxnLst/>
+              <a:rect l="0" t="0" r="0" b="0"/>
               <a:pathLst>
-                <a:path extrusionOk="0" h="84860" w="37596">
+                <a:path w="37596" h="84860" extrusionOk="0">
                   <a:moveTo>
                     <a:pt x="19066" y="0"/>
                   </a:moveTo>
@@ -5257,7 +5412,7 @@
             <p:nvPr/>
           </p:nvSpPr>
           <p:spPr>
-            <a:xfrm flipH="1" rot="-1591408">
+            <a:xfrm rot="-1591408" flipH="1">
               <a:off x="1362169" y="-63166"/>
               <a:ext cx="205103" cy="509980"/>
             </a:xfrm>
@@ -5272,20 +5427,17 @@
             </a:ln>
           </p:spPr>
           <p:txBody>
-            <a:bodyPr anchorCtr="0" anchor="ctr" bIns="91425" lIns="91425" rIns="91425" wrap="square" tIns="91425">
+            <a:bodyPr wrap="square" lIns="91425" tIns="91425" rIns="91425" bIns="91425" anchor="ctr" anchorCtr="0">
               <a:noAutofit/>
             </a:bodyPr>
             <a:lstStyle/>
             <a:p>
-              <a:pPr indent="0" lvl="0" marL="0">
+              <a:pPr marL="0" lvl="0" indent="0">
                 <a:spcBef>
                   <a:spcPts val="0"/>
                 </a:spcBef>
                 <a:buNone/>
               </a:pPr>
-              <a:r>
-                <a:t/>
-              </a:r>
               <a:endParaRPr/>
             </a:p>
           </p:txBody>
@@ -5297,7 +5449,7 @@
             <p:nvPr/>
           </p:nvSpPr>
           <p:spPr>
-            <a:xfrm flipH="1" rot="-1591371">
+            <a:xfrm rot="-1591371" flipH="1">
               <a:off x="239463" y="-151890"/>
               <a:ext cx="434754" cy="1080980"/>
             </a:xfrm>
@@ -5312,20 +5464,17 @@
             </a:ln>
           </p:spPr>
           <p:txBody>
-            <a:bodyPr anchorCtr="0" anchor="ctr" bIns="91425" lIns="91425" rIns="91425" wrap="square" tIns="91425">
+            <a:bodyPr wrap="square" lIns="91425" tIns="91425" rIns="91425" bIns="91425" anchor="ctr" anchorCtr="0">
               <a:noAutofit/>
             </a:bodyPr>
             <a:lstStyle/>
             <a:p>
-              <a:pPr indent="0" lvl="0" marL="0">
+              <a:pPr marL="0" lvl="0" indent="0">
                 <a:spcBef>
                   <a:spcPts val="0"/>
                 </a:spcBef>
                 <a:buNone/>
               </a:pPr>
-              <a:r>
-                <a:t/>
-              </a:r>
               <a:endParaRPr/>
             </a:p>
           </p:txBody>
@@ -5337,7 +5486,7 @@
             <p:nvPr/>
           </p:nvSpPr>
           <p:spPr>
-            <a:xfrm flipH="1" rot="-1591339">
+            <a:xfrm rot="-1591339" flipH="1">
               <a:off x="892401" y="-169347"/>
               <a:ext cx="504374" cy="1254067"/>
             </a:xfrm>
@@ -5352,20 +5501,17 @@
             </a:ln>
           </p:spPr>
           <p:txBody>
-            <a:bodyPr anchorCtr="0" anchor="ctr" bIns="91425" lIns="91425" rIns="91425" wrap="square" tIns="91425">
+            <a:bodyPr wrap="square" lIns="91425" tIns="91425" rIns="91425" bIns="91425" anchor="ctr" anchorCtr="0">
               <a:noAutofit/>
             </a:bodyPr>
             <a:lstStyle/>
             <a:p>
-              <a:pPr indent="0" lvl="0" marL="0">
+              <a:pPr marL="0" lvl="0" indent="0">
                 <a:spcBef>
                   <a:spcPts val="0"/>
                 </a:spcBef>
                 <a:buNone/>
               </a:pPr>
-              <a:r>
-                <a:t/>
-              </a:r>
               <a:endParaRPr/>
             </a:p>
           </p:txBody>
@@ -5377,7 +5523,7 @@
             <p:nvPr/>
           </p:nvSpPr>
           <p:spPr>
-            <a:xfrm flipH="1" rot="-1591322">
+            <a:xfrm rot="-1591322" flipH="1">
               <a:off x="1818452" y="-76292"/>
               <a:ext cx="229660" cy="571018"/>
             </a:xfrm>
@@ -5392,20 +5538,17 @@
             </a:ln>
           </p:spPr>
           <p:txBody>
-            <a:bodyPr anchorCtr="0" anchor="ctr" bIns="91425" lIns="91425" rIns="91425" wrap="square" tIns="91425">
+            <a:bodyPr wrap="square" lIns="91425" tIns="91425" rIns="91425" bIns="91425" anchor="ctr" anchorCtr="0">
               <a:noAutofit/>
             </a:bodyPr>
             <a:lstStyle/>
             <a:p>
-              <a:pPr indent="0" lvl="0" marL="0">
+              <a:pPr marL="0" lvl="0" indent="0">
                 <a:spcBef>
                   <a:spcPts val="0"/>
                 </a:spcBef>
                 <a:buNone/>
               </a:pPr>
-              <a:r>
-                <a:t/>
-              </a:r>
               <a:endParaRPr/>
             </a:p>
           </p:txBody>
@@ -5422,8 +5565,13 @@
               <a:ext cx="380284" cy="858147"/>
             </a:xfrm>
             <a:custGeom>
+              <a:avLst/>
+              <a:gdLst/>
+              <a:ahLst/>
+              <a:cxnLst/>
+              <a:rect l="0" t="0" r="0" b="0"/>
               <a:pathLst>
-                <a:path extrusionOk="0" h="84860" w="37596">
+                <a:path w="37596" h="84860" extrusionOk="0">
                   <a:moveTo>
                     <a:pt x="19066" y="0"/>
                   </a:moveTo>
@@ -5452,7 +5600,9 @@
       <p:sp>
         <p:nvSpPr>
           <p:cNvPr id="79" name="Shape 79"/>
-          <p:cNvSpPr txBox="1"/>
+          <p:cNvSpPr txBox="1">
+            <a:spLocks noGrp="1"/>
+          </p:cNvSpPr>
           <p:nvPr>
             <p:ph type="title"/>
           </p:nvPr>
@@ -5467,7 +5617,7 @@
           </a:prstGeom>
         </p:spPr>
         <p:txBody>
-          <a:bodyPr anchorCtr="0" anchor="b" bIns="91425" lIns="91425" rIns="91425" wrap="square" tIns="91425"/>
+          <a:bodyPr wrap="square" lIns="91425" tIns="91425" rIns="91425" bIns="91425" anchor="b" anchorCtr="0"/>
           <a:lstStyle>
             <a:lvl1pPr lvl="0">
               <a:spcBef>
@@ -5542,15 +5692,19 @@
               <a:defRPr/>
             </a:lvl9pPr>
           </a:lstStyle>
-          <a:p/>
+          <a:p>
+            <a:endParaRPr/>
+          </a:p>
         </p:txBody>
       </p:sp>
       <p:sp>
         <p:nvSpPr>
           <p:cNvPr id="80" name="Shape 80"/>
-          <p:cNvSpPr txBox="1"/>
+          <p:cNvSpPr txBox="1">
+            <a:spLocks noGrp="1"/>
+          </p:cNvSpPr>
           <p:nvPr>
-            <p:ph idx="1" type="body"/>
+            <p:ph type="body" idx="1"/>
           </p:nvPr>
         </p:nvSpPr>
         <p:spPr>
@@ -5563,7 +5717,7 @@
           </a:prstGeom>
         </p:spPr>
         <p:txBody>
-          <a:bodyPr anchorCtr="0" anchor="t" bIns="91425" lIns="91425" rIns="91425" wrap="square" tIns="91425"/>
+          <a:bodyPr wrap="square" lIns="91425" tIns="91425" rIns="91425" bIns="91425" anchor="t" anchorCtr="0"/>
           <a:lstStyle>
             <a:lvl1pPr lvl="0">
               <a:spcBef>
@@ -5638,15 +5792,19 @@
               <a:defRPr sz="1800"/>
             </a:lvl9pPr>
           </a:lstStyle>
-          <a:p/>
+          <a:p>
+            <a:endParaRPr/>
+          </a:p>
         </p:txBody>
       </p:sp>
       <p:sp>
         <p:nvSpPr>
           <p:cNvPr id="81" name="Shape 81"/>
-          <p:cNvSpPr txBox="1"/>
+          <p:cNvSpPr txBox="1">
+            <a:spLocks noGrp="1"/>
+          </p:cNvSpPr>
           <p:nvPr>
-            <p:ph idx="2" type="body"/>
+            <p:ph type="body" idx="2"/>
           </p:nvPr>
         </p:nvSpPr>
         <p:spPr>
@@ -5659,7 +5817,7 @@
           </a:prstGeom>
         </p:spPr>
         <p:txBody>
-          <a:bodyPr anchorCtr="0" anchor="t" bIns="91425" lIns="91425" rIns="91425" wrap="square" tIns="91425"/>
+          <a:bodyPr wrap="square" lIns="91425" tIns="91425" rIns="91425" bIns="91425" anchor="t" anchorCtr="0"/>
           <a:lstStyle>
             <a:lvl1pPr lvl="0">
               <a:spcBef>
@@ -5734,7 +5892,9 @@
               <a:defRPr sz="1800"/>
             </a:lvl9pPr>
           </a:lstStyle>
-          <a:p/>
+          <a:p>
+            <a:endParaRPr/>
+          </a:p>
         </p:txBody>
       </p:sp>
     </p:spTree>
@@ -5746,11 +5906,11 @@
 </file>
 
 <file path=ppt/slideLayouts/slideLayout6.xml><?xml version="1.0" encoding="utf-8"?>
-<p:sldLayout xmlns:a="http://schemas.openxmlformats.org/drawingml/2006/main" xmlns:r="http://schemas.openxmlformats.org/officeDocument/2006/relationships" xmlns:mc="http://schemas.openxmlformats.org/markup-compatibility/2006" xmlns:mv="urn:schemas-microsoft-com:mac:vml" xmlns:p="http://schemas.openxmlformats.org/presentationml/2006/main" xmlns:c="http://schemas.openxmlformats.org/drawingml/2006/chart" xmlns:dgm="http://schemas.openxmlformats.org/drawingml/2006/diagram" xmlns:o="urn:schemas-microsoft-com:office:office" xmlns:v="urn:schemas-microsoft-com:vml" xmlns:pvml="urn:schemas-microsoft-com:office:powerpoint" xmlns:com="http://schemas.openxmlformats.org/drawingml/2006/compatibility" xmlns:p14="http://schemas.microsoft.com/office/powerpoint/2010/main" xmlns:p15="http://schemas.microsoft.com/office/powerpoint/2012/main">
+<p:sldLayout xmlns:a="http://schemas.openxmlformats.org/drawingml/2006/main" xmlns:r="http://schemas.openxmlformats.org/officeDocument/2006/relationships" xmlns:p="http://schemas.openxmlformats.org/presentationml/2006/main">
   <p:cSld name="Title + 3 columns">
     <p:spTree>
       <p:nvGrpSpPr>
-        <p:cNvPr id="82" name="Shape 82"/>
+        <p:cNvPr id="1" name="Shape 82"/>
         <p:cNvGrpSpPr/>
         <p:nvPr/>
       </p:nvGrpSpPr>
@@ -5783,7 +5943,7 @@
             <p:nvPr/>
           </p:nvSpPr>
           <p:spPr>
-            <a:xfrm flipH="1" rot="9208626">
+            <a:xfrm rot="9208626" flipH="1">
               <a:off x="6704904" y="4110434"/>
               <a:ext cx="484232" cy="1204006"/>
             </a:xfrm>
@@ -5798,20 +5958,17 @@
             </a:ln>
           </p:spPr>
           <p:txBody>
-            <a:bodyPr anchorCtr="0" anchor="ctr" bIns="91425" lIns="91425" rIns="91425" wrap="square" tIns="91425">
+            <a:bodyPr wrap="square" lIns="91425" tIns="91425" rIns="91425" bIns="91425" anchor="ctr" anchorCtr="0">
               <a:noAutofit/>
             </a:bodyPr>
             <a:lstStyle/>
             <a:p>
-              <a:pPr indent="0" lvl="0" marL="0">
+              <a:pPr marL="0" lvl="0" indent="0">
                 <a:spcBef>
                   <a:spcPts val="0"/>
                 </a:spcBef>
                 <a:buNone/>
               </a:pPr>
-              <a:r>
-                <a:t/>
-              </a:r>
               <a:endParaRPr/>
             </a:p>
           </p:txBody>
@@ -5823,7 +5980,7 @@
             <p:nvPr/>
           </p:nvSpPr>
           <p:spPr>
-            <a:xfrm flipH="1" rot="9208633">
+            <a:xfrm rot="9208633" flipH="1">
               <a:off x="7804300" y="3279013"/>
               <a:ext cx="877624" cy="2182136"/>
             </a:xfrm>
@@ -5838,20 +5995,17 @@
             </a:ln>
           </p:spPr>
           <p:txBody>
-            <a:bodyPr anchorCtr="0" anchor="ctr" bIns="91425" lIns="91425" rIns="91425" wrap="square" tIns="91425">
+            <a:bodyPr wrap="square" lIns="91425" tIns="91425" rIns="91425" bIns="91425" anchor="ctr" anchorCtr="0">
               <a:noAutofit/>
             </a:bodyPr>
             <a:lstStyle/>
             <a:p>
-              <a:pPr indent="0" lvl="0" marL="0">
+              <a:pPr marL="0" lvl="0" indent="0">
                 <a:spcBef>
                   <a:spcPts val="0"/>
                 </a:spcBef>
                 <a:buNone/>
               </a:pPr>
-              <a:r>
-                <a:t/>
-              </a:r>
               <a:endParaRPr/>
             </a:p>
           </p:txBody>
@@ -5863,7 +6017,7 @@
             <p:nvPr/>
           </p:nvSpPr>
           <p:spPr>
-            <a:xfrm flipH="1" rot="9208606">
+            <a:xfrm rot="9208606" flipH="1">
               <a:off x="7481789" y="4276913"/>
               <a:ext cx="408796" cy="1016449"/>
             </a:xfrm>
@@ -5878,20 +6032,17 @@
             </a:ln>
           </p:spPr>
           <p:txBody>
-            <a:bodyPr anchorCtr="0" anchor="ctr" bIns="91425" lIns="91425" rIns="91425" wrap="square" tIns="91425">
+            <a:bodyPr wrap="square" lIns="91425" tIns="91425" rIns="91425" bIns="91425" anchor="ctr" anchorCtr="0">
               <a:noAutofit/>
             </a:bodyPr>
             <a:lstStyle/>
             <a:p>
-              <a:pPr indent="0" lvl="0" marL="0">
+              <a:pPr marL="0" lvl="0" indent="0">
                 <a:spcBef>
                   <a:spcPts val="0"/>
                 </a:spcBef>
                 <a:buNone/>
               </a:pPr>
-              <a:r>
-                <a:t/>
-              </a:r>
               <a:endParaRPr/>
             </a:p>
           </p:txBody>
@@ -5903,7 +6054,7 @@
             <p:nvPr/>
           </p:nvSpPr>
           <p:spPr>
-            <a:xfrm flipH="1" rot="9208678">
+            <a:xfrm rot="9208678" flipH="1">
               <a:off x="6287617" y="4657701"/>
               <a:ext cx="229660" cy="571018"/>
             </a:xfrm>
@@ -5918,20 +6069,17 @@
             </a:ln>
           </p:spPr>
           <p:txBody>
-            <a:bodyPr anchorCtr="0" anchor="ctr" bIns="91425" lIns="91425" rIns="91425" wrap="square" tIns="91425">
+            <a:bodyPr wrap="square" lIns="91425" tIns="91425" rIns="91425" bIns="91425" anchor="ctr" anchorCtr="0">
               <a:noAutofit/>
             </a:bodyPr>
             <a:lstStyle/>
             <a:p>
-              <a:pPr indent="0" lvl="0" marL="0">
+              <a:pPr marL="0" lvl="0" indent="0">
                 <a:spcBef>
                   <a:spcPts val="0"/>
                 </a:spcBef>
                 <a:buNone/>
               </a:pPr>
-              <a:r>
-                <a:t/>
-              </a:r>
               <a:endParaRPr/>
             </a:p>
           </p:txBody>
@@ -5948,8 +6096,13 @@
               <a:ext cx="854651" cy="1929080"/>
             </a:xfrm>
             <a:custGeom>
+              <a:avLst/>
+              <a:gdLst/>
+              <a:ahLst/>
+              <a:cxnLst/>
+              <a:rect l="0" t="0" r="0" b="0"/>
               <a:pathLst>
-                <a:path extrusionOk="0" h="84860" w="37596">
+                <a:path w="37596" h="84860" extrusionOk="0">
                   <a:moveTo>
                     <a:pt x="19066" y="0"/>
                   </a:moveTo>
@@ -5996,7 +6149,7 @@
             <p:nvPr/>
           </p:nvSpPr>
           <p:spPr>
-            <a:xfrm flipH="1" rot="-1591408">
+            <a:xfrm rot="-1591408" flipH="1">
               <a:off x="1362169" y="-63166"/>
               <a:ext cx="205103" cy="509980"/>
             </a:xfrm>
@@ -6011,20 +6164,17 @@
             </a:ln>
           </p:spPr>
           <p:txBody>
-            <a:bodyPr anchorCtr="0" anchor="ctr" bIns="91425" lIns="91425" rIns="91425" wrap="square" tIns="91425">
+            <a:bodyPr wrap="square" lIns="91425" tIns="91425" rIns="91425" bIns="91425" anchor="ctr" anchorCtr="0">
               <a:noAutofit/>
             </a:bodyPr>
             <a:lstStyle/>
             <a:p>
-              <a:pPr indent="0" lvl="0" marL="0">
+              <a:pPr marL="0" lvl="0" indent="0">
                 <a:spcBef>
                   <a:spcPts val="0"/>
                 </a:spcBef>
                 <a:buNone/>
               </a:pPr>
-              <a:r>
-                <a:t/>
-              </a:r>
               <a:endParaRPr/>
             </a:p>
           </p:txBody>
@@ -6036,7 +6186,7 @@
             <p:nvPr/>
           </p:nvSpPr>
           <p:spPr>
-            <a:xfrm flipH="1" rot="-1591371">
+            <a:xfrm rot="-1591371" flipH="1">
               <a:off x="239463" y="-151890"/>
               <a:ext cx="434754" cy="1080980"/>
             </a:xfrm>
@@ -6051,20 +6201,17 @@
             </a:ln>
           </p:spPr>
           <p:txBody>
-            <a:bodyPr anchorCtr="0" anchor="ctr" bIns="91425" lIns="91425" rIns="91425" wrap="square" tIns="91425">
+            <a:bodyPr wrap="square" lIns="91425" tIns="91425" rIns="91425" bIns="91425" anchor="ctr" anchorCtr="0">
               <a:noAutofit/>
             </a:bodyPr>
             <a:lstStyle/>
             <a:p>
-              <a:pPr indent="0" lvl="0" marL="0">
+              <a:pPr marL="0" lvl="0" indent="0">
                 <a:spcBef>
                   <a:spcPts val="0"/>
                 </a:spcBef>
                 <a:buNone/>
               </a:pPr>
-              <a:r>
-                <a:t/>
-              </a:r>
               <a:endParaRPr/>
             </a:p>
           </p:txBody>
@@ -6076,7 +6223,7 @@
             <p:nvPr/>
           </p:nvSpPr>
           <p:spPr>
-            <a:xfrm flipH="1" rot="-1591339">
+            <a:xfrm rot="-1591339" flipH="1">
               <a:off x="892401" y="-169347"/>
               <a:ext cx="504374" cy="1254067"/>
             </a:xfrm>
@@ -6091,20 +6238,17 @@
             </a:ln>
           </p:spPr>
           <p:txBody>
-            <a:bodyPr anchorCtr="0" anchor="ctr" bIns="91425" lIns="91425" rIns="91425" wrap="square" tIns="91425">
+            <a:bodyPr wrap="square" lIns="91425" tIns="91425" rIns="91425" bIns="91425" anchor="ctr" anchorCtr="0">
               <a:noAutofit/>
             </a:bodyPr>
             <a:lstStyle/>
             <a:p>
-              <a:pPr indent="0" lvl="0" marL="0">
+              <a:pPr marL="0" lvl="0" indent="0">
                 <a:spcBef>
                   <a:spcPts val="0"/>
                 </a:spcBef>
                 <a:buNone/>
               </a:pPr>
-              <a:r>
-                <a:t/>
-              </a:r>
               <a:endParaRPr/>
             </a:p>
           </p:txBody>
@@ -6116,7 +6260,7 @@
             <p:nvPr/>
           </p:nvSpPr>
           <p:spPr>
-            <a:xfrm flipH="1" rot="-1591322">
+            <a:xfrm rot="-1591322" flipH="1">
               <a:off x="1818452" y="-76292"/>
               <a:ext cx="229660" cy="571018"/>
             </a:xfrm>
@@ -6131,20 +6275,17 @@
             </a:ln>
           </p:spPr>
           <p:txBody>
-            <a:bodyPr anchorCtr="0" anchor="ctr" bIns="91425" lIns="91425" rIns="91425" wrap="square" tIns="91425">
+            <a:bodyPr wrap="square" lIns="91425" tIns="91425" rIns="91425" bIns="91425" anchor="ctr" anchorCtr="0">
               <a:noAutofit/>
             </a:bodyPr>
             <a:lstStyle/>
             <a:p>
-              <a:pPr indent="0" lvl="0" marL="0">
+              <a:pPr marL="0" lvl="0" indent="0">
                 <a:spcBef>
                   <a:spcPts val="0"/>
                 </a:spcBef>
                 <a:buNone/>
               </a:pPr>
-              <a:r>
-                <a:t/>
-              </a:r>
               <a:endParaRPr/>
             </a:p>
           </p:txBody>
@@ -6161,8 +6302,13 @@
               <a:ext cx="380284" cy="858147"/>
             </a:xfrm>
             <a:custGeom>
+              <a:avLst/>
+              <a:gdLst/>
+              <a:ahLst/>
+              <a:cxnLst/>
+              <a:rect l="0" t="0" r="0" b="0"/>
               <a:pathLst>
-                <a:path extrusionOk="0" h="84860" w="37596">
+                <a:path w="37596" h="84860" extrusionOk="0">
                   <a:moveTo>
                     <a:pt x="19066" y="0"/>
                   </a:moveTo>
@@ -6191,7 +6337,9 @@
       <p:sp>
         <p:nvSpPr>
           <p:cNvPr id="95" name="Shape 95"/>
-          <p:cNvSpPr txBox="1"/>
+          <p:cNvSpPr txBox="1">
+            <a:spLocks noGrp="1"/>
+          </p:cNvSpPr>
           <p:nvPr>
             <p:ph type="title"/>
           </p:nvPr>
@@ -6206,7 +6354,7 @@
           </a:prstGeom>
         </p:spPr>
         <p:txBody>
-          <a:bodyPr anchorCtr="0" anchor="b" bIns="91425" lIns="91425" rIns="91425" wrap="square" tIns="91425"/>
+          <a:bodyPr wrap="square" lIns="91425" tIns="91425" rIns="91425" bIns="91425" anchor="b" anchorCtr="0"/>
           <a:lstStyle>
             <a:lvl1pPr lvl="0" rtl="0">
               <a:spcBef>
@@ -6281,15 +6429,19 @@
               <a:defRPr/>
             </a:lvl9pPr>
           </a:lstStyle>
-          <a:p/>
+          <a:p>
+            <a:endParaRPr/>
+          </a:p>
         </p:txBody>
       </p:sp>
       <p:sp>
         <p:nvSpPr>
           <p:cNvPr id="96" name="Shape 96"/>
-          <p:cNvSpPr txBox="1"/>
+          <p:cNvSpPr txBox="1">
+            <a:spLocks noGrp="1"/>
+          </p:cNvSpPr>
           <p:nvPr>
-            <p:ph idx="1" type="body"/>
+            <p:ph type="body" idx="1"/>
           </p:nvPr>
         </p:nvSpPr>
         <p:spPr>
@@ -6302,7 +6454,7 @@
           </a:prstGeom>
         </p:spPr>
         <p:txBody>
-          <a:bodyPr anchorCtr="0" anchor="t" bIns="91425" lIns="91425" rIns="91425" wrap="square" tIns="91425"/>
+          <a:bodyPr wrap="square" lIns="91425" tIns="91425" rIns="91425" bIns="91425" anchor="t" anchorCtr="0"/>
           <a:lstStyle>
             <a:lvl1pPr lvl="0" rtl="0">
               <a:spcBef>
@@ -6377,15 +6529,19 @@
               <a:defRPr sz="1600"/>
             </a:lvl9pPr>
           </a:lstStyle>
-          <a:p/>
+          <a:p>
+            <a:endParaRPr/>
+          </a:p>
         </p:txBody>
       </p:sp>
       <p:sp>
         <p:nvSpPr>
           <p:cNvPr id="97" name="Shape 97"/>
-          <p:cNvSpPr txBox="1"/>
+          <p:cNvSpPr txBox="1">
+            <a:spLocks noGrp="1"/>
+          </p:cNvSpPr>
           <p:nvPr>
-            <p:ph idx="2" type="body"/>
+            <p:ph type="body" idx="2"/>
           </p:nvPr>
         </p:nvSpPr>
         <p:spPr>
@@ -6398,7 +6554,7 @@
           </a:prstGeom>
         </p:spPr>
         <p:txBody>
-          <a:bodyPr anchorCtr="0" anchor="t" bIns="91425" lIns="91425" rIns="91425" wrap="square" tIns="91425"/>
+          <a:bodyPr wrap="square" lIns="91425" tIns="91425" rIns="91425" bIns="91425" anchor="t" anchorCtr="0"/>
           <a:lstStyle>
             <a:lvl1pPr lvl="0" rtl="0">
               <a:spcBef>
@@ -6473,15 +6629,19 @@
               <a:defRPr sz="1600"/>
             </a:lvl9pPr>
           </a:lstStyle>
-          <a:p/>
+          <a:p>
+            <a:endParaRPr/>
+          </a:p>
         </p:txBody>
       </p:sp>
       <p:sp>
         <p:nvSpPr>
           <p:cNvPr id="98" name="Shape 98"/>
-          <p:cNvSpPr txBox="1"/>
+          <p:cNvSpPr txBox="1">
+            <a:spLocks noGrp="1"/>
+          </p:cNvSpPr>
           <p:nvPr>
-            <p:ph idx="3" type="body"/>
+            <p:ph type="body" idx="3"/>
           </p:nvPr>
         </p:nvSpPr>
         <p:spPr>
@@ -6494,7 +6654,7 @@
           </a:prstGeom>
         </p:spPr>
         <p:txBody>
-          <a:bodyPr anchorCtr="0" anchor="t" bIns="91425" lIns="91425" rIns="91425" wrap="square" tIns="91425"/>
+          <a:bodyPr wrap="square" lIns="91425" tIns="91425" rIns="91425" bIns="91425" anchor="t" anchorCtr="0"/>
           <a:lstStyle>
             <a:lvl1pPr lvl="0" rtl="0">
               <a:spcBef>
@@ -6569,7 +6729,9 @@
               <a:defRPr sz="1600"/>
             </a:lvl9pPr>
           </a:lstStyle>
-          <a:p/>
+          <a:p>
+            <a:endParaRPr/>
+          </a:p>
         </p:txBody>
       </p:sp>
     </p:spTree>
@@ -6581,11 +6743,11 @@
 </file>
 
 <file path=ppt/slideLayouts/slideLayout7.xml><?xml version="1.0" encoding="utf-8"?>
-<p:sldLayout xmlns:a="http://schemas.openxmlformats.org/drawingml/2006/main" xmlns:r="http://schemas.openxmlformats.org/officeDocument/2006/relationships" xmlns:mc="http://schemas.openxmlformats.org/markup-compatibility/2006" xmlns:mv="urn:schemas-microsoft-com:mac:vml" xmlns:p="http://schemas.openxmlformats.org/presentationml/2006/main" xmlns:c="http://schemas.openxmlformats.org/drawingml/2006/chart" xmlns:dgm="http://schemas.openxmlformats.org/drawingml/2006/diagram" xmlns:o="urn:schemas-microsoft-com:office:office" xmlns:v="urn:schemas-microsoft-com:vml" xmlns:pvml="urn:schemas-microsoft-com:office:powerpoint" xmlns:com="http://schemas.openxmlformats.org/drawingml/2006/compatibility" xmlns:p14="http://schemas.microsoft.com/office/powerpoint/2010/main" xmlns:p15="http://schemas.microsoft.com/office/powerpoint/2012/main" type="titleOnly">
+<p:sldLayout xmlns:a="http://schemas.openxmlformats.org/drawingml/2006/main" xmlns:r="http://schemas.openxmlformats.org/officeDocument/2006/relationships" xmlns:p="http://schemas.openxmlformats.org/presentationml/2006/main" type="titleOnly">
   <p:cSld name="Title only">
     <p:spTree>
       <p:nvGrpSpPr>
-        <p:cNvPr id="99" name="Shape 99"/>
+        <p:cNvPr id="1" name="Shape 99"/>
         <p:cNvGrpSpPr/>
         <p:nvPr/>
       </p:nvGrpSpPr>
@@ -6618,7 +6780,7 @@
             <p:nvPr/>
           </p:nvSpPr>
           <p:spPr>
-            <a:xfrm flipH="1" rot="9208626">
+            <a:xfrm rot="9208626" flipH="1">
               <a:off x="6704904" y="4110434"/>
               <a:ext cx="484232" cy="1204006"/>
             </a:xfrm>
@@ -6633,20 +6795,17 @@
             </a:ln>
           </p:spPr>
           <p:txBody>
-            <a:bodyPr anchorCtr="0" anchor="ctr" bIns="91425" lIns="91425" rIns="91425" wrap="square" tIns="91425">
+            <a:bodyPr wrap="square" lIns="91425" tIns="91425" rIns="91425" bIns="91425" anchor="ctr" anchorCtr="0">
               <a:noAutofit/>
             </a:bodyPr>
             <a:lstStyle/>
             <a:p>
-              <a:pPr indent="0" lvl="0" marL="0">
+              <a:pPr marL="0" lvl="0" indent="0">
                 <a:spcBef>
                   <a:spcPts val="0"/>
                 </a:spcBef>
                 <a:buNone/>
               </a:pPr>
-              <a:r>
-                <a:t/>
-              </a:r>
               <a:endParaRPr/>
             </a:p>
           </p:txBody>
@@ -6658,7 +6817,7 @@
             <p:nvPr/>
           </p:nvSpPr>
           <p:spPr>
-            <a:xfrm flipH="1" rot="9208633">
+            <a:xfrm rot="9208633" flipH="1">
               <a:off x="7804300" y="3279013"/>
               <a:ext cx="877624" cy="2182136"/>
             </a:xfrm>
@@ -6673,20 +6832,17 @@
             </a:ln>
           </p:spPr>
           <p:txBody>
-            <a:bodyPr anchorCtr="0" anchor="ctr" bIns="91425" lIns="91425" rIns="91425" wrap="square" tIns="91425">
+            <a:bodyPr wrap="square" lIns="91425" tIns="91425" rIns="91425" bIns="91425" anchor="ctr" anchorCtr="0">
               <a:noAutofit/>
             </a:bodyPr>
             <a:lstStyle/>
             <a:p>
-              <a:pPr indent="0" lvl="0" marL="0">
+              <a:pPr marL="0" lvl="0" indent="0">
                 <a:spcBef>
                   <a:spcPts val="0"/>
                 </a:spcBef>
                 <a:buNone/>
               </a:pPr>
-              <a:r>
-                <a:t/>
-              </a:r>
               <a:endParaRPr/>
             </a:p>
           </p:txBody>
@@ -6698,7 +6854,7 @@
             <p:nvPr/>
           </p:nvSpPr>
           <p:spPr>
-            <a:xfrm flipH="1" rot="9208606">
+            <a:xfrm rot="9208606" flipH="1">
               <a:off x="7481789" y="4276913"/>
               <a:ext cx="408796" cy="1016449"/>
             </a:xfrm>
@@ -6713,20 +6869,17 @@
             </a:ln>
           </p:spPr>
           <p:txBody>
-            <a:bodyPr anchorCtr="0" anchor="ctr" bIns="91425" lIns="91425" rIns="91425" wrap="square" tIns="91425">
+            <a:bodyPr wrap="square" lIns="91425" tIns="91425" rIns="91425" bIns="91425" anchor="ctr" anchorCtr="0">
               <a:noAutofit/>
             </a:bodyPr>
             <a:lstStyle/>
             <a:p>
-              <a:pPr indent="0" lvl="0" marL="0">
+              <a:pPr marL="0" lvl="0" indent="0">
                 <a:spcBef>
                   <a:spcPts val="0"/>
                 </a:spcBef>
                 <a:buNone/>
               </a:pPr>
-              <a:r>
-                <a:t/>
-              </a:r>
               <a:endParaRPr/>
             </a:p>
           </p:txBody>
@@ -6738,7 +6891,7 @@
             <p:nvPr/>
           </p:nvSpPr>
           <p:spPr>
-            <a:xfrm flipH="1" rot="9208678">
+            <a:xfrm rot="9208678" flipH="1">
               <a:off x="6287617" y="4657701"/>
               <a:ext cx="229660" cy="571018"/>
             </a:xfrm>
@@ -6753,20 +6906,17 @@
             </a:ln>
           </p:spPr>
           <p:txBody>
-            <a:bodyPr anchorCtr="0" anchor="ctr" bIns="91425" lIns="91425" rIns="91425" wrap="square" tIns="91425">
+            <a:bodyPr wrap="square" lIns="91425" tIns="91425" rIns="91425" bIns="91425" anchor="ctr" anchorCtr="0">
               <a:noAutofit/>
             </a:bodyPr>
             <a:lstStyle/>
             <a:p>
-              <a:pPr indent="0" lvl="0" marL="0">
+              <a:pPr marL="0" lvl="0" indent="0">
                 <a:spcBef>
                   <a:spcPts val="0"/>
                 </a:spcBef>
                 <a:buNone/>
               </a:pPr>
-              <a:r>
-                <a:t/>
-              </a:r>
               <a:endParaRPr/>
             </a:p>
           </p:txBody>
@@ -6783,8 +6933,13 @@
               <a:ext cx="854651" cy="1929080"/>
             </a:xfrm>
             <a:custGeom>
+              <a:avLst/>
+              <a:gdLst/>
+              <a:ahLst/>
+              <a:cxnLst/>
+              <a:rect l="0" t="0" r="0" b="0"/>
               <a:pathLst>
-                <a:path extrusionOk="0" h="84860" w="37596">
+                <a:path w="37596" h="84860" extrusionOk="0">
                   <a:moveTo>
                     <a:pt x="19066" y="0"/>
                   </a:moveTo>
@@ -6831,7 +6986,7 @@
             <p:nvPr/>
           </p:nvSpPr>
           <p:spPr>
-            <a:xfrm flipH="1" rot="-1591408">
+            <a:xfrm rot="-1591408" flipH="1">
               <a:off x="1362169" y="-63166"/>
               <a:ext cx="205103" cy="509980"/>
             </a:xfrm>
@@ -6846,20 +7001,17 @@
             </a:ln>
           </p:spPr>
           <p:txBody>
-            <a:bodyPr anchorCtr="0" anchor="ctr" bIns="91425" lIns="91425" rIns="91425" wrap="square" tIns="91425">
+            <a:bodyPr wrap="square" lIns="91425" tIns="91425" rIns="91425" bIns="91425" anchor="ctr" anchorCtr="0">
               <a:noAutofit/>
             </a:bodyPr>
             <a:lstStyle/>
             <a:p>
-              <a:pPr indent="0" lvl="0" marL="0">
+              <a:pPr marL="0" lvl="0" indent="0">
                 <a:spcBef>
                   <a:spcPts val="0"/>
                 </a:spcBef>
                 <a:buNone/>
               </a:pPr>
-              <a:r>
-                <a:t/>
-              </a:r>
               <a:endParaRPr/>
             </a:p>
           </p:txBody>
@@ -6871,7 +7023,7 @@
             <p:nvPr/>
           </p:nvSpPr>
           <p:spPr>
-            <a:xfrm flipH="1" rot="-1591371">
+            <a:xfrm rot="-1591371" flipH="1">
               <a:off x="239463" y="-151890"/>
               <a:ext cx="434754" cy="1080980"/>
             </a:xfrm>
@@ -6886,20 +7038,17 @@
             </a:ln>
           </p:spPr>
           <p:txBody>
-            <a:bodyPr anchorCtr="0" anchor="ctr" bIns="91425" lIns="91425" rIns="91425" wrap="square" tIns="91425">
+            <a:bodyPr wrap="square" lIns="91425" tIns="91425" rIns="91425" bIns="91425" anchor="ctr" anchorCtr="0">
               <a:noAutofit/>
             </a:bodyPr>
             <a:lstStyle/>
             <a:p>
-              <a:pPr indent="0" lvl="0" marL="0">
+              <a:pPr marL="0" lvl="0" indent="0">
                 <a:spcBef>
                   <a:spcPts val="0"/>
                 </a:spcBef>
                 <a:buNone/>
               </a:pPr>
-              <a:r>
-                <a:t/>
-              </a:r>
               <a:endParaRPr/>
             </a:p>
           </p:txBody>
@@ -6911,7 +7060,7 @@
             <p:nvPr/>
           </p:nvSpPr>
           <p:spPr>
-            <a:xfrm flipH="1" rot="-1591339">
+            <a:xfrm rot="-1591339" flipH="1">
               <a:off x="892401" y="-169347"/>
               <a:ext cx="504374" cy="1254067"/>
             </a:xfrm>
@@ -6926,20 +7075,17 @@
             </a:ln>
           </p:spPr>
           <p:txBody>
-            <a:bodyPr anchorCtr="0" anchor="ctr" bIns="91425" lIns="91425" rIns="91425" wrap="square" tIns="91425">
+            <a:bodyPr wrap="square" lIns="91425" tIns="91425" rIns="91425" bIns="91425" anchor="ctr" anchorCtr="0">
               <a:noAutofit/>
             </a:bodyPr>
             <a:lstStyle/>
             <a:p>
-              <a:pPr indent="0" lvl="0" marL="0">
+              <a:pPr marL="0" lvl="0" indent="0">
                 <a:spcBef>
                   <a:spcPts val="0"/>
                 </a:spcBef>
                 <a:buNone/>
               </a:pPr>
-              <a:r>
-                <a:t/>
-              </a:r>
               <a:endParaRPr/>
             </a:p>
           </p:txBody>
@@ -6951,7 +7097,7 @@
             <p:nvPr/>
           </p:nvSpPr>
           <p:spPr>
-            <a:xfrm flipH="1" rot="-1591322">
+            <a:xfrm rot="-1591322" flipH="1">
               <a:off x="1818452" y="-76292"/>
               <a:ext cx="229660" cy="571018"/>
             </a:xfrm>
@@ -6966,20 +7112,17 @@
             </a:ln>
           </p:spPr>
           <p:txBody>
-            <a:bodyPr anchorCtr="0" anchor="ctr" bIns="91425" lIns="91425" rIns="91425" wrap="square" tIns="91425">
+            <a:bodyPr wrap="square" lIns="91425" tIns="91425" rIns="91425" bIns="91425" anchor="ctr" anchorCtr="0">
               <a:noAutofit/>
             </a:bodyPr>
             <a:lstStyle/>
             <a:p>
-              <a:pPr indent="0" lvl="0" marL="0">
+              <a:pPr marL="0" lvl="0" indent="0">
                 <a:spcBef>
                   <a:spcPts val="0"/>
                 </a:spcBef>
                 <a:buNone/>
               </a:pPr>
-              <a:r>
-                <a:t/>
-              </a:r>
               <a:endParaRPr/>
             </a:p>
           </p:txBody>
@@ -6996,8 +7139,13 @@
               <a:ext cx="380284" cy="858147"/>
             </a:xfrm>
             <a:custGeom>
+              <a:avLst/>
+              <a:gdLst/>
+              <a:ahLst/>
+              <a:cxnLst/>
+              <a:rect l="0" t="0" r="0" b="0"/>
               <a:pathLst>
-                <a:path extrusionOk="0" h="84860" w="37596">
+                <a:path w="37596" h="84860" extrusionOk="0">
                   <a:moveTo>
                     <a:pt x="19066" y="0"/>
                   </a:moveTo>
@@ -7026,7 +7174,9 @@
       <p:sp>
         <p:nvSpPr>
           <p:cNvPr id="112" name="Shape 112"/>
-          <p:cNvSpPr txBox="1"/>
+          <p:cNvSpPr txBox="1">
+            <a:spLocks noGrp="1"/>
+          </p:cNvSpPr>
           <p:nvPr>
             <p:ph type="title"/>
           </p:nvPr>
@@ -7041,7 +7191,7 @@
           </a:prstGeom>
         </p:spPr>
         <p:txBody>
-          <a:bodyPr anchorCtr="0" anchor="b" bIns="91425" lIns="91425" rIns="91425" wrap="square" tIns="91425"/>
+          <a:bodyPr wrap="square" lIns="91425" tIns="91425" rIns="91425" bIns="91425" anchor="b" anchorCtr="0"/>
           <a:lstStyle>
             <a:lvl1pPr lvl="0">
               <a:spcBef>
@@ -7116,7 +7266,9 @@
               <a:defRPr/>
             </a:lvl9pPr>
           </a:lstStyle>
-          <a:p/>
+          <a:p>
+            <a:endParaRPr/>
+          </a:p>
         </p:txBody>
       </p:sp>
     </p:spTree>
@@ -7128,11 +7280,11 @@
 </file>
 
 <file path=ppt/slideLayouts/slideLayout8.xml><?xml version="1.0" encoding="utf-8"?>
-<p:sldLayout xmlns:a="http://schemas.openxmlformats.org/drawingml/2006/main" xmlns:r="http://schemas.openxmlformats.org/officeDocument/2006/relationships" xmlns:mc="http://schemas.openxmlformats.org/markup-compatibility/2006" xmlns:mv="urn:schemas-microsoft-com:mac:vml" xmlns:p="http://schemas.openxmlformats.org/presentationml/2006/main" xmlns:c="http://schemas.openxmlformats.org/drawingml/2006/chart" xmlns:dgm="http://schemas.openxmlformats.org/drawingml/2006/diagram" xmlns:o="urn:schemas-microsoft-com:office:office" xmlns:v="urn:schemas-microsoft-com:vml" xmlns:pvml="urn:schemas-microsoft-com:office:powerpoint" xmlns:com="http://schemas.openxmlformats.org/drawingml/2006/compatibility" xmlns:p14="http://schemas.microsoft.com/office/powerpoint/2010/main" xmlns:p15="http://schemas.microsoft.com/office/powerpoint/2012/main">
+<p:sldLayout xmlns:a="http://schemas.openxmlformats.org/drawingml/2006/main" xmlns:r="http://schemas.openxmlformats.org/officeDocument/2006/relationships" xmlns:p="http://schemas.openxmlformats.org/presentationml/2006/main">
   <p:cSld name="Caption">
     <p:spTree>
       <p:nvGrpSpPr>
-        <p:cNvPr id="113" name="Shape 113"/>
+        <p:cNvPr id="1" name="Shape 113"/>
         <p:cNvGrpSpPr/>
         <p:nvPr/>
       </p:nvGrpSpPr>
@@ -7165,7 +7317,7 @@
             <p:nvPr/>
           </p:nvSpPr>
           <p:spPr>
-            <a:xfrm flipH="1" rot="-1591408">
+            <a:xfrm rot="-1591408" flipH="1">
               <a:off x="1362169" y="-63166"/>
               <a:ext cx="205103" cy="509980"/>
             </a:xfrm>
@@ -7180,20 +7332,17 @@
             </a:ln>
           </p:spPr>
           <p:txBody>
-            <a:bodyPr anchorCtr="0" anchor="ctr" bIns="91425" lIns="91425" rIns="91425" wrap="square" tIns="91425">
+            <a:bodyPr wrap="square" lIns="91425" tIns="91425" rIns="91425" bIns="91425" anchor="ctr" anchorCtr="0">
               <a:noAutofit/>
             </a:bodyPr>
             <a:lstStyle/>
             <a:p>
-              <a:pPr indent="0" lvl="0" marL="0">
+              <a:pPr marL="0" lvl="0" indent="0">
                 <a:spcBef>
                   <a:spcPts val="0"/>
                 </a:spcBef>
                 <a:buNone/>
               </a:pPr>
-              <a:r>
-                <a:t/>
-              </a:r>
               <a:endParaRPr/>
             </a:p>
           </p:txBody>
@@ -7205,7 +7354,7 @@
             <p:nvPr/>
           </p:nvSpPr>
           <p:spPr>
-            <a:xfrm flipH="1" rot="-1591371">
+            <a:xfrm rot="-1591371" flipH="1">
               <a:off x="239463" y="-151890"/>
               <a:ext cx="434754" cy="1080980"/>
             </a:xfrm>
@@ -7220,20 +7369,17 @@
             </a:ln>
           </p:spPr>
           <p:txBody>
-            <a:bodyPr anchorCtr="0" anchor="ctr" bIns="91425" lIns="91425" rIns="91425" wrap="square" tIns="91425">
+            <a:bodyPr wrap="square" lIns="91425" tIns="91425" rIns="91425" bIns="91425" anchor="ctr" anchorCtr="0">
               <a:noAutofit/>
             </a:bodyPr>
             <a:lstStyle/>
             <a:p>
-              <a:pPr indent="0" lvl="0" marL="0">
+              <a:pPr marL="0" lvl="0" indent="0">
                 <a:spcBef>
                   <a:spcPts val="0"/>
                 </a:spcBef>
                 <a:buNone/>
               </a:pPr>
-              <a:r>
-                <a:t/>
-              </a:r>
               <a:endParaRPr/>
             </a:p>
           </p:txBody>
@@ -7245,7 +7391,7 @@
             <p:nvPr/>
           </p:nvSpPr>
           <p:spPr>
-            <a:xfrm flipH="1" rot="-1591339">
+            <a:xfrm rot="-1591339" flipH="1">
               <a:off x="892401" y="-169347"/>
               <a:ext cx="504374" cy="1254067"/>
             </a:xfrm>
@@ -7260,20 +7406,17 @@
             </a:ln>
           </p:spPr>
           <p:txBody>
-            <a:bodyPr anchorCtr="0" anchor="ctr" bIns="91425" lIns="91425" rIns="91425" wrap="square" tIns="91425">
+            <a:bodyPr wrap="square" lIns="91425" tIns="91425" rIns="91425" bIns="91425" anchor="ctr" anchorCtr="0">
               <a:noAutofit/>
             </a:bodyPr>
             <a:lstStyle/>
             <a:p>
-              <a:pPr indent="0" lvl="0" marL="0">
+              <a:pPr marL="0" lvl="0" indent="0">
                 <a:spcBef>
                   <a:spcPts val="0"/>
                 </a:spcBef>
                 <a:buNone/>
               </a:pPr>
-              <a:r>
-                <a:t/>
-              </a:r>
               <a:endParaRPr/>
             </a:p>
           </p:txBody>
@@ -7285,7 +7428,7 @@
             <p:nvPr/>
           </p:nvSpPr>
           <p:spPr>
-            <a:xfrm flipH="1" rot="-1591322">
+            <a:xfrm rot="-1591322" flipH="1">
               <a:off x="1818452" y="-76292"/>
               <a:ext cx="229660" cy="571018"/>
             </a:xfrm>
@@ -7300,20 +7443,17 @@
             </a:ln>
           </p:spPr>
           <p:txBody>
-            <a:bodyPr anchorCtr="0" anchor="ctr" bIns="91425" lIns="91425" rIns="91425" wrap="square" tIns="91425">
+            <a:bodyPr wrap="square" lIns="91425" tIns="91425" rIns="91425" bIns="91425" anchor="ctr" anchorCtr="0">
               <a:noAutofit/>
             </a:bodyPr>
             <a:lstStyle/>
             <a:p>
-              <a:pPr indent="0" lvl="0" marL="0">
+              <a:pPr marL="0" lvl="0" indent="0">
                 <a:spcBef>
                   <a:spcPts val="0"/>
                 </a:spcBef>
                 <a:buNone/>
               </a:pPr>
-              <a:r>
-                <a:t/>
-              </a:r>
               <a:endParaRPr/>
             </a:p>
           </p:txBody>
@@ -7330,8 +7470,13 @@
               <a:ext cx="380284" cy="858147"/>
             </a:xfrm>
             <a:custGeom>
+              <a:avLst/>
+              <a:gdLst/>
+              <a:ahLst/>
+              <a:cxnLst/>
+              <a:rect l="0" t="0" r="0" b="0"/>
               <a:pathLst>
-                <a:path extrusionOk="0" h="84860" w="37596">
+                <a:path w="37596" h="84860" extrusionOk="0">
                   <a:moveTo>
                     <a:pt x="19066" y="0"/>
                   </a:moveTo>
@@ -7360,9 +7505,11 @@
       <p:sp>
         <p:nvSpPr>
           <p:cNvPr id="120" name="Shape 120"/>
-          <p:cNvSpPr txBox="1"/>
+          <p:cNvSpPr txBox="1">
+            <a:spLocks noGrp="1"/>
+          </p:cNvSpPr>
           <p:nvPr>
-            <p:ph idx="1" type="body"/>
+            <p:ph type="body" idx="1"/>
           </p:nvPr>
         </p:nvSpPr>
         <p:spPr>
@@ -7375,7 +7522,7 @@
           </a:prstGeom>
         </p:spPr>
         <p:txBody>
-          <a:bodyPr anchorCtr="0" anchor="t" bIns="91425" lIns="91425" rIns="91425" wrap="square" tIns="91425"/>
+          <a:bodyPr wrap="square" lIns="91425" tIns="91425" rIns="91425" bIns="91425" anchor="t" anchorCtr="0"/>
           <a:lstStyle>
             <a:lvl1pPr lvl="0">
               <a:spcBef>
@@ -7386,7 +7533,9 @@
               <a:defRPr sz="1800"/>
             </a:lvl1pPr>
           </a:lstStyle>
-          <a:p/>
+          <a:p>
+            <a:endParaRPr/>
+          </a:p>
         </p:txBody>
       </p:sp>
       <p:grpSp>
@@ -7410,7 +7559,7 @@
             <p:nvPr/>
           </p:nvSpPr>
           <p:spPr>
-            <a:xfrm flipH="1" rot="9208626">
+            <a:xfrm rot="9208626" flipH="1">
               <a:off x="6704904" y="4110434"/>
               <a:ext cx="484232" cy="1204006"/>
             </a:xfrm>
@@ -7425,20 +7574,17 @@
             </a:ln>
           </p:spPr>
           <p:txBody>
-            <a:bodyPr anchorCtr="0" anchor="ctr" bIns="91425" lIns="91425" rIns="91425" wrap="square" tIns="91425">
+            <a:bodyPr wrap="square" lIns="91425" tIns="91425" rIns="91425" bIns="91425" anchor="ctr" anchorCtr="0">
               <a:noAutofit/>
             </a:bodyPr>
             <a:lstStyle/>
             <a:p>
-              <a:pPr indent="0" lvl="0" marL="0">
+              <a:pPr marL="0" lvl="0" indent="0">
                 <a:spcBef>
                   <a:spcPts val="0"/>
                 </a:spcBef>
                 <a:buNone/>
               </a:pPr>
-              <a:r>
-                <a:t/>
-              </a:r>
               <a:endParaRPr/>
             </a:p>
           </p:txBody>
@@ -7450,7 +7596,7 @@
             <p:nvPr/>
           </p:nvSpPr>
           <p:spPr>
-            <a:xfrm flipH="1" rot="9208633">
+            <a:xfrm rot="9208633" flipH="1">
               <a:off x="7804300" y="3279013"/>
               <a:ext cx="877624" cy="2182136"/>
             </a:xfrm>
@@ -7465,20 +7611,17 @@
             </a:ln>
           </p:spPr>
           <p:txBody>
-            <a:bodyPr anchorCtr="0" anchor="ctr" bIns="91425" lIns="91425" rIns="91425" wrap="square" tIns="91425">
+            <a:bodyPr wrap="square" lIns="91425" tIns="91425" rIns="91425" bIns="91425" anchor="ctr" anchorCtr="0">
               <a:noAutofit/>
             </a:bodyPr>
             <a:lstStyle/>
             <a:p>
-              <a:pPr indent="0" lvl="0" marL="0">
+              <a:pPr marL="0" lvl="0" indent="0">
                 <a:spcBef>
                   <a:spcPts val="0"/>
                 </a:spcBef>
                 <a:buNone/>
               </a:pPr>
-              <a:r>
-                <a:t/>
-              </a:r>
               <a:endParaRPr/>
             </a:p>
           </p:txBody>
@@ -7490,7 +7633,7 @@
             <p:nvPr/>
           </p:nvSpPr>
           <p:spPr>
-            <a:xfrm flipH="1" rot="9208606">
+            <a:xfrm rot="9208606" flipH="1">
               <a:off x="7481789" y="4276913"/>
               <a:ext cx="408796" cy="1016449"/>
             </a:xfrm>
@@ -7505,20 +7648,17 @@
             </a:ln>
           </p:spPr>
           <p:txBody>
-            <a:bodyPr anchorCtr="0" anchor="ctr" bIns="91425" lIns="91425" rIns="91425" wrap="square" tIns="91425">
+            <a:bodyPr wrap="square" lIns="91425" tIns="91425" rIns="91425" bIns="91425" anchor="ctr" anchorCtr="0">
               <a:noAutofit/>
             </a:bodyPr>
             <a:lstStyle/>
             <a:p>
-              <a:pPr indent="0" lvl="0" marL="0">
+              <a:pPr marL="0" lvl="0" indent="0">
                 <a:spcBef>
                   <a:spcPts val="0"/>
                 </a:spcBef>
                 <a:buNone/>
               </a:pPr>
-              <a:r>
-                <a:t/>
-              </a:r>
               <a:endParaRPr/>
             </a:p>
           </p:txBody>
@@ -7530,7 +7670,7 @@
             <p:nvPr/>
           </p:nvSpPr>
           <p:spPr>
-            <a:xfrm flipH="1" rot="9208678">
+            <a:xfrm rot="9208678" flipH="1">
               <a:off x="6287617" y="4657701"/>
               <a:ext cx="229660" cy="571018"/>
             </a:xfrm>
@@ -7545,20 +7685,17 @@
             </a:ln>
           </p:spPr>
           <p:txBody>
-            <a:bodyPr anchorCtr="0" anchor="ctr" bIns="91425" lIns="91425" rIns="91425" wrap="square" tIns="91425">
+            <a:bodyPr wrap="square" lIns="91425" tIns="91425" rIns="91425" bIns="91425" anchor="ctr" anchorCtr="0">
               <a:noAutofit/>
             </a:bodyPr>
             <a:lstStyle/>
             <a:p>
-              <a:pPr indent="0" lvl="0" marL="0">
+              <a:pPr marL="0" lvl="0" indent="0">
                 <a:spcBef>
                   <a:spcPts val="0"/>
                 </a:spcBef>
                 <a:buNone/>
               </a:pPr>
-              <a:r>
-                <a:t/>
-              </a:r>
               <a:endParaRPr/>
             </a:p>
           </p:txBody>
@@ -7575,8 +7712,13 @@
               <a:ext cx="854651" cy="1929080"/>
             </a:xfrm>
             <a:custGeom>
+              <a:avLst/>
+              <a:gdLst/>
+              <a:ahLst/>
+              <a:cxnLst/>
+              <a:rect l="0" t="0" r="0" b="0"/>
               <a:pathLst>
-                <a:path extrusionOk="0" h="84860" w="37596">
+                <a:path w="37596" h="84860" extrusionOk="0">
                   <a:moveTo>
                     <a:pt x="19066" y="0"/>
                   </a:moveTo>
@@ -7611,11 +7753,11 @@
 </file>
 
 <file path=ppt/slideLayouts/slideLayout9.xml><?xml version="1.0" encoding="utf-8"?>
-<p:sldLayout xmlns:a="http://schemas.openxmlformats.org/drawingml/2006/main" xmlns:r="http://schemas.openxmlformats.org/officeDocument/2006/relationships" xmlns:mc="http://schemas.openxmlformats.org/markup-compatibility/2006" xmlns:mv="urn:schemas-microsoft-com:mac:vml" xmlns:p="http://schemas.openxmlformats.org/presentationml/2006/main" xmlns:c="http://schemas.openxmlformats.org/drawingml/2006/chart" xmlns:dgm="http://schemas.openxmlformats.org/drawingml/2006/diagram" xmlns:o="urn:schemas-microsoft-com:office:office" xmlns:v="urn:schemas-microsoft-com:vml" xmlns:pvml="urn:schemas-microsoft-com:office:powerpoint" xmlns:com="http://schemas.openxmlformats.org/drawingml/2006/compatibility" xmlns:p14="http://schemas.microsoft.com/office/powerpoint/2010/main" xmlns:p15="http://schemas.microsoft.com/office/powerpoint/2012/main" type="blank">
+<p:sldLayout xmlns:a="http://schemas.openxmlformats.org/drawingml/2006/main" xmlns:r="http://schemas.openxmlformats.org/officeDocument/2006/relationships" xmlns:p="http://schemas.openxmlformats.org/presentationml/2006/main" type="blank">
   <p:cSld name="Blank">
     <p:spTree>
       <p:nvGrpSpPr>
-        <p:cNvPr id="127" name="Shape 127"/>
+        <p:cNvPr id="1" name="Shape 127"/>
         <p:cNvGrpSpPr/>
         <p:nvPr/>
       </p:nvGrpSpPr>
@@ -7648,7 +7790,7 @@
             <p:nvPr/>
           </p:nvSpPr>
           <p:spPr>
-            <a:xfrm flipH="1" rot="9208626">
+            <a:xfrm rot="9208626" flipH="1">
               <a:off x="6704904" y="4110434"/>
               <a:ext cx="484232" cy="1204006"/>
             </a:xfrm>
@@ -7663,20 +7805,17 @@
             </a:ln>
           </p:spPr>
           <p:txBody>
-            <a:bodyPr anchorCtr="0" anchor="ctr" bIns="91425" lIns="91425" rIns="91425" wrap="square" tIns="91425">
+            <a:bodyPr wrap="square" lIns="91425" tIns="91425" rIns="91425" bIns="91425" anchor="ctr" anchorCtr="0">
               <a:noAutofit/>
             </a:bodyPr>
             <a:lstStyle/>
             <a:p>
-              <a:pPr indent="0" lvl="0" marL="0">
+              <a:pPr marL="0" lvl="0" indent="0">
                 <a:spcBef>
                   <a:spcPts val="0"/>
                 </a:spcBef>
                 <a:buNone/>
               </a:pPr>
-              <a:r>
-                <a:t/>
-              </a:r>
               <a:endParaRPr/>
             </a:p>
           </p:txBody>
@@ -7688,7 +7827,7 @@
             <p:nvPr/>
           </p:nvSpPr>
           <p:spPr>
-            <a:xfrm flipH="1" rot="9208633">
+            <a:xfrm rot="9208633" flipH="1">
               <a:off x="7804300" y="3279013"/>
               <a:ext cx="877624" cy="2182136"/>
             </a:xfrm>
@@ -7703,20 +7842,17 @@
             </a:ln>
           </p:spPr>
           <p:txBody>
-            <a:bodyPr anchorCtr="0" anchor="ctr" bIns="91425" lIns="91425" rIns="91425" wrap="square" tIns="91425">
+            <a:bodyPr wrap="square" lIns="91425" tIns="91425" rIns="91425" bIns="91425" anchor="ctr" anchorCtr="0">
               <a:noAutofit/>
             </a:bodyPr>
             <a:lstStyle/>
             <a:p>
-              <a:pPr indent="0" lvl="0" marL="0">
+              <a:pPr marL="0" lvl="0" indent="0">
                 <a:spcBef>
                   <a:spcPts val="0"/>
                 </a:spcBef>
                 <a:buNone/>
               </a:pPr>
-              <a:r>
-                <a:t/>
-              </a:r>
               <a:endParaRPr/>
             </a:p>
           </p:txBody>
@@ -7728,7 +7864,7 @@
             <p:nvPr/>
           </p:nvSpPr>
           <p:spPr>
-            <a:xfrm flipH="1" rot="9208606">
+            <a:xfrm rot="9208606" flipH="1">
               <a:off x="7481789" y="4276913"/>
               <a:ext cx="408796" cy="1016449"/>
             </a:xfrm>
@@ -7743,20 +7879,17 @@
             </a:ln>
           </p:spPr>
           <p:txBody>
-            <a:bodyPr anchorCtr="0" anchor="ctr" bIns="91425" lIns="91425" rIns="91425" wrap="square" tIns="91425">
+            <a:bodyPr wrap="square" lIns="91425" tIns="91425" rIns="91425" bIns="91425" anchor="ctr" anchorCtr="0">
               <a:noAutofit/>
             </a:bodyPr>
             <a:lstStyle/>
             <a:p>
-              <a:pPr indent="0" lvl="0" marL="0">
+              <a:pPr marL="0" lvl="0" indent="0">
                 <a:spcBef>
                   <a:spcPts val="0"/>
                 </a:spcBef>
                 <a:buNone/>
               </a:pPr>
-              <a:r>
-                <a:t/>
-              </a:r>
               <a:endParaRPr/>
             </a:p>
           </p:txBody>
@@ -7768,7 +7901,7 @@
             <p:nvPr/>
           </p:nvSpPr>
           <p:spPr>
-            <a:xfrm flipH="1" rot="9208678">
+            <a:xfrm rot="9208678" flipH="1">
               <a:off x="6287617" y="4657701"/>
               <a:ext cx="229660" cy="571018"/>
             </a:xfrm>
@@ -7783,20 +7916,17 @@
             </a:ln>
           </p:spPr>
           <p:txBody>
-            <a:bodyPr anchorCtr="0" anchor="ctr" bIns="91425" lIns="91425" rIns="91425" wrap="square" tIns="91425">
+            <a:bodyPr wrap="square" lIns="91425" tIns="91425" rIns="91425" bIns="91425" anchor="ctr" anchorCtr="0">
               <a:noAutofit/>
             </a:bodyPr>
             <a:lstStyle/>
             <a:p>
-              <a:pPr indent="0" lvl="0" marL="0">
+              <a:pPr marL="0" lvl="0" indent="0">
                 <a:spcBef>
                   <a:spcPts val="0"/>
                 </a:spcBef>
                 <a:buNone/>
               </a:pPr>
-              <a:r>
-                <a:t/>
-              </a:r>
               <a:endParaRPr/>
             </a:p>
           </p:txBody>
@@ -7813,8 +7943,13 @@
               <a:ext cx="854651" cy="1929080"/>
             </a:xfrm>
             <a:custGeom>
+              <a:avLst/>
+              <a:gdLst/>
+              <a:ahLst/>
+              <a:cxnLst/>
+              <a:rect l="0" t="0" r="0" b="0"/>
               <a:pathLst>
-                <a:path extrusionOk="0" h="84860" w="37596">
+                <a:path w="37596" h="84860" extrusionOk="0">
                   <a:moveTo>
                     <a:pt x="19066" y="0"/>
                   </a:moveTo>
@@ -7861,7 +7996,7 @@
             <p:nvPr/>
           </p:nvSpPr>
           <p:spPr>
-            <a:xfrm flipH="1" rot="-1591408">
+            <a:xfrm rot="-1591408" flipH="1">
               <a:off x="1362169" y="-63166"/>
               <a:ext cx="205103" cy="509980"/>
             </a:xfrm>
@@ -7876,20 +8011,17 @@
             </a:ln>
           </p:spPr>
           <p:txBody>
-            <a:bodyPr anchorCtr="0" anchor="ctr" bIns="91425" lIns="91425" rIns="91425" wrap="square" tIns="91425">
+            <a:bodyPr wrap="square" lIns="91425" tIns="91425" rIns="91425" bIns="91425" anchor="ctr" anchorCtr="0">
               <a:noAutofit/>
             </a:bodyPr>
             <a:lstStyle/>
             <a:p>
-              <a:pPr indent="0" lvl="0" marL="0">
+              <a:pPr marL="0" lvl="0" indent="0">
                 <a:spcBef>
                   <a:spcPts val="0"/>
                 </a:spcBef>
                 <a:buNone/>
               </a:pPr>
-              <a:r>
-                <a:t/>
-              </a:r>
               <a:endParaRPr/>
             </a:p>
           </p:txBody>
@@ -7901,7 +8033,7 @@
             <p:nvPr/>
           </p:nvSpPr>
           <p:spPr>
-            <a:xfrm flipH="1" rot="-1591371">
+            <a:xfrm rot="-1591371" flipH="1">
               <a:off x="239463" y="-151890"/>
               <a:ext cx="434754" cy="1080980"/>
             </a:xfrm>
@@ -7916,20 +8048,17 @@
             </a:ln>
           </p:spPr>
           <p:txBody>
-            <a:bodyPr anchorCtr="0" anchor="ctr" bIns="91425" lIns="91425" rIns="91425" wrap="square" tIns="91425">
+            <a:bodyPr wrap="square" lIns="91425" tIns="91425" rIns="91425" bIns="91425" anchor="ctr" anchorCtr="0">
               <a:noAutofit/>
             </a:bodyPr>
             <a:lstStyle/>
             <a:p>
-              <a:pPr indent="0" lvl="0" marL="0">
+              <a:pPr marL="0" lvl="0" indent="0">
                 <a:spcBef>
                   <a:spcPts val="0"/>
                 </a:spcBef>
                 <a:buNone/>
               </a:pPr>
-              <a:r>
-                <a:t/>
-              </a:r>
               <a:endParaRPr/>
             </a:p>
           </p:txBody>
@@ -7941,7 +8070,7 @@
             <p:nvPr/>
           </p:nvSpPr>
           <p:spPr>
-            <a:xfrm flipH="1" rot="-1591339">
+            <a:xfrm rot="-1591339" flipH="1">
               <a:off x="892401" y="-169347"/>
               <a:ext cx="504374" cy="1254067"/>
             </a:xfrm>
@@ -7956,20 +8085,17 @@
             </a:ln>
           </p:spPr>
           <p:txBody>
-            <a:bodyPr anchorCtr="0" anchor="ctr" bIns="91425" lIns="91425" rIns="91425" wrap="square" tIns="91425">
+            <a:bodyPr wrap="square" lIns="91425" tIns="91425" rIns="91425" bIns="91425" anchor="ctr" anchorCtr="0">
               <a:noAutofit/>
             </a:bodyPr>
             <a:lstStyle/>
             <a:p>
-              <a:pPr indent="0" lvl="0" marL="0">
+              <a:pPr marL="0" lvl="0" indent="0">
                 <a:spcBef>
                   <a:spcPts val="0"/>
                 </a:spcBef>
                 <a:buNone/>
               </a:pPr>
-              <a:r>
-                <a:t/>
-              </a:r>
               <a:endParaRPr/>
             </a:p>
           </p:txBody>
@@ -7981,7 +8107,7 @@
             <p:nvPr/>
           </p:nvSpPr>
           <p:spPr>
-            <a:xfrm flipH="1" rot="-1591322">
+            <a:xfrm rot="-1591322" flipH="1">
               <a:off x="1818452" y="-76292"/>
               <a:ext cx="229660" cy="571018"/>
             </a:xfrm>
@@ -7996,20 +8122,17 @@
             </a:ln>
           </p:spPr>
           <p:txBody>
-            <a:bodyPr anchorCtr="0" anchor="ctr" bIns="91425" lIns="91425" rIns="91425" wrap="square" tIns="91425">
+            <a:bodyPr wrap="square" lIns="91425" tIns="91425" rIns="91425" bIns="91425" anchor="ctr" anchorCtr="0">
               <a:noAutofit/>
             </a:bodyPr>
             <a:lstStyle/>
             <a:p>
-              <a:pPr indent="0" lvl="0" marL="0">
+              <a:pPr marL="0" lvl="0" indent="0">
                 <a:spcBef>
                   <a:spcPts val="0"/>
                 </a:spcBef>
                 <a:buNone/>
               </a:pPr>
-              <a:r>
-                <a:t/>
-              </a:r>
               <a:endParaRPr/>
             </a:p>
           </p:txBody>
@@ -8026,8 +8149,13 @@
               <a:ext cx="380284" cy="858147"/>
             </a:xfrm>
             <a:custGeom>
+              <a:avLst/>
+              <a:gdLst/>
+              <a:ahLst/>
+              <a:cxnLst/>
+              <a:rect l="0" t="0" r="0" b="0"/>
               <a:pathLst>
-                <a:path extrusionOk="0" h="84860" w="37596">
+                <a:path w="37596" h="84860" extrusionOk="0">
                   <a:moveTo>
                     <a:pt x="19066" y="0"/>
                   </a:moveTo>
@@ -8062,18 +8190,19 @@
 </file>
 
 <file path=ppt/slideMasters/slideMaster1.xml><?xml version="1.0" encoding="utf-8"?>
-<p:sldMaster xmlns:a="http://schemas.openxmlformats.org/drawingml/2006/main" xmlns:r="http://schemas.openxmlformats.org/officeDocument/2006/relationships" xmlns:mc="http://schemas.openxmlformats.org/markup-compatibility/2006" xmlns:mv="urn:schemas-microsoft-com:mac:vml" xmlns:p="http://schemas.openxmlformats.org/presentationml/2006/main" xmlns:c="http://schemas.openxmlformats.org/drawingml/2006/chart" xmlns:dgm="http://schemas.openxmlformats.org/drawingml/2006/diagram" xmlns:o="urn:schemas-microsoft-com:office:office" xmlns:v="urn:schemas-microsoft-com:vml" xmlns:pvml="urn:schemas-microsoft-com:office:powerpoint" xmlns:com="http://schemas.openxmlformats.org/drawingml/2006/compatibility" xmlns:p14="http://schemas.microsoft.com/office/powerpoint/2010/main" xmlns:p15="http://schemas.microsoft.com/office/powerpoint/2012/main">
+<p:sldMaster xmlns:a="http://schemas.openxmlformats.org/drawingml/2006/main" xmlns:r="http://schemas.openxmlformats.org/officeDocument/2006/relationships" xmlns:p="http://schemas.openxmlformats.org/presentationml/2006/main">
   <p:cSld name="simple-light">
     <p:bg>
       <p:bgPr>
         <a:solidFill>
           <a:schemeClr val="lt1"/>
         </a:solidFill>
+        <a:effectLst/>
       </p:bgPr>
     </p:bg>
     <p:spTree>
       <p:nvGrpSpPr>
-        <p:cNvPr id="5" name="Shape 5"/>
+        <p:cNvPr id="1" name="Shape 5"/>
         <p:cNvGrpSpPr/>
         <p:nvPr/>
       </p:nvGrpSpPr>
@@ -8088,7 +8217,9 @@
       <p:sp>
         <p:nvSpPr>
           <p:cNvPr id="6" name="Shape 6"/>
-          <p:cNvSpPr txBox="1"/>
+          <p:cNvSpPr txBox="1">
+            <a:spLocks noGrp="1"/>
+          </p:cNvSpPr>
           <p:nvPr>
             <p:ph type="title"/>
           </p:nvPr>
@@ -8107,7 +8238,7 @@
           </a:ln>
         </p:spPr>
         <p:txBody>
-          <a:bodyPr anchorCtr="0" anchor="b" bIns="91425" lIns="91425" rIns="91425" wrap="square" tIns="91425"/>
+          <a:bodyPr wrap="square" lIns="91425" tIns="91425" rIns="91425" bIns="91425" anchor="b" anchorCtr="0"/>
           <a:lstStyle>
             <a:lvl1pPr lvl="0">
               <a:spcBef>
@@ -8119,7 +8250,7 @@
               <a:buSzPts val="3000"/>
               <a:buFont typeface="Oswald"/>
               <a:buNone/>
-              <a:defRPr b="1" sz="3000">
+              <a:defRPr sz="3000" b="1">
                 <a:solidFill>
                   <a:srgbClr val="3796BF"/>
                 </a:solidFill>
@@ -8139,7 +8270,7 @@
               <a:buSzPts val="3000"/>
               <a:buFont typeface="Oswald"/>
               <a:buNone/>
-              <a:defRPr b="1" sz="3000">
+              <a:defRPr sz="3000" b="1">
                 <a:solidFill>
                   <a:srgbClr val="3796BF"/>
                 </a:solidFill>
@@ -8159,7 +8290,7 @@
               <a:buSzPts val="3000"/>
               <a:buFont typeface="Oswald"/>
               <a:buNone/>
-              <a:defRPr b="1" sz="3000">
+              <a:defRPr sz="3000" b="1">
                 <a:solidFill>
                   <a:srgbClr val="3796BF"/>
                 </a:solidFill>
@@ -8179,7 +8310,7 @@
               <a:buSzPts val="3000"/>
               <a:buFont typeface="Oswald"/>
               <a:buNone/>
-              <a:defRPr b="1" sz="3000">
+              <a:defRPr sz="3000" b="1">
                 <a:solidFill>
                   <a:srgbClr val="3796BF"/>
                 </a:solidFill>
@@ -8199,7 +8330,7 @@
               <a:buSzPts val="3000"/>
               <a:buFont typeface="Oswald"/>
               <a:buNone/>
-              <a:defRPr b="1" sz="3000">
+              <a:defRPr sz="3000" b="1">
                 <a:solidFill>
                   <a:srgbClr val="3796BF"/>
                 </a:solidFill>
@@ -8219,7 +8350,7 @@
               <a:buSzPts val="3000"/>
               <a:buFont typeface="Oswald"/>
               <a:buNone/>
-              <a:defRPr b="1" sz="3000">
+              <a:defRPr sz="3000" b="1">
                 <a:solidFill>
                   <a:srgbClr val="3796BF"/>
                 </a:solidFill>
@@ -8239,7 +8370,7 @@
               <a:buSzPts val="3000"/>
               <a:buFont typeface="Oswald"/>
               <a:buNone/>
-              <a:defRPr b="1" sz="3000">
+              <a:defRPr sz="3000" b="1">
                 <a:solidFill>
                   <a:srgbClr val="3796BF"/>
                 </a:solidFill>
@@ -8259,7 +8390,7 @@
               <a:buSzPts val="3000"/>
               <a:buFont typeface="Oswald"/>
               <a:buNone/>
-              <a:defRPr b="1" sz="3000">
+              <a:defRPr sz="3000" b="1">
                 <a:solidFill>
                   <a:srgbClr val="3796BF"/>
                 </a:solidFill>
@@ -8279,7 +8410,7 @@
               <a:buSzPts val="3000"/>
               <a:buFont typeface="Oswald"/>
               <a:buNone/>
-              <a:defRPr b="1" sz="3000">
+              <a:defRPr sz="3000" b="1">
                 <a:solidFill>
                   <a:srgbClr val="3796BF"/>
                 </a:solidFill>
@@ -8290,15 +8421,19 @@
               </a:defRPr>
             </a:lvl9pPr>
           </a:lstStyle>
-          <a:p/>
+          <a:p>
+            <a:endParaRPr/>
+          </a:p>
         </p:txBody>
       </p:sp>
       <p:sp>
         <p:nvSpPr>
           <p:cNvPr id="7" name="Shape 7"/>
-          <p:cNvSpPr txBox="1"/>
+          <p:cNvSpPr txBox="1">
+            <a:spLocks noGrp="1"/>
+          </p:cNvSpPr>
           <p:nvPr>
-            <p:ph idx="1" type="body"/>
+            <p:ph type="body" idx="1"/>
           </p:nvPr>
         </p:nvSpPr>
         <p:spPr>
@@ -8315,7 +8450,7 @@
           </a:ln>
         </p:spPr>
         <p:txBody>
-          <a:bodyPr anchorCtr="0" anchor="t" bIns="91425" lIns="91425" rIns="91425" wrap="square" tIns="91425"/>
+          <a:bodyPr wrap="square" lIns="91425" tIns="91425" rIns="91425" bIns="91425" anchor="t" anchorCtr="0"/>
           <a:lstStyle>
             <a:lvl1pPr lvl="0">
               <a:spcBef>
@@ -8498,12 +8633,14 @@
               </a:defRPr>
             </a:lvl9pPr>
           </a:lstStyle>
-          <a:p/>
+          <a:p>
+            <a:endParaRPr/>
+          </a:p>
         </p:txBody>
       </p:sp>
     </p:spTree>
   </p:cSld>
-  <p:clrMap accent1="accent1" accent2="accent2" accent3="accent3" accent4="accent4" accent5="accent5" accent6="accent6" bg1="lt1" bg2="dk2" tx1="dk1" tx2="lt2" folHlink="folHlink" hlink="hlink"/>
+  <p:clrMap bg1="lt1" tx1="dk1" bg2="dk2" tx2="lt2" accent1="accent1" accent2="accent2" accent3="accent3" accent4="accent4" accent5="accent5" accent6="accent6" hlink="hlink" folHlink="folHlink"/>
   <p:sldLayoutIdLst>
     <p:sldLayoutId id="2147483648" r:id="rId1"/>
     <p:sldLayoutId id="2147483649" r:id="rId2"/>
@@ -8519,10 +8656,10 @@
   <p:transition>
     <p:fade thruBlk="1"/>
   </p:transition>
-  <p:hf dt="0" ftr="0" hdr="0" sldNum="0"/>
+  <p:hf sldNum="0" hdr="0" ftr="0" dt="0"/>
   <p:txStyles>
     <p:titleStyle>
-      <a:defPPr lvl="0" marR="0" rtl="0" algn="l">
+      <a:defPPr marR="0" lvl="0" algn="l" rtl="0">
         <a:lnSpc>
           <a:spcPct val="100000"/>
         </a:lnSpc>
@@ -8533,7 +8670,7 @@
           <a:spcPts val="0"/>
         </a:spcAft>
       </a:defPPr>
-      <a:lvl1pPr lvl="0" marR="0" rtl="0" algn="l">
+      <a:lvl1pPr marR="0" lvl="0" algn="l" rtl="0">
         <a:lnSpc>
           <a:spcPct val="100000"/>
         </a:lnSpc>
@@ -8544,7 +8681,7 @@
           <a:spcPts val="0"/>
         </a:spcAft>
         <a:buNone/>
-        <a:defRPr b="0" i="0" sz="1400" u="none" cap="none" strike="noStrike">
+        <a:defRPr sz="1400" b="0" i="0" u="none" strike="noStrike" cap="none">
           <a:solidFill>
             <a:srgbClr val="000000"/>
           </a:solidFill>
@@ -8556,7 +8693,7 @@
       </a:lvl1pPr>
     </p:titleStyle>
     <p:bodyStyle>
-      <a:defPPr lvl="0" marR="0" rtl="0" algn="l">
+      <a:defPPr marR="0" lvl="0" algn="l" rtl="0">
         <a:lnSpc>
           <a:spcPct val="100000"/>
         </a:lnSpc>
@@ -8567,7 +8704,7 @@
           <a:spcPts val="0"/>
         </a:spcAft>
       </a:defPPr>
-      <a:lvl1pPr lvl="0" marR="0" rtl="0" algn="l">
+      <a:lvl1pPr marR="0" lvl="0" algn="l" rtl="0">
         <a:lnSpc>
           <a:spcPct val="100000"/>
         </a:lnSpc>
@@ -8578,7 +8715,7 @@
           <a:spcPts val="0"/>
         </a:spcAft>
         <a:buNone/>
-        <a:defRPr b="0" i="0" sz="1400" u="none" cap="none" strike="noStrike">
+        <a:defRPr sz="1400" b="0" i="0" u="none" strike="noStrike" cap="none">
           <a:solidFill>
             <a:srgbClr val="000000"/>
           </a:solidFill>
@@ -8588,7 +8725,7 @@
           <a:sym typeface="Arial"/>
         </a:defRPr>
       </a:lvl1pPr>
-      <a:lvl2pPr lvl="1" marR="0" rtl="0" algn="l">
+      <a:lvl2pPr marR="0" lvl="1" algn="l" rtl="0">
         <a:lnSpc>
           <a:spcPct val="100000"/>
         </a:lnSpc>
@@ -8599,7 +8736,7 @@
           <a:spcPts val="0"/>
         </a:spcAft>
         <a:buNone/>
-        <a:defRPr b="0" i="0" sz="1400" u="none" cap="none" strike="noStrike">
+        <a:defRPr sz="1400" b="0" i="0" u="none" strike="noStrike" cap="none">
           <a:solidFill>
             <a:srgbClr val="000000"/>
           </a:solidFill>
@@ -8609,7 +8746,7 @@
           <a:sym typeface="Arial"/>
         </a:defRPr>
       </a:lvl2pPr>
-      <a:lvl3pPr lvl="2" marR="0" rtl="0" algn="l">
+      <a:lvl3pPr marR="0" lvl="2" algn="l" rtl="0">
         <a:lnSpc>
           <a:spcPct val="100000"/>
         </a:lnSpc>
@@ -8620,7 +8757,7 @@
           <a:spcPts val="0"/>
         </a:spcAft>
         <a:buNone/>
-        <a:defRPr b="0" i="0" sz="1400" u="none" cap="none" strike="noStrike">
+        <a:defRPr sz="1400" b="0" i="0" u="none" strike="noStrike" cap="none">
           <a:solidFill>
             <a:srgbClr val="000000"/>
           </a:solidFill>
@@ -8630,7 +8767,7 @@
           <a:sym typeface="Arial"/>
         </a:defRPr>
       </a:lvl3pPr>
-      <a:lvl4pPr lvl="3" marR="0" rtl="0" algn="l">
+      <a:lvl4pPr marR="0" lvl="3" algn="l" rtl="0">
         <a:lnSpc>
           <a:spcPct val="100000"/>
         </a:lnSpc>
@@ -8641,7 +8778,7 @@
           <a:spcPts val="0"/>
         </a:spcAft>
         <a:buNone/>
-        <a:defRPr b="0" i="0" sz="1400" u="none" cap="none" strike="noStrike">
+        <a:defRPr sz="1400" b="0" i="0" u="none" strike="noStrike" cap="none">
           <a:solidFill>
             <a:srgbClr val="000000"/>
           </a:solidFill>
@@ -8651,7 +8788,7 @@
           <a:sym typeface="Arial"/>
         </a:defRPr>
       </a:lvl4pPr>
-      <a:lvl5pPr lvl="4" marR="0" rtl="0" algn="l">
+      <a:lvl5pPr marR="0" lvl="4" algn="l" rtl="0">
         <a:lnSpc>
           <a:spcPct val="100000"/>
         </a:lnSpc>
@@ -8662,7 +8799,7 @@
           <a:spcPts val="0"/>
         </a:spcAft>
         <a:buNone/>
-        <a:defRPr b="0" i="0" sz="1400" u="none" cap="none" strike="noStrike">
+        <a:defRPr sz="1400" b="0" i="0" u="none" strike="noStrike" cap="none">
           <a:solidFill>
             <a:srgbClr val="000000"/>
           </a:solidFill>
@@ -8672,7 +8809,7 @@
           <a:sym typeface="Arial"/>
         </a:defRPr>
       </a:lvl5pPr>
-      <a:lvl6pPr lvl="5" marR="0" rtl="0" algn="l">
+      <a:lvl6pPr marR="0" lvl="5" algn="l" rtl="0">
         <a:lnSpc>
           <a:spcPct val="100000"/>
         </a:lnSpc>
@@ -8683,7 +8820,7 @@
           <a:spcPts val="0"/>
         </a:spcAft>
         <a:buNone/>
-        <a:defRPr b="0" i="0" sz="1400" u="none" cap="none" strike="noStrike">
+        <a:defRPr sz="1400" b="0" i="0" u="none" strike="noStrike" cap="none">
           <a:solidFill>
             <a:srgbClr val="000000"/>
           </a:solidFill>
@@ -8693,7 +8830,7 @@
           <a:sym typeface="Arial"/>
         </a:defRPr>
       </a:lvl6pPr>
-      <a:lvl7pPr lvl="6" marR="0" rtl="0" algn="l">
+      <a:lvl7pPr marR="0" lvl="6" algn="l" rtl="0">
         <a:lnSpc>
           <a:spcPct val="100000"/>
         </a:lnSpc>
@@ -8704,7 +8841,7 @@
           <a:spcPts val="0"/>
         </a:spcAft>
         <a:buNone/>
-        <a:defRPr b="0" i="0" sz="1400" u="none" cap="none" strike="noStrike">
+        <a:defRPr sz="1400" b="0" i="0" u="none" strike="noStrike" cap="none">
           <a:solidFill>
             <a:srgbClr val="000000"/>
           </a:solidFill>
@@ -8714,7 +8851,7 @@
           <a:sym typeface="Arial"/>
         </a:defRPr>
       </a:lvl7pPr>
-      <a:lvl8pPr lvl="7" marR="0" rtl="0" algn="l">
+      <a:lvl8pPr marR="0" lvl="7" algn="l" rtl="0">
         <a:lnSpc>
           <a:spcPct val="100000"/>
         </a:lnSpc>
@@ -8725,7 +8862,7 @@
           <a:spcPts val="0"/>
         </a:spcAft>
         <a:buNone/>
-        <a:defRPr b="0" i="0" sz="1400" u="none" cap="none" strike="noStrike">
+        <a:defRPr sz="1400" b="0" i="0" u="none" strike="noStrike" cap="none">
           <a:solidFill>
             <a:srgbClr val="000000"/>
           </a:solidFill>
@@ -8735,7 +8872,7 @@
           <a:sym typeface="Arial"/>
         </a:defRPr>
       </a:lvl8pPr>
-      <a:lvl9pPr lvl="8" marR="0" rtl="0" algn="l">
+      <a:lvl9pPr marR="0" lvl="8" algn="l" rtl="0">
         <a:lnSpc>
           <a:spcPct val="100000"/>
         </a:lnSpc>
@@ -8746,7 +8883,7 @@
           <a:spcPts val="0"/>
         </a:spcAft>
         <a:buNone/>
-        <a:defRPr b="0" i="0" sz="1400" u="none" cap="none" strike="noStrike">
+        <a:defRPr sz="1400" b="0" i="0" u="none" strike="noStrike" cap="none">
           <a:solidFill>
             <a:srgbClr val="000000"/>
           </a:solidFill>
@@ -8758,7 +8895,7 @@
       </a:lvl9pPr>
     </p:bodyStyle>
     <p:otherStyle>
-      <a:defPPr lvl="0" marR="0" rtl="0" algn="l">
+      <a:defPPr marR="0" lvl="0" algn="l" rtl="0">
         <a:lnSpc>
           <a:spcPct val="100000"/>
         </a:lnSpc>
@@ -8769,7 +8906,7 @@
           <a:spcPts val="0"/>
         </a:spcAft>
       </a:defPPr>
-      <a:lvl1pPr lvl="0" marR="0" rtl="0" algn="l">
+      <a:lvl1pPr marR="0" lvl="0" algn="l" rtl="0">
         <a:lnSpc>
           <a:spcPct val="100000"/>
         </a:lnSpc>
@@ -8780,7 +8917,7 @@
           <a:spcPts val="0"/>
         </a:spcAft>
         <a:buNone/>
-        <a:defRPr b="0" i="0" sz="1400" u="none" cap="none" strike="noStrike">
+        <a:defRPr sz="1400" b="0" i="0" u="none" strike="noStrike" cap="none">
           <a:solidFill>
             <a:srgbClr val="000000"/>
           </a:solidFill>
@@ -8790,7 +8927,7 @@
           <a:sym typeface="Arial"/>
         </a:defRPr>
       </a:lvl1pPr>
-      <a:lvl2pPr lvl="1" marR="0" rtl="0" algn="l">
+      <a:lvl2pPr marR="0" lvl="1" algn="l" rtl="0">
         <a:lnSpc>
           <a:spcPct val="100000"/>
         </a:lnSpc>
@@ -8801,7 +8938,7 @@
           <a:spcPts val="0"/>
         </a:spcAft>
         <a:buNone/>
-        <a:defRPr b="0" i="0" sz="1400" u="none" cap="none" strike="noStrike">
+        <a:defRPr sz="1400" b="0" i="0" u="none" strike="noStrike" cap="none">
           <a:solidFill>
             <a:srgbClr val="000000"/>
           </a:solidFill>
@@ -8811,7 +8948,7 @@
           <a:sym typeface="Arial"/>
         </a:defRPr>
       </a:lvl2pPr>
-      <a:lvl3pPr lvl="2" marR="0" rtl="0" algn="l">
+      <a:lvl3pPr marR="0" lvl="2" algn="l" rtl="0">
         <a:lnSpc>
           <a:spcPct val="100000"/>
         </a:lnSpc>
@@ -8822,7 +8959,7 @@
           <a:spcPts val="0"/>
         </a:spcAft>
         <a:buNone/>
-        <a:defRPr b="0" i="0" sz="1400" u="none" cap="none" strike="noStrike">
+        <a:defRPr sz="1400" b="0" i="0" u="none" strike="noStrike" cap="none">
           <a:solidFill>
             <a:srgbClr val="000000"/>
           </a:solidFill>
@@ -8832,7 +8969,7 @@
           <a:sym typeface="Arial"/>
         </a:defRPr>
       </a:lvl3pPr>
-      <a:lvl4pPr lvl="3" marR="0" rtl="0" algn="l">
+      <a:lvl4pPr marR="0" lvl="3" algn="l" rtl="0">
         <a:lnSpc>
           <a:spcPct val="100000"/>
         </a:lnSpc>
@@ -8843,7 +8980,7 @@
           <a:spcPts val="0"/>
         </a:spcAft>
         <a:buNone/>
-        <a:defRPr b="0" i="0" sz="1400" u="none" cap="none" strike="noStrike">
+        <a:defRPr sz="1400" b="0" i="0" u="none" strike="noStrike" cap="none">
           <a:solidFill>
             <a:srgbClr val="000000"/>
           </a:solidFill>
@@ -8853,7 +8990,7 @@
           <a:sym typeface="Arial"/>
         </a:defRPr>
       </a:lvl4pPr>
-      <a:lvl5pPr lvl="4" marR="0" rtl="0" algn="l">
+      <a:lvl5pPr marR="0" lvl="4" algn="l" rtl="0">
         <a:lnSpc>
           <a:spcPct val="100000"/>
         </a:lnSpc>
@@ -8864,7 +9001,7 @@
           <a:spcPts val="0"/>
         </a:spcAft>
         <a:buNone/>
-        <a:defRPr b="0" i="0" sz="1400" u="none" cap="none" strike="noStrike">
+        <a:defRPr sz="1400" b="0" i="0" u="none" strike="noStrike" cap="none">
           <a:solidFill>
             <a:srgbClr val="000000"/>
           </a:solidFill>
@@ -8874,7 +9011,7 @@
           <a:sym typeface="Arial"/>
         </a:defRPr>
       </a:lvl5pPr>
-      <a:lvl6pPr lvl="5" marR="0" rtl="0" algn="l">
+      <a:lvl6pPr marR="0" lvl="5" algn="l" rtl="0">
         <a:lnSpc>
           <a:spcPct val="100000"/>
         </a:lnSpc>
@@ -8885,7 +9022,7 @@
           <a:spcPts val="0"/>
         </a:spcAft>
         <a:buNone/>
-        <a:defRPr b="0" i="0" sz="1400" u="none" cap="none" strike="noStrike">
+        <a:defRPr sz="1400" b="0" i="0" u="none" strike="noStrike" cap="none">
           <a:solidFill>
             <a:srgbClr val="000000"/>
           </a:solidFill>
@@ -8895,7 +9032,7 @@
           <a:sym typeface="Arial"/>
         </a:defRPr>
       </a:lvl6pPr>
-      <a:lvl7pPr lvl="6" marR="0" rtl="0" algn="l">
+      <a:lvl7pPr marR="0" lvl="6" algn="l" rtl="0">
         <a:lnSpc>
           <a:spcPct val="100000"/>
         </a:lnSpc>
@@ -8906,7 +9043,7 @@
           <a:spcPts val="0"/>
         </a:spcAft>
         <a:buNone/>
-        <a:defRPr b="0" i="0" sz="1400" u="none" cap="none" strike="noStrike">
+        <a:defRPr sz="1400" b="0" i="0" u="none" strike="noStrike" cap="none">
           <a:solidFill>
             <a:srgbClr val="000000"/>
           </a:solidFill>
@@ -8916,7 +9053,7 @@
           <a:sym typeface="Arial"/>
         </a:defRPr>
       </a:lvl7pPr>
-      <a:lvl8pPr lvl="7" marR="0" rtl="0" algn="l">
+      <a:lvl8pPr marR="0" lvl="7" algn="l" rtl="0">
         <a:lnSpc>
           <a:spcPct val="100000"/>
         </a:lnSpc>
@@ -8927,7 +9064,7 @@
           <a:spcPts val="0"/>
         </a:spcAft>
         <a:buNone/>
-        <a:defRPr b="0" i="0" sz="1400" u="none" cap="none" strike="noStrike">
+        <a:defRPr sz="1400" b="0" i="0" u="none" strike="noStrike" cap="none">
           <a:solidFill>
             <a:srgbClr val="000000"/>
           </a:solidFill>
@@ -8937,7 +9074,7 @@
           <a:sym typeface="Arial"/>
         </a:defRPr>
       </a:lvl8pPr>
-      <a:lvl9pPr lvl="8" marR="0" rtl="0" algn="l">
+      <a:lvl9pPr marR="0" lvl="8" algn="l" rtl="0">
         <a:lnSpc>
           <a:spcPct val="100000"/>
         </a:lnSpc>
@@ -8948,7 +9085,7 @@
           <a:spcPts val="0"/>
         </a:spcAft>
         <a:buNone/>
-        <a:defRPr b="0" i="0" sz="1400" u="none" cap="none" strike="noStrike">
+        <a:defRPr sz="1400" b="0" i="0" u="none" strike="noStrike" cap="none">
           <a:solidFill>
             <a:srgbClr val="000000"/>
           </a:solidFill>
@@ -8964,11 +9101,11 @@
 </file>
 
 <file path=ppt/slides/slide1.xml><?xml version="1.0" encoding="utf-8"?>
-<p:sld xmlns:a="http://schemas.openxmlformats.org/drawingml/2006/main" xmlns:r="http://schemas.openxmlformats.org/officeDocument/2006/relationships" xmlns:mc="http://schemas.openxmlformats.org/markup-compatibility/2006" xmlns:mv="urn:schemas-microsoft-com:mac:vml" xmlns:p="http://schemas.openxmlformats.org/presentationml/2006/main" xmlns:c="http://schemas.openxmlformats.org/drawingml/2006/chart" xmlns:dgm="http://schemas.openxmlformats.org/drawingml/2006/diagram" xmlns:o="urn:schemas-microsoft-com:office:office" xmlns:v="urn:schemas-microsoft-com:vml" xmlns:pvml="urn:schemas-microsoft-com:office:powerpoint" xmlns:com="http://schemas.openxmlformats.org/drawingml/2006/compatibility" xmlns:p14="http://schemas.microsoft.com/office/powerpoint/2010/main" xmlns:p15="http://schemas.microsoft.com/office/powerpoint/2012/main">
+<p:sld xmlns:a="http://schemas.openxmlformats.org/drawingml/2006/main" xmlns:r="http://schemas.openxmlformats.org/officeDocument/2006/relationships" xmlns:p="http://schemas.openxmlformats.org/presentationml/2006/main">
   <p:cSld>
     <p:spTree>
       <p:nvGrpSpPr>
-        <p:cNvPr id="156" name="Shape 156"/>
+        <p:cNvPr id="1" name="Shape 156"/>
         <p:cNvGrpSpPr/>
         <p:nvPr/>
       </p:nvGrpSpPr>
@@ -8983,7 +9120,9 @@
       <p:sp>
         <p:nvSpPr>
           <p:cNvPr id="157" name="Shape 157"/>
-          <p:cNvSpPr txBox="1"/>
+          <p:cNvSpPr txBox="1">
+            <a:spLocks noGrp="1"/>
+          </p:cNvSpPr>
           <p:nvPr>
             <p:ph type="ctrTitle"/>
           </p:nvPr>
@@ -8998,12 +9137,12 @@
           </a:prstGeom>
         </p:spPr>
         <p:txBody>
-          <a:bodyPr anchorCtr="0" anchor="b" bIns="91425" lIns="91425" rIns="91425" wrap="square" tIns="91425">
+          <a:bodyPr wrap="square" lIns="91425" tIns="91425" rIns="91425" bIns="91425" anchor="b" anchorCtr="0">
             <a:noAutofit/>
           </a:bodyPr>
           <a:lstStyle/>
           <a:p>
-            <a:pPr indent="0" lvl="0" marL="0">
+            <a:pPr marL="0" lvl="0" indent="0">
               <a:spcBef>
                 <a:spcPts val="0"/>
               </a:spcBef>
@@ -9019,7 +9158,9 @@
       <p:sp>
         <p:nvSpPr>
           <p:cNvPr id="158" name="Shape 158"/>
-          <p:cNvSpPr txBox="1"/>
+          <p:cNvSpPr txBox="1">
+            <a:spLocks noGrp="1"/>
+          </p:cNvSpPr>
           <p:nvPr>
             <p:ph type="ctrTitle"/>
           </p:nvPr>
@@ -9034,55 +9175,55 @@
           </a:prstGeom>
         </p:spPr>
         <p:txBody>
-          <a:bodyPr anchorCtr="0" anchor="b" bIns="91425" lIns="91425" rIns="91425" wrap="square" tIns="91425">
+          <a:bodyPr wrap="square" lIns="91425" tIns="91425" rIns="91425" bIns="91425" anchor="b" anchorCtr="0">
             <a:noAutofit/>
           </a:bodyPr>
           <a:lstStyle/>
           <a:p>
-            <a:pPr indent="0" lvl="0" marL="0">
+            <a:pPr marL="0" lvl="0" indent="0">
               <a:spcBef>
                 <a:spcPts val="0"/>
               </a:spcBef>
               <a:buNone/>
             </a:pPr>
             <a:r>
-              <a:rPr b="0" lang="en" sz="1800"/>
+              <a:rPr lang="en" sz="1800" b="0"/>
               <a:t>James Black</a:t>
             </a:r>
           </a:p>
           <a:p>
-            <a:pPr indent="0" lvl="0" marL="0">
+            <a:pPr marL="0" lvl="0" indent="0">
               <a:spcBef>
                 <a:spcPts val="0"/>
               </a:spcBef>
               <a:buNone/>
             </a:pPr>
             <a:r>
-              <a:rPr b="0" lang="en" sz="1800"/>
+              <a:rPr lang="en" sz="1800" b="0"/>
               <a:t>Ramsey Magana</a:t>
             </a:r>
           </a:p>
           <a:p>
-            <a:pPr indent="0" lvl="0" marL="0">
+            <a:pPr marL="0" lvl="0" indent="0">
               <a:spcBef>
                 <a:spcPts val="0"/>
               </a:spcBef>
               <a:buNone/>
             </a:pPr>
             <a:r>
-              <a:rPr b="0" lang="en" sz="1800"/>
+              <a:rPr lang="en" sz="1800" b="0"/>
               <a:t>Aniruddh Nautiyal</a:t>
             </a:r>
           </a:p>
           <a:p>
-            <a:pPr indent="0" lvl="0" marL="0" rtl="0">
+            <a:pPr marL="0" lvl="0" indent="0" rtl="0">
               <a:spcBef>
                 <a:spcPts val="0"/>
               </a:spcBef>
               <a:buNone/>
             </a:pPr>
             <a:r>
-              <a:rPr b="0" lang="en" sz="1800"/>
+              <a:rPr lang="en" sz="1800" b="0"/>
               <a:t>Rich Ung</a:t>
             </a:r>
           </a:p>
@@ -9097,11 +9238,11 @@
 </file>
 
 <file path=ppt/slides/slide10.xml><?xml version="1.0" encoding="utf-8"?>
-<p:sld xmlns:a="http://schemas.openxmlformats.org/drawingml/2006/main" xmlns:r="http://schemas.openxmlformats.org/officeDocument/2006/relationships" xmlns:mc="http://schemas.openxmlformats.org/markup-compatibility/2006" xmlns:mv="urn:schemas-microsoft-com:mac:vml" xmlns:p="http://schemas.openxmlformats.org/presentationml/2006/main" xmlns:c="http://schemas.openxmlformats.org/drawingml/2006/chart" xmlns:dgm="http://schemas.openxmlformats.org/drawingml/2006/diagram" xmlns:o="urn:schemas-microsoft-com:office:office" xmlns:v="urn:schemas-microsoft-com:vml" xmlns:pvml="urn:schemas-microsoft-com:office:powerpoint" xmlns:com="http://schemas.openxmlformats.org/drawingml/2006/compatibility" xmlns:p14="http://schemas.microsoft.com/office/powerpoint/2010/main" xmlns:p15="http://schemas.microsoft.com/office/powerpoint/2012/main">
+<p:sld xmlns:a="http://schemas.openxmlformats.org/drawingml/2006/main" xmlns:r="http://schemas.openxmlformats.org/officeDocument/2006/relationships" xmlns:p="http://schemas.openxmlformats.org/presentationml/2006/main">
   <p:cSld>
     <p:spTree>
       <p:nvGrpSpPr>
-        <p:cNvPr id="212" name="Shape 212"/>
+        <p:cNvPr id="1" name="Shape 212"/>
         <p:cNvGrpSpPr/>
         <p:nvPr/>
       </p:nvGrpSpPr>
@@ -9116,7 +9257,9 @@
       <p:sp>
         <p:nvSpPr>
           <p:cNvPr id="213" name="Shape 213"/>
-          <p:cNvSpPr txBox="1"/>
+          <p:cNvSpPr txBox="1">
+            <a:spLocks noGrp="1"/>
+          </p:cNvSpPr>
           <p:nvPr>
             <p:ph type="title"/>
           </p:nvPr>
@@ -9131,12 +9274,12 @@
           </a:prstGeom>
         </p:spPr>
         <p:txBody>
-          <a:bodyPr anchorCtr="0" anchor="b" bIns="91425" lIns="91425" rIns="91425" wrap="square" tIns="91425">
+          <a:bodyPr wrap="square" lIns="91425" tIns="91425" rIns="91425" bIns="91425" anchor="b" anchorCtr="0">
             <a:noAutofit/>
           </a:bodyPr>
           <a:lstStyle/>
           <a:p>
-            <a:pPr indent="0" lvl="0" marL="0">
+            <a:pPr marL="0" lvl="0" indent="0">
               <a:spcBef>
                 <a:spcPts val="0"/>
               </a:spcBef>
@@ -9180,9 +9323,11 @@
       <p:sp>
         <p:nvSpPr>
           <p:cNvPr id="215" name="Shape 215"/>
-          <p:cNvSpPr txBox="1"/>
+          <p:cNvSpPr txBox="1">
+            <a:spLocks noGrp="1"/>
+          </p:cNvSpPr>
           <p:nvPr>
-            <p:ph idx="4294967295" type="body"/>
+            <p:ph type="body" idx="4294967295"/>
           </p:nvPr>
         </p:nvSpPr>
         <p:spPr>
@@ -9195,12 +9340,12 @@
           </a:prstGeom>
         </p:spPr>
         <p:txBody>
-          <a:bodyPr anchorCtr="0" anchor="t" bIns="91425" lIns="91425" rIns="91425" wrap="square" tIns="91425">
+          <a:bodyPr wrap="square" lIns="91425" tIns="91425" rIns="91425" bIns="91425" anchor="t" anchorCtr="0">
             <a:noAutofit/>
           </a:bodyPr>
           <a:lstStyle/>
           <a:p>
-            <a:pPr indent="-317500" lvl="0" marL="457200" rtl="0">
+            <a:pPr marL="457200" lvl="0" indent="-317500" rtl="0">
               <a:lnSpc>
                 <a:spcPct val="115000"/>
               </a:lnSpc>
@@ -9217,9 +9362,10 @@
             <a:br>
               <a:rPr lang="en" sz="1400"/>
             </a:br>
+            <a:endParaRPr lang="en" sz="1400"/>
           </a:p>
           <a:p>
-            <a:pPr indent="0" lvl="0" marL="0" marR="0" rtl="0" algn="l">
+            <a:pPr marL="0" marR="0" lvl="0" indent="0" algn="l" rtl="0">
               <a:lnSpc>
                 <a:spcPct val="115000"/>
               </a:lnSpc>
@@ -9231,9 +9377,6 @@
               </a:spcAft>
               <a:buNone/>
             </a:pPr>
-            <a:r>
-              <a:t/>
-            </a:r>
             <a:endParaRPr sz="1400"/>
           </a:p>
         </p:txBody>
@@ -9247,11 +9390,11 @@
 </file>
 
 <file path=ppt/slides/slide11.xml><?xml version="1.0" encoding="utf-8"?>
-<p:sld xmlns:a="http://schemas.openxmlformats.org/drawingml/2006/main" xmlns:r="http://schemas.openxmlformats.org/officeDocument/2006/relationships" xmlns:mc="http://schemas.openxmlformats.org/markup-compatibility/2006" xmlns:mv="urn:schemas-microsoft-com:mac:vml" xmlns:p="http://schemas.openxmlformats.org/presentationml/2006/main" xmlns:c="http://schemas.openxmlformats.org/drawingml/2006/chart" xmlns:dgm="http://schemas.openxmlformats.org/drawingml/2006/diagram" xmlns:o="urn:schemas-microsoft-com:office:office" xmlns:v="urn:schemas-microsoft-com:vml" xmlns:pvml="urn:schemas-microsoft-com:office:powerpoint" xmlns:com="http://schemas.openxmlformats.org/drawingml/2006/compatibility" xmlns:p14="http://schemas.microsoft.com/office/powerpoint/2010/main" xmlns:p15="http://schemas.microsoft.com/office/powerpoint/2012/main">
+<p:sld xmlns:a="http://schemas.openxmlformats.org/drawingml/2006/main" xmlns:r="http://schemas.openxmlformats.org/officeDocument/2006/relationships" xmlns:p="http://schemas.openxmlformats.org/presentationml/2006/main">
   <p:cSld>
     <p:spTree>
       <p:nvGrpSpPr>
-        <p:cNvPr id="219" name="Shape 219"/>
+        <p:cNvPr id="1" name="Shape 219"/>
         <p:cNvGrpSpPr/>
         <p:nvPr/>
       </p:nvGrpSpPr>
@@ -9266,9 +9409,11 @@
       <p:sp>
         <p:nvSpPr>
           <p:cNvPr id="220" name="Shape 220"/>
-          <p:cNvSpPr txBox="1"/>
+          <p:cNvSpPr txBox="1">
+            <a:spLocks noGrp="1"/>
+          </p:cNvSpPr>
           <p:nvPr>
-            <p:ph idx="1" type="body"/>
+            <p:ph type="body" idx="1"/>
           </p:nvPr>
         </p:nvSpPr>
         <p:spPr>
@@ -9281,12 +9426,12 @@
           </a:prstGeom>
         </p:spPr>
         <p:txBody>
-          <a:bodyPr anchorCtr="0" anchor="t" bIns="91425" lIns="91425" rIns="91425" wrap="square" tIns="91425">
+          <a:bodyPr wrap="square" lIns="91425" tIns="91425" rIns="91425" bIns="91425" anchor="t" anchorCtr="0">
             <a:noAutofit/>
           </a:bodyPr>
           <a:lstStyle/>
           <a:p>
-            <a:pPr indent="-330200" lvl="0" marL="457200" rtl="0">
+            <a:pPr marL="457200" lvl="0" indent="-330200" rtl="0">
               <a:lnSpc>
                 <a:spcPct val="115000"/>
               </a:lnSpc>
@@ -9297,12 +9442,12 @@
               <a:buChar char="»"/>
             </a:pPr>
             <a:r>
-              <a:rPr lang="en" sz="1600"/>
+              <a:rPr lang="en" sz="1600" dirty="0"/>
               <a:t>Joins are performed on the Redshift database</a:t>
             </a:r>
           </a:p>
           <a:p>
-            <a:pPr indent="-330200" lvl="1" marL="914400" rtl="0">
+            <a:pPr marL="914400" lvl="1" indent="-330200" rtl="0">
               <a:lnSpc>
                 <a:spcPct val="115000"/>
               </a:lnSpc>
@@ -9313,12 +9458,12 @@
               <a:buChar char="⋄"/>
             </a:pPr>
             <a:r>
-              <a:rPr lang="en" sz="1600"/>
+              <a:rPr lang="en" sz="1600" dirty="0"/>
               <a:t>Joins can be expensive with large datasets</a:t>
             </a:r>
           </a:p>
           <a:p>
-            <a:pPr indent="-330200" lvl="1" marL="914400" rtl="0">
+            <a:pPr marL="914400" lvl="1" indent="-330200" rtl="0">
               <a:lnSpc>
                 <a:spcPct val="115000"/>
               </a:lnSpc>
@@ -9329,12 +9474,12 @@
               <a:buChar char="⋄"/>
             </a:pPr>
             <a:r>
-              <a:rPr lang="en" sz="1600"/>
+              <a:rPr lang="en" sz="1600" dirty="0"/>
               <a:t>Can optimize query, or perform join as the data is flowing in through Spark Streaming</a:t>
             </a:r>
           </a:p>
           <a:p>
-            <a:pPr indent="-330200" lvl="0" marL="457200" rtl="0">
+            <a:pPr marL="457200" lvl="0" indent="-330200" rtl="0">
               <a:lnSpc>
                 <a:spcPct val="115000"/>
               </a:lnSpc>
@@ -9345,12 +9490,12 @@
               <a:buChar char="»"/>
             </a:pPr>
             <a:r>
-              <a:rPr lang="en" sz="1600"/>
+              <a:rPr lang="en" sz="1600" dirty="0"/>
               <a:t>S3 buffering</a:t>
             </a:r>
           </a:p>
           <a:p>
-            <a:pPr indent="-330200" lvl="1" marL="914400" rtl="0">
+            <a:pPr marL="914400" lvl="1" indent="-330200" rtl="0">
               <a:lnSpc>
                 <a:spcPct val="115000"/>
               </a:lnSpc>
@@ -9361,12 +9506,12 @@
               <a:buChar char="⋄"/>
             </a:pPr>
             <a:r>
-              <a:rPr lang="en" sz="1600"/>
+              <a:rPr lang="en" sz="1600" dirty="0"/>
               <a:t>A file is created every 60 seconds or 300 seconds</a:t>
             </a:r>
           </a:p>
           <a:p>
-            <a:pPr indent="-330200" lvl="1" marL="914400" rtl="0">
+            <a:pPr marL="914400" lvl="1" indent="-330200" rtl="0">
               <a:lnSpc>
                 <a:spcPct val="115000"/>
               </a:lnSpc>
@@ -9377,12 +9522,20 @@
               <a:buChar char="⋄"/>
             </a:pPr>
             <a:r>
-              <a:rPr lang="en" sz="1600"/>
-              <a:t>This cases a lot of files to be created, increasing IOPS</a:t>
+              <a:rPr lang="en" sz="1600" dirty="0"/>
+              <a:t>This ca</a:t>
+            </a:r>
+            <a:r>
+              <a:rPr lang="en-US" sz="1600" dirty="0"/>
+              <a:t>u</a:t>
+            </a:r>
+            <a:r>
+              <a:rPr lang="en" sz="1600" dirty="0"/>
+              <a:t>ses a lot of files to be created, increasing IOPS</a:t>
             </a:r>
           </a:p>
           <a:p>
-            <a:pPr indent="-330200" lvl="1" marL="914400" rtl="0">
+            <a:pPr marL="914400" lvl="1" indent="-330200" rtl="0">
               <a:lnSpc>
                 <a:spcPct val="115000"/>
               </a:lnSpc>
@@ -9393,12 +9546,12 @@
               <a:buChar char="⋄"/>
             </a:pPr>
             <a:r>
-              <a:rPr lang="en" sz="1600"/>
+              <a:rPr lang="en" sz="1600" dirty="0"/>
               <a:t>Reassess the desired measurement or ingestion period</a:t>
             </a:r>
           </a:p>
           <a:p>
-            <a:pPr indent="-330200" lvl="0" marL="457200" rtl="0">
+            <a:pPr marL="457200" lvl="0" indent="-330200" rtl="0">
               <a:lnSpc>
                 <a:spcPct val="115000"/>
               </a:lnSpc>
@@ -9409,12 +9562,12 @@
               <a:buChar char="»"/>
             </a:pPr>
             <a:r>
-              <a:rPr lang="en" sz="1600"/>
+              <a:rPr lang="en" sz="1600" dirty="0"/>
               <a:t>Unpartitioned tables</a:t>
             </a:r>
           </a:p>
           <a:p>
-            <a:pPr indent="-330200" lvl="1" marL="914400" rtl="0">
+            <a:pPr marL="914400" lvl="1" indent="-330200" rtl="0">
               <a:lnSpc>
                 <a:spcPct val="115000"/>
               </a:lnSpc>
@@ -9425,12 +9578,12 @@
               <a:buChar char="⋄"/>
             </a:pPr>
             <a:r>
-              <a:rPr lang="en" sz="1600"/>
+              <a:rPr lang="en" sz="1600" dirty="0"/>
               <a:t>Table columns could be partitioned for better access</a:t>
             </a:r>
           </a:p>
           <a:p>
-            <a:pPr indent="-330200" lvl="0" marL="457200" rtl="0">
+            <a:pPr marL="457200" lvl="0" indent="-330200" rtl="0">
               <a:lnSpc>
                 <a:spcPct val="115000"/>
               </a:lnSpc>
@@ -9441,12 +9594,12 @@
               <a:buChar char="»"/>
             </a:pPr>
             <a:r>
-              <a:rPr lang="en" sz="1600"/>
+              <a:rPr lang="en" sz="1600" dirty="0"/>
               <a:t>Streaming live feed data polling</a:t>
             </a:r>
           </a:p>
           <a:p>
-            <a:pPr indent="-330200" lvl="1" marL="914400" rtl="0">
+            <a:pPr marL="914400" lvl="1" indent="-330200" rtl="0">
               <a:lnSpc>
                 <a:spcPct val="115000"/>
               </a:lnSpc>
@@ -9457,12 +9610,12 @@
               <a:buChar char="⋄"/>
             </a:pPr>
             <a:r>
-              <a:rPr lang="en" sz="1600"/>
+              <a:rPr lang="en" sz="1600" dirty="0"/>
               <a:t>The 511.org API has a limit of 60 requests /hr. This can </a:t>
             </a:r>
           </a:p>
           <a:p>
-            <a:pPr indent="457200" lvl="0" marL="457200" rtl="0">
+            <a:pPr marL="457200" lvl="0" indent="457200" rtl="0">
               <a:lnSpc>
                 <a:spcPct val="115000"/>
               </a:lnSpc>
@@ -9472,7 +9625,7 @@
               <a:buNone/>
             </a:pPr>
             <a:r>
-              <a:rPr lang="en" sz="1600"/>
+              <a:rPr lang="en" sz="1600" dirty="0"/>
               <a:t>be a limiting factor if finer granularity is needed.</a:t>
             </a:r>
           </a:p>
@@ -9481,7 +9634,9 @@
       <p:sp>
         <p:nvSpPr>
           <p:cNvPr id="221" name="Shape 221"/>
-          <p:cNvSpPr txBox="1"/>
+          <p:cNvSpPr txBox="1">
+            <a:spLocks noGrp="1"/>
+          </p:cNvSpPr>
           <p:nvPr>
             <p:ph type="title"/>
           </p:nvPr>
@@ -9496,12 +9651,12 @@
           </a:prstGeom>
         </p:spPr>
         <p:txBody>
-          <a:bodyPr anchorCtr="0" anchor="b" bIns="91425" lIns="91425" rIns="91425" wrap="square" tIns="91425">
+          <a:bodyPr wrap="square" lIns="91425" tIns="91425" rIns="91425" bIns="91425" anchor="b" anchorCtr="0">
             <a:noAutofit/>
           </a:bodyPr>
           <a:lstStyle/>
           <a:p>
-            <a:pPr indent="0" lvl="0" marL="0">
+            <a:pPr marL="0" lvl="0" indent="0">
               <a:spcBef>
                 <a:spcPts val="0"/>
               </a:spcBef>
@@ -9523,11 +9678,11 @@
 </file>
 
 <file path=ppt/slides/slide12.xml><?xml version="1.0" encoding="utf-8"?>
-<p:sld xmlns:a="http://schemas.openxmlformats.org/drawingml/2006/main" xmlns:r="http://schemas.openxmlformats.org/officeDocument/2006/relationships" xmlns:mc="http://schemas.openxmlformats.org/markup-compatibility/2006" xmlns:mv="urn:schemas-microsoft-com:mac:vml" xmlns:p="http://schemas.openxmlformats.org/presentationml/2006/main" xmlns:c="http://schemas.openxmlformats.org/drawingml/2006/chart" xmlns:dgm="http://schemas.openxmlformats.org/drawingml/2006/diagram" xmlns:o="urn:schemas-microsoft-com:office:office" xmlns:v="urn:schemas-microsoft-com:vml" xmlns:pvml="urn:schemas-microsoft-com:office:powerpoint" xmlns:com="http://schemas.openxmlformats.org/drawingml/2006/compatibility" xmlns:p14="http://schemas.microsoft.com/office/powerpoint/2010/main" xmlns:p15="http://schemas.microsoft.com/office/powerpoint/2012/main">
+<p:sld xmlns:a="http://schemas.openxmlformats.org/drawingml/2006/main" xmlns:r="http://schemas.openxmlformats.org/officeDocument/2006/relationships" xmlns:p="http://schemas.openxmlformats.org/presentationml/2006/main">
   <p:cSld>
     <p:spTree>
       <p:nvGrpSpPr>
-        <p:cNvPr id="225" name="Shape 225"/>
+        <p:cNvPr id="1" name="Shape 225"/>
         <p:cNvGrpSpPr/>
         <p:nvPr/>
       </p:nvGrpSpPr>
@@ -9542,7 +9697,9 @@
       <p:sp>
         <p:nvSpPr>
           <p:cNvPr id="226" name="Shape 226"/>
-          <p:cNvSpPr txBox="1"/>
+          <p:cNvSpPr txBox="1">
+            <a:spLocks noGrp="1"/>
+          </p:cNvSpPr>
           <p:nvPr>
             <p:ph type="title"/>
           </p:nvPr>
@@ -9557,12 +9714,12 @@
           </a:prstGeom>
         </p:spPr>
         <p:txBody>
-          <a:bodyPr anchorCtr="0" anchor="b" bIns="91425" lIns="91425" rIns="91425" wrap="square" tIns="91425">
+          <a:bodyPr wrap="square" lIns="91425" tIns="91425" rIns="91425" bIns="91425" anchor="b" anchorCtr="0">
             <a:noAutofit/>
           </a:bodyPr>
           <a:lstStyle/>
           <a:p>
-            <a:pPr indent="0" lvl="0" marL="0">
+            <a:pPr marL="0" lvl="0" indent="0">
               <a:spcBef>
                 <a:spcPts val="0"/>
               </a:spcBef>
@@ -9578,9 +9735,11 @@
       <p:sp>
         <p:nvSpPr>
           <p:cNvPr id="227" name="Shape 227"/>
-          <p:cNvSpPr txBox="1"/>
+          <p:cNvSpPr txBox="1">
+            <a:spLocks noGrp="1"/>
+          </p:cNvSpPr>
           <p:nvPr>
-            <p:ph idx="1" type="body"/>
+            <p:ph type="body" idx="1"/>
           </p:nvPr>
         </p:nvSpPr>
         <p:spPr>
@@ -9593,12 +9752,12 @@
           </a:prstGeom>
         </p:spPr>
         <p:txBody>
-          <a:bodyPr anchorCtr="0" anchor="t" bIns="91425" lIns="91425" rIns="91425" wrap="square" tIns="91425">
+          <a:bodyPr wrap="square" lIns="91425" tIns="91425" rIns="91425" bIns="91425" anchor="t" anchorCtr="0">
             <a:noAutofit/>
           </a:bodyPr>
           <a:lstStyle/>
           <a:p>
-            <a:pPr indent="-355600" lvl="0" marL="457200" rtl="0">
+            <a:pPr marL="457200" lvl="0" indent="-355600" rtl="0">
               <a:spcBef>
                 <a:spcPts val="0"/>
               </a:spcBef>
@@ -9614,7 +9773,7 @@
             </a:r>
           </a:p>
           <a:p>
-            <a:pPr indent="-355600" lvl="1" marL="914400" rtl="0">
+            <a:pPr marL="914400" lvl="1" indent="-355600" rtl="0">
               <a:spcBef>
                 <a:spcPts val="0"/>
               </a:spcBef>
@@ -9626,19 +9785,11 @@
             </a:pPr>
             <a:r>
               <a:rPr lang="en"/>
-              <a:t>We can </a:t>
-            </a:r>
-            <a:r>
-              <a:rPr lang="en"/>
-              <a:t>analyze </a:t>
-            </a:r>
-            <a:r>
-              <a:rPr lang="en"/>
-              <a:t>that S3 data using Spark</a:t>
+              <a:t>We can analyze that S3 data using Spark</a:t>
             </a:r>
           </a:p>
           <a:p>
-            <a:pPr indent="-355600" lvl="1" marL="914400" rtl="0">
+            <a:pPr marL="914400" lvl="1" indent="-355600" rtl="0">
               <a:spcBef>
                 <a:spcPts val="0"/>
               </a:spcBef>
@@ -9654,7 +9805,7 @@
             </a:r>
           </a:p>
           <a:p>
-            <a:pPr indent="-355600" lvl="0" marL="457200">
+            <a:pPr marL="457200" lvl="0" indent="-355600">
               <a:spcBef>
                 <a:spcPts val="0"/>
               </a:spcBef>
@@ -9705,11 +9856,11 @@
 </file>
 
 <file path=ppt/slides/slide13.xml><?xml version="1.0" encoding="utf-8"?>
-<p:sld xmlns:a="http://schemas.openxmlformats.org/drawingml/2006/main" xmlns:r="http://schemas.openxmlformats.org/officeDocument/2006/relationships" xmlns:mc="http://schemas.openxmlformats.org/markup-compatibility/2006" xmlns:mv="urn:schemas-microsoft-com:mac:vml" xmlns:p="http://schemas.openxmlformats.org/presentationml/2006/main" xmlns:c="http://schemas.openxmlformats.org/drawingml/2006/chart" xmlns:dgm="http://schemas.openxmlformats.org/drawingml/2006/diagram" xmlns:o="urn:schemas-microsoft-com:office:office" xmlns:v="urn:schemas-microsoft-com:vml" xmlns:pvml="urn:schemas-microsoft-com:office:powerpoint" xmlns:com="http://schemas.openxmlformats.org/drawingml/2006/compatibility" xmlns:p14="http://schemas.microsoft.com/office/powerpoint/2010/main" xmlns:p15="http://schemas.microsoft.com/office/powerpoint/2012/main">
+<p:sld xmlns:a="http://schemas.openxmlformats.org/drawingml/2006/main" xmlns:r="http://schemas.openxmlformats.org/officeDocument/2006/relationships" xmlns:p="http://schemas.openxmlformats.org/presentationml/2006/main">
   <p:cSld>
     <p:spTree>
       <p:nvGrpSpPr>
-        <p:cNvPr id="232" name="Shape 232"/>
+        <p:cNvPr id="1" name="Shape 232"/>
         <p:cNvGrpSpPr/>
         <p:nvPr/>
       </p:nvGrpSpPr>
@@ -9724,7 +9875,9 @@
       <p:sp>
         <p:nvSpPr>
           <p:cNvPr id="233" name="Shape 233"/>
-          <p:cNvSpPr txBox="1"/>
+          <p:cNvSpPr txBox="1">
+            <a:spLocks noGrp="1"/>
+          </p:cNvSpPr>
           <p:nvPr>
             <p:ph type="title"/>
           </p:nvPr>
@@ -9739,12 +9892,12 @@
           </a:prstGeom>
         </p:spPr>
         <p:txBody>
-          <a:bodyPr anchorCtr="0" anchor="b" bIns="91425" lIns="91425" rIns="91425" wrap="square" tIns="91425">
+          <a:bodyPr wrap="square" lIns="91425" tIns="91425" rIns="91425" bIns="91425" anchor="b" anchorCtr="0">
             <a:noAutofit/>
           </a:bodyPr>
           <a:lstStyle/>
           <a:p>
-            <a:pPr indent="0" lvl="0" marL="0">
+            <a:pPr marL="0" lvl="0" indent="0">
               <a:spcBef>
                 <a:spcPts val="0"/>
               </a:spcBef>
@@ -9760,9 +9913,11 @@
       <p:sp>
         <p:nvSpPr>
           <p:cNvPr id="234" name="Shape 234"/>
-          <p:cNvSpPr txBox="1"/>
+          <p:cNvSpPr txBox="1">
+            <a:spLocks noGrp="1"/>
+          </p:cNvSpPr>
           <p:nvPr>
-            <p:ph idx="1" type="body"/>
+            <p:ph type="body" idx="1"/>
           </p:nvPr>
         </p:nvSpPr>
         <p:spPr>
@@ -9775,12 +9930,12 @@
           </a:prstGeom>
         </p:spPr>
         <p:txBody>
-          <a:bodyPr anchorCtr="0" anchor="t" bIns="91425" lIns="91425" rIns="91425" wrap="square" tIns="91425">
+          <a:bodyPr wrap="square" lIns="91425" tIns="91425" rIns="91425" bIns="91425" anchor="t" anchorCtr="0">
             <a:noAutofit/>
           </a:bodyPr>
           <a:lstStyle/>
           <a:p>
-            <a:pPr indent="-355600" lvl="0" marL="457200" rtl="0">
+            <a:pPr marL="457200" lvl="0" indent="-355600" rtl="0">
               <a:spcBef>
                 <a:spcPts val="0"/>
               </a:spcBef>
@@ -9796,7 +9951,7 @@
             </a:r>
           </a:p>
           <a:p>
-            <a:pPr indent="-355600" lvl="1" marL="914400" rtl="0">
+            <a:pPr marL="914400" lvl="1" indent="-355600" rtl="0">
               <a:spcBef>
                 <a:spcPts val="0"/>
               </a:spcBef>
@@ -9812,7 +9967,7 @@
             </a:r>
           </a:p>
           <a:p>
-            <a:pPr indent="-355600" lvl="0" marL="457200" rtl="0">
+            <a:pPr marL="457200" lvl="0" indent="-355600" rtl="0">
               <a:spcBef>
                 <a:spcPts val="0"/>
               </a:spcBef>
@@ -9828,7 +9983,7 @@
             </a:r>
           </a:p>
           <a:p>
-            <a:pPr indent="-355600" lvl="1" marL="914400" rtl="0">
+            <a:pPr marL="914400" lvl="1" indent="-355600" rtl="0">
               <a:spcBef>
                 <a:spcPts val="0"/>
               </a:spcBef>
@@ -9851,11 +10006,11 @@
 </file>
 
 <file path=ppt/slides/slide14.xml><?xml version="1.0" encoding="utf-8"?>
-<p:sld xmlns:a="http://schemas.openxmlformats.org/drawingml/2006/main" xmlns:r="http://schemas.openxmlformats.org/officeDocument/2006/relationships" xmlns:mc="http://schemas.openxmlformats.org/markup-compatibility/2006" xmlns:mv="urn:schemas-microsoft-com:mac:vml" xmlns:p="http://schemas.openxmlformats.org/presentationml/2006/main" xmlns:c="http://schemas.openxmlformats.org/drawingml/2006/chart" xmlns:dgm="http://schemas.openxmlformats.org/drawingml/2006/diagram" xmlns:o="urn:schemas-microsoft-com:office:office" xmlns:v="urn:schemas-microsoft-com:vml" xmlns:pvml="urn:schemas-microsoft-com:office:powerpoint" xmlns:com="http://schemas.openxmlformats.org/drawingml/2006/compatibility" xmlns:p14="http://schemas.microsoft.com/office/powerpoint/2010/main" xmlns:p15="http://schemas.microsoft.com/office/powerpoint/2012/main">
+<p:sld xmlns:a="http://schemas.openxmlformats.org/drawingml/2006/main" xmlns:r="http://schemas.openxmlformats.org/officeDocument/2006/relationships" xmlns:p="http://schemas.openxmlformats.org/presentationml/2006/main">
   <p:cSld>
     <p:spTree>
       <p:nvGrpSpPr>
-        <p:cNvPr id="238" name="Shape 238"/>
+        <p:cNvPr id="1" name="Shape 238"/>
         <p:cNvGrpSpPr/>
         <p:nvPr/>
       </p:nvGrpSpPr>
@@ -9870,9 +10025,11 @@
       <p:sp>
         <p:nvSpPr>
           <p:cNvPr id="239" name="Shape 239"/>
-          <p:cNvSpPr txBox="1"/>
+          <p:cNvSpPr txBox="1">
+            <a:spLocks noGrp="1"/>
+          </p:cNvSpPr>
           <p:nvPr>
-            <p:ph idx="1" type="body"/>
+            <p:ph type="body" idx="1"/>
           </p:nvPr>
         </p:nvSpPr>
         <p:spPr>
@@ -9885,12 +10042,12 @@
           </a:prstGeom>
         </p:spPr>
         <p:txBody>
-          <a:bodyPr anchorCtr="0" anchor="ctr" bIns="91425" lIns="91425" rIns="91425" wrap="square" tIns="91425">
+          <a:bodyPr wrap="square" lIns="91425" tIns="91425" rIns="91425" bIns="91425" anchor="ctr" anchorCtr="0">
             <a:noAutofit/>
           </a:bodyPr>
           <a:lstStyle/>
           <a:p>
-            <a:pPr indent="0" lvl="0" marL="0">
+            <a:pPr marL="0" lvl="0" indent="0">
               <a:spcBef>
                 <a:spcPts val="0"/>
               </a:spcBef>
@@ -9912,11 +10069,11 @@
 </file>
 
 <file path=ppt/slides/slide15.xml><?xml version="1.0" encoding="utf-8"?>
-<p:sld xmlns:a="http://schemas.openxmlformats.org/drawingml/2006/main" xmlns:r="http://schemas.openxmlformats.org/officeDocument/2006/relationships" xmlns:mc="http://schemas.openxmlformats.org/markup-compatibility/2006" xmlns:mv="urn:schemas-microsoft-com:mac:vml" xmlns:p="http://schemas.openxmlformats.org/presentationml/2006/main" xmlns:c="http://schemas.openxmlformats.org/drawingml/2006/chart" xmlns:dgm="http://schemas.openxmlformats.org/drawingml/2006/diagram" xmlns:o="urn:schemas-microsoft-com:office:office" xmlns:v="urn:schemas-microsoft-com:vml" xmlns:pvml="urn:schemas-microsoft-com:office:powerpoint" xmlns:com="http://schemas.openxmlformats.org/drawingml/2006/compatibility" xmlns:p14="http://schemas.microsoft.com/office/powerpoint/2010/main" xmlns:p15="http://schemas.microsoft.com/office/powerpoint/2012/main">
+<p:sld xmlns:a="http://schemas.openxmlformats.org/drawingml/2006/main" xmlns:r="http://schemas.openxmlformats.org/officeDocument/2006/relationships" xmlns:p="http://schemas.openxmlformats.org/presentationml/2006/main">
   <p:cSld>
     <p:spTree>
       <p:nvGrpSpPr>
-        <p:cNvPr id="243" name="Shape 243"/>
+        <p:cNvPr id="1" name="Shape 243"/>
         <p:cNvGrpSpPr/>
         <p:nvPr/>
       </p:nvGrpSpPr>
@@ -9931,9 +10088,11 @@
       <p:sp>
         <p:nvSpPr>
           <p:cNvPr id="244" name="Shape 244"/>
-          <p:cNvSpPr txBox="1"/>
+          <p:cNvSpPr txBox="1">
+            <a:spLocks noGrp="1"/>
+          </p:cNvSpPr>
           <p:nvPr>
-            <p:ph idx="4294967295" type="ctrTitle"/>
+            <p:ph type="ctrTitle" idx="4294967295"/>
           </p:nvPr>
         </p:nvSpPr>
         <p:spPr>
@@ -9946,12 +10105,12 @@
           </a:prstGeom>
         </p:spPr>
         <p:txBody>
-          <a:bodyPr anchorCtr="0" anchor="b" bIns="91425" lIns="91425" rIns="91425" wrap="square" tIns="91425">
+          <a:bodyPr wrap="square" lIns="91425" tIns="91425" rIns="91425" bIns="91425" anchor="b" anchorCtr="0">
             <a:noAutofit/>
           </a:bodyPr>
           <a:lstStyle/>
           <a:p>
-            <a:pPr indent="0" lvl="0" marL="0" rtl="0">
+            <a:pPr marL="0" lvl="0" indent="0" rtl="0">
               <a:spcBef>
                 <a:spcPts val="0"/>
               </a:spcBef>
@@ -9963,15 +10122,7 @@
                   <a:srgbClr val="FF9900"/>
                 </a:solidFill>
               </a:rPr>
-              <a:t>THANKS</a:t>
-            </a:r>
-            <a:r>
-              <a:rPr lang="en" sz="6000">
-                <a:solidFill>
-                  <a:srgbClr val="FF9900"/>
-                </a:solidFill>
-              </a:rPr>
-              <a:t>!</a:t>
+              <a:t>THANKS!</a:t>
             </a:r>
           </a:p>
         </p:txBody>
@@ -9979,9 +10130,11 @@
       <p:sp>
         <p:nvSpPr>
           <p:cNvPr id="245" name="Shape 245"/>
-          <p:cNvSpPr txBox="1"/>
+          <p:cNvSpPr txBox="1">
+            <a:spLocks noGrp="1"/>
+          </p:cNvSpPr>
           <p:nvPr>
-            <p:ph idx="4294967295" type="subTitle"/>
+            <p:ph type="subTitle" idx="4294967295"/>
           </p:nvPr>
         </p:nvSpPr>
         <p:spPr>
@@ -9994,44 +10147,33 @@
           </a:prstGeom>
         </p:spPr>
         <p:txBody>
-          <a:bodyPr anchorCtr="0" anchor="t" bIns="91425" lIns="91425" rIns="91425" wrap="square" tIns="91425">
+          <a:bodyPr wrap="square" lIns="91425" tIns="91425" rIns="91425" bIns="91425" anchor="t" anchorCtr="0">
             <a:noAutofit/>
           </a:bodyPr>
           <a:lstStyle/>
           <a:p>
-            <a:pPr indent="0" lvl="0" marL="0" rtl="0">
+            <a:pPr marL="0" lvl="0" indent="0" rtl="0">
               <a:spcBef>
                 <a:spcPts val="0"/>
               </a:spcBef>
               <a:buNone/>
             </a:pPr>
             <a:r>
-              <a:rPr b="1" lang="en" sz="3600">
+              <a:rPr lang="en" sz="3600" b="1">
                 <a:solidFill>
                   <a:srgbClr val="3796BF"/>
                 </a:solidFill>
               </a:rPr>
-              <a:t>Q</a:t>
-            </a:r>
-            <a:r>
-              <a:rPr b="1" lang="en" sz="3600">
-                <a:solidFill>
-                  <a:srgbClr val="3796BF"/>
-                </a:solidFill>
-              </a:rPr>
-              <a:t>uestions?</a:t>
+              <a:t>Questions?</a:t>
             </a:r>
           </a:p>
           <a:p>
-            <a:pPr indent="0" lvl="0" marL="0" rtl="0">
+            <a:pPr marL="0" lvl="0" indent="0" rtl="0">
               <a:spcBef>
                 <a:spcPts val="0"/>
               </a:spcBef>
               <a:buNone/>
             </a:pPr>
-            <a:r>
-              <a:t/>
-            </a:r>
             <a:endParaRPr/>
           </a:p>
         </p:txBody>
@@ -10045,11 +10187,11 @@
 </file>
 
 <file path=ppt/slides/slide2.xml><?xml version="1.0" encoding="utf-8"?>
-<p:sld xmlns:a="http://schemas.openxmlformats.org/drawingml/2006/main" xmlns:r="http://schemas.openxmlformats.org/officeDocument/2006/relationships" xmlns:mc="http://schemas.openxmlformats.org/markup-compatibility/2006" xmlns:mv="urn:schemas-microsoft-com:mac:vml" xmlns:p="http://schemas.openxmlformats.org/presentationml/2006/main" xmlns:c="http://schemas.openxmlformats.org/drawingml/2006/chart" xmlns:dgm="http://schemas.openxmlformats.org/drawingml/2006/diagram" xmlns:o="urn:schemas-microsoft-com:office:office" xmlns:v="urn:schemas-microsoft-com:vml" xmlns:pvml="urn:schemas-microsoft-com:office:powerpoint" xmlns:com="http://schemas.openxmlformats.org/drawingml/2006/compatibility" xmlns:p14="http://schemas.microsoft.com/office/powerpoint/2010/main" xmlns:p15="http://schemas.microsoft.com/office/powerpoint/2012/main">
+<p:sld xmlns:a="http://schemas.openxmlformats.org/drawingml/2006/main" xmlns:r="http://schemas.openxmlformats.org/officeDocument/2006/relationships" xmlns:p="http://schemas.openxmlformats.org/presentationml/2006/main">
   <p:cSld>
     <p:spTree>
       <p:nvGrpSpPr>
-        <p:cNvPr id="162" name="Shape 162"/>
+        <p:cNvPr id="1" name="Shape 162"/>
         <p:cNvGrpSpPr/>
         <p:nvPr/>
       </p:nvGrpSpPr>
@@ -10064,7 +10206,9 @@
       <p:sp>
         <p:nvSpPr>
           <p:cNvPr id="163" name="Shape 163"/>
-          <p:cNvSpPr txBox="1"/>
+          <p:cNvSpPr txBox="1">
+            <a:spLocks noGrp="1"/>
+          </p:cNvSpPr>
           <p:nvPr>
             <p:ph type="title"/>
           </p:nvPr>
@@ -10079,12 +10223,12 @@
           </a:prstGeom>
         </p:spPr>
         <p:txBody>
-          <a:bodyPr anchorCtr="0" anchor="b" bIns="91425" lIns="91425" rIns="91425" wrap="square" tIns="91425">
+          <a:bodyPr wrap="square" lIns="91425" tIns="91425" rIns="91425" bIns="91425" anchor="b" anchorCtr="0">
             <a:noAutofit/>
           </a:bodyPr>
           <a:lstStyle/>
           <a:p>
-            <a:pPr indent="0" lvl="0" marL="0">
+            <a:pPr marL="0" lvl="0" indent="0">
               <a:spcBef>
                 <a:spcPts val="0"/>
               </a:spcBef>
@@ -10100,9 +10244,11 @@
       <p:sp>
         <p:nvSpPr>
           <p:cNvPr id="164" name="Shape 164"/>
-          <p:cNvSpPr txBox="1"/>
+          <p:cNvSpPr txBox="1">
+            <a:spLocks noGrp="1"/>
+          </p:cNvSpPr>
           <p:nvPr>
-            <p:ph idx="1" type="body"/>
+            <p:ph type="body" idx="1"/>
           </p:nvPr>
         </p:nvSpPr>
         <p:spPr>
@@ -10115,12 +10261,12 @@
           </a:prstGeom>
         </p:spPr>
         <p:txBody>
-          <a:bodyPr anchorCtr="0" anchor="t" bIns="91425" lIns="91425" rIns="91425" wrap="square" tIns="91425">
+          <a:bodyPr wrap="square" lIns="91425" tIns="91425" rIns="91425" bIns="91425" anchor="t" anchorCtr="0">
             <a:noAutofit/>
           </a:bodyPr>
           <a:lstStyle/>
           <a:p>
-            <a:pPr indent="0" lvl="0" marL="0">
+            <a:pPr marL="0" lvl="0" indent="0">
               <a:spcBef>
                 <a:spcPts val="0"/>
               </a:spcBef>
@@ -10142,11 +10288,11 @@
 </file>
 
 <file path=ppt/slides/slide3.xml><?xml version="1.0" encoding="utf-8"?>
-<p:sld xmlns:a="http://schemas.openxmlformats.org/drawingml/2006/main" xmlns:r="http://schemas.openxmlformats.org/officeDocument/2006/relationships" xmlns:mc="http://schemas.openxmlformats.org/markup-compatibility/2006" xmlns:mv="urn:schemas-microsoft-com:mac:vml" xmlns:p="http://schemas.openxmlformats.org/presentationml/2006/main" xmlns:c="http://schemas.openxmlformats.org/drawingml/2006/chart" xmlns:dgm="http://schemas.openxmlformats.org/drawingml/2006/diagram" xmlns:o="urn:schemas-microsoft-com:office:office" xmlns:v="urn:schemas-microsoft-com:vml" xmlns:pvml="urn:schemas-microsoft-com:office:powerpoint" xmlns:com="http://schemas.openxmlformats.org/drawingml/2006/compatibility" xmlns:p14="http://schemas.microsoft.com/office/powerpoint/2010/main" xmlns:p15="http://schemas.microsoft.com/office/powerpoint/2012/main">
+<p:sld xmlns:a="http://schemas.openxmlformats.org/drawingml/2006/main" xmlns:r="http://schemas.openxmlformats.org/officeDocument/2006/relationships" xmlns:p="http://schemas.openxmlformats.org/presentationml/2006/main">
   <p:cSld>
     <p:spTree>
       <p:nvGrpSpPr>
-        <p:cNvPr id="168" name="Shape 168"/>
+        <p:cNvPr id="1" name="Shape 168"/>
         <p:cNvGrpSpPr/>
         <p:nvPr/>
       </p:nvGrpSpPr>
@@ -10161,7 +10307,9 @@
       <p:sp>
         <p:nvSpPr>
           <p:cNvPr id="169" name="Shape 169"/>
-          <p:cNvSpPr txBox="1"/>
+          <p:cNvSpPr txBox="1">
+            <a:spLocks noGrp="1"/>
+          </p:cNvSpPr>
           <p:nvPr>
             <p:ph type="title"/>
           </p:nvPr>
@@ -10176,12 +10324,12 @@
           </a:prstGeom>
         </p:spPr>
         <p:txBody>
-          <a:bodyPr anchorCtr="0" anchor="b" bIns="91425" lIns="91425" rIns="91425" wrap="square" tIns="91425">
+          <a:bodyPr wrap="square" lIns="91425" tIns="91425" rIns="91425" bIns="91425" anchor="b" anchorCtr="0">
             <a:noAutofit/>
           </a:bodyPr>
           <a:lstStyle/>
           <a:p>
-            <a:pPr indent="0" lvl="0" marL="0">
+            <a:pPr marL="0" lvl="0" indent="0">
               <a:spcBef>
                 <a:spcPts val="0"/>
               </a:spcBef>
@@ -10197,9 +10345,11 @@
       <p:sp>
         <p:nvSpPr>
           <p:cNvPr id="170" name="Shape 170"/>
-          <p:cNvSpPr txBox="1"/>
+          <p:cNvSpPr txBox="1">
+            <a:spLocks noGrp="1"/>
+          </p:cNvSpPr>
           <p:nvPr>
-            <p:ph idx="1" type="body"/>
+            <p:ph type="body" idx="1"/>
           </p:nvPr>
         </p:nvSpPr>
         <p:spPr>
@@ -10212,12 +10362,12 @@
           </a:prstGeom>
         </p:spPr>
         <p:txBody>
-          <a:bodyPr anchorCtr="0" anchor="t" bIns="91425" lIns="91425" rIns="91425" wrap="square" tIns="91425">
+          <a:bodyPr wrap="square" lIns="91425" tIns="91425" rIns="91425" bIns="91425" anchor="t" anchorCtr="0">
             <a:noAutofit/>
           </a:bodyPr>
           <a:lstStyle/>
           <a:p>
-            <a:pPr indent="0" lvl="0" marL="0">
+            <a:pPr marL="0" lvl="0" indent="0">
               <a:spcBef>
                 <a:spcPts val="0"/>
               </a:spcBef>
@@ -10229,7 +10379,7 @@
             </a:r>
           </a:p>
           <a:p>
-            <a:pPr indent="-355600" lvl="0" marL="457200" rtl="0">
+            <a:pPr marL="457200" lvl="0" indent="-355600" rtl="0">
               <a:spcBef>
                 <a:spcPts val="0"/>
               </a:spcBef>
@@ -10245,7 +10395,7 @@
             </a:r>
           </a:p>
           <a:p>
-            <a:pPr indent="-355600" lvl="1" marL="914400">
+            <a:pPr marL="914400" lvl="1" indent="-355600">
               <a:spcBef>
                 <a:spcPts val="0"/>
               </a:spcBef>
@@ -10268,11 +10418,11 @@
 </file>
 
 <file path=ppt/slides/slide4.xml><?xml version="1.0" encoding="utf-8"?>
-<p:sld xmlns:a="http://schemas.openxmlformats.org/drawingml/2006/main" xmlns:r="http://schemas.openxmlformats.org/officeDocument/2006/relationships" xmlns:mc="http://schemas.openxmlformats.org/markup-compatibility/2006" xmlns:mv="urn:schemas-microsoft-com:mac:vml" xmlns:p="http://schemas.openxmlformats.org/presentationml/2006/main" xmlns:c="http://schemas.openxmlformats.org/drawingml/2006/chart" xmlns:dgm="http://schemas.openxmlformats.org/drawingml/2006/diagram" xmlns:o="urn:schemas-microsoft-com:office:office" xmlns:v="urn:schemas-microsoft-com:vml" xmlns:pvml="urn:schemas-microsoft-com:office:powerpoint" xmlns:com="http://schemas.openxmlformats.org/drawingml/2006/compatibility" xmlns:p14="http://schemas.microsoft.com/office/powerpoint/2010/main" xmlns:p15="http://schemas.microsoft.com/office/powerpoint/2012/main">
+<p:sld xmlns:a="http://schemas.openxmlformats.org/drawingml/2006/main" xmlns:r="http://schemas.openxmlformats.org/officeDocument/2006/relationships" xmlns:p="http://schemas.openxmlformats.org/presentationml/2006/main">
   <p:cSld>
     <p:spTree>
       <p:nvGrpSpPr>
-        <p:cNvPr id="174" name="Shape 174"/>
+        <p:cNvPr id="1" name="Shape 174"/>
         <p:cNvGrpSpPr/>
         <p:nvPr/>
       </p:nvGrpSpPr>
@@ -10287,7 +10437,9 @@
       <p:sp>
         <p:nvSpPr>
           <p:cNvPr id="175" name="Shape 175"/>
-          <p:cNvSpPr txBox="1"/>
+          <p:cNvSpPr txBox="1">
+            <a:spLocks noGrp="1"/>
+          </p:cNvSpPr>
           <p:nvPr>
             <p:ph type="title"/>
           </p:nvPr>
@@ -10302,12 +10454,12 @@
           </a:prstGeom>
         </p:spPr>
         <p:txBody>
-          <a:bodyPr anchorCtr="0" anchor="b" bIns="91425" lIns="91425" rIns="91425" wrap="square" tIns="91425">
+          <a:bodyPr wrap="square" lIns="91425" tIns="91425" rIns="91425" bIns="91425" anchor="b" anchorCtr="0">
             <a:noAutofit/>
           </a:bodyPr>
           <a:lstStyle/>
           <a:p>
-            <a:pPr indent="0" lvl="0" marL="0" rtl="0">
+            <a:pPr marL="0" lvl="0" indent="0" rtl="0">
               <a:spcBef>
                 <a:spcPts val="0"/>
               </a:spcBef>
@@ -10357,11 +10509,11 @@
 </file>
 
 <file path=ppt/slides/slide5.xml><?xml version="1.0" encoding="utf-8"?>
-<p:sld xmlns:a="http://schemas.openxmlformats.org/drawingml/2006/main" xmlns:r="http://schemas.openxmlformats.org/officeDocument/2006/relationships" xmlns:mc="http://schemas.openxmlformats.org/markup-compatibility/2006" xmlns:mv="urn:schemas-microsoft-com:mac:vml" xmlns:p="http://schemas.openxmlformats.org/presentationml/2006/main" xmlns:c="http://schemas.openxmlformats.org/drawingml/2006/chart" xmlns:dgm="http://schemas.openxmlformats.org/drawingml/2006/diagram" xmlns:o="urn:schemas-microsoft-com:office:office" xmlns:v="urn:schemas-microsoft-com:vml" xmlns:pvml="urn:schemas-microsoft-com:office:powerpoint" xmlns:com="http://schemas.openxmlformats.org/drawingml/2006/compatibility" xmlns:p14="http://schemas.microsoft.com/office/powerpoint/2010/main" xmlns:p15="http://schemas.microsoft.com/office/powerpoint/2012/main">
+<p:sld xmlns:a="http://schemas.openxmlformats.org/drawingml/2006/main" xmlns:r="http://schemas.openxmlformats.org/officeDocument/2006/relationships" xmlns:p="http://schemas.openxmlformats.org/presentationml/2006/main">
   <p:cSld>
     <p:spTree>
       <p:nvGrpSpPr>
-        <p:cNvPr id="180" name="Shape 180"/>
+        <p:cNvPr id="1" name="Shape 180"/>
         <p:cNvGrpSpPr/>
         <p:nvPr/>
       </p:nvGrpSpPr>
@@ -10376,7 +10528,9 @@
       <p:sp>
         <p:nvSpPr>
           <p:cNvPr id="181" name="Shape 181"/>
-          <p:cNvSpPr txBox="1"/>
+          <p:cNvSpPr txBox="1">
+            <a:spLocks noGrp="1"/>
+          </p:cNvSpPr>
           <p:nvPr>
             <p:ph type="title"/>
           </p:nvPr>
@@ -10391,12 +10545,12 @@
           </a:prstGeom>
         </p:spPr>
         <p:txBody>
-          <a:bodyPr anchorCtr="0" anchor="b" bIns="91425" lIns="91425" rIns="91425" wrap="square" tIns="91425">
+          <a:bodyPr wrap="square" lIns="91425" tIns="91425" rIns="91425" bIns="91425" anchor="b" anchorCtr="0">
             <a:noAutofit/>
           </a:bodyPr>
           <a:lstStyle/>
           <a:p>
-            <a:pPr indent="0" lvl="0" marL="0" rtl="0">
+            <a:pPr marL="0" lvl="0" indent="0" rtl="0">
               <a:spcBef>
                 <a:spcPts val="0"/>
               </a:spcBef>
@@ -10412,9 +10566,11 @@
       <p:sp>
         <p:nvSpPr>
           <p:cNvPr id="182" name="Shape 182"/>
-          <p:cNvSpPr txBox="1"/>
+          <p:cNvSpPr txBox="1">
+            <a:spLocks noGrp="1"/>
+          </p:cNvSpPr>
           <p:nvPr>
-            <p:ph idx="4294967295" type="body"/>
+            <p:ph type="body" idx="4294967295"/>
           </p:nvPr>
         </p:nvSpPr>
         <p:spPr>
@@ -10427,12 +10583,12 @@
           </a:prstGeom>
         </p:spPr>
         <p:txBody>
-          <a:bodyPr anchorCtr="0" anchor="t" bIns="91425" lIns="91425" rIns="91425" wrap="square" tIns="91425">
+          <a:bodyPr wrap="square" lIns="91425" tIns="91425" rIns="91425" bIns="91425" anchor="t" anchorCtr="0">
             <a:noAutofit/>
           </a:bodyPr>
           <a:lstStyle/>
           <a:p>
-            <a:pPr indent="-355600" lvl="0" marL="457200" rtl="0">
+            <a:pPr marL="457200" lvl="0" indent="-355600" rtl="0">
               <a:spcBef>
                 <a:spcPts val="0"/>
               </a:spcBef>
@@ -10448,7 +10604,7 @@
             </a:r>
           </a:p>
           <a:p>
-            <a:pPr indent="-355600" lvl="1" marL="914400" rtl="0">
+            <a:pPr marL="914400" lvl="1" indent="-355600" rtl="0">
               <a:spcBef>
                 <a:spcPts val="0"/>
               </a:spcBef>
@@ -10464,7 +10620,7 @@
             </a:r>
           </a:p>
           <a:p>
-            <a:pPr indent="-355600" lvl="0" marL="457200" rtl="0">
+            <a:pPr marL="457200" lvl="0" indent="-355600" rtl="0">
               <a:spcBef>
                 <a:spcPts val="0"/>
               </a:spcBef>
@@ -10480,7 +10636,7 @@
             </a:r>
           </a:p>
           <a:p>
-            <a:pPr indent="-355600" lvl="1" marL="914400" rtl="0">
+            <a:pPr marL="914400" lvl="1" indent="-355600" rtl="0">
               <a:spcBef>
                 <a:spcPts val="0"/>
               </a:spcBef>
@@ -10496,7 +10652,7 @@
             </a:r>
           </a:p>
           <a:p>
-            <a:pPr indent="-355600" lvl="0" marL="457200" rtl="0">
+            <a:pPr marL="457200" lvl="0" indent="-355600" rtl="0">
               <a:spcBef>
                 <a:spcPts val="0"/>
               </a:spcBef>
@@ -10512,7 +10668,7 @@
             </a:r>
           </a:p>
           <a:p>
-            <a:pPr indent="-355600" lvl="1" marL="914400" rtl="0">
+            <a:pPr marL="914400" lvl="1" indent="-355600" rtl="0">
               <a:spcBef>
                 <a:spcPts val="0"/>
               </a:spcBef>
@@ -10563,11 +10719,11 @@
 </file>
 
 <file path=ppt/slides/slide6.xml><?xml version="1.0" encoding="utf-8"?>
-<p:sld xmlns:a="http://schemas.openxmlformats.org/drawingml/2006/main" xmlns:r="http://schemas.openxmlformats.org/officeDocument/2006/relationships" xmlns:mc="http://schemas.openxmlformats.org/markup-compatibility/2006" xmlns:mv="urn:schemas-microsoft-com:mac:vml" xmlns:p="http://schemas.openxmlformats.org/presentationml/2006/main" xmlns:c="http://schemas.openxmlformats.org/drawingml/2006/chart" xmlns:dgm="http://schemas.openxmlformats.org/drawingml/2006/diagram" xmlns:o="urn:schemas-microsoft-com:office:office" xmlns:v="urn:schemas-microsoft-com:vml" xmlns:pvml="urn:schemas-microsoft-com:office:powerpoint" xmlns:com="http://schemas.openxmlformats.org/drawingml/2006/compatibility" xmlns:p14="http://schemas.microsoft.com/office/powerpoint/2010/main" xmlns:p15="http://schemas.microsoft.com/office/powerpoint/2012/main">
+<p:sld xmlns:a="http://schemas.openxmlformats.org/drawingml/2006/main" xmlns:r="http://schemas.openxmlformats.org/officeDocument/2006/relationships" xmlns:p="http://schemas.openxmlformats.org/presentationml/2006/main">
   <p:cSld>
     <p:spTree>
       <p:nvGrpSpPr>
-        <p:cNvPr id="187" name="Shape 187"/>
+        <p:cNvPr id="1" name="Shape 187"/>
         <p:cNvGrpSpPr/>
         <p:nvPr/>
       </p:nvGrpSpPr>
@@ -10582,7 +10738,9 @@
       <p:sp>
         <p:nvSpPr>
           <p:cNvPr id="188" name="Shape 188"/>
-          <p:cNvSpPr txBox="1"/>
+          <p:cNvSpPr txBox="1">
+            <a:spLocks noGrp="1"/>
+          </p:cNvSpPr>
           <p:nvPr>
             <p:ph type="title"/>
           </p:nvPr>
@@ -10597,12 +10755,12 @@
           </a:prstGeom>
         </p:spPr>
         <p:txBody>
-          <a:bodyPr anchorCtr="0" anchor="b" bIns="91425" lIns="91425" rIns="91425" wrap="square" tIns="91425">
+          <a:bodyPr wrap="square" lIns="91425" tIns="91425" rIns="91425" bIns="91425" anchor="b" anchorCtr="0">
             <a:noAutofit/>
           </a:bodyPr>
           <a:lstStyle/>
           <a:p>
-            <a:pPr indent="0" lvl="0" marL="0" rtl="0">
+            <a:pPr marL="0" lvl="0" indent="0" rtl="0">
               <a:spcBef>
                 <a:spcPts val="0"/>
               </a:spcBef>
@@ -10618,9 +10776,11 @@
       <p:sp>
         <p:nvSpPr>
           <p:cNvPr id="189" name="Shape 189"/>
-          <p:cNvSpPr txBox="1"/>
+          <p:cNvSpPr txBox="1">
+            <a:spLocks noGrp="1"/>
+          </p:cNvSpPr>
           <p:nvPr>
-            <p:ph idx="4294967295" type="body"/>
+            <p:ph type="body" idx="4294967295"/>
           </p:nvPr>
         </p:nvSpPr>
         <p:spPr>
@@ -10633,12 +10793,12 @@
           </a:prstGeom>
         </p:spPr>
         <p:txBody>
-          <a:bodyPr anchorCtr="0" anchor="t" bIns="91425" lIns="91425" rIns="91425" wrap="square" tIns="91425">
+          <a:bodyPr wrap="square" lIns="91425" tIns="91425" rIns="91425" bIns="91425" anchor="t" anchorCtr="0">
             <a:noAutofit/>
           </a:bodyPr>
           <a:lstStyle/>
           <a:p>
-            <a:pPr indent="-355600" lvl="0" marL="457200" rtl="0">
+            <a:pPr marL="457200" lvl="0" indent="-355600" rtl="0">
               <a:spcBef>
                 <a:spcPts val="0"/>
               </a:spcBef>
@@ -10654,7 +10814,7 @@
             </a:r>
           </a:p>
           <a:p>
-            <a:pPr indent="-355600" lvl="1" marL="914400" rtl="0">
+            <a:pPr marL="914400" lvl="1" indent="-355600" rtl="0">
               <a:spcBef>
                 <a:spcPts val="0"/>
               </a:spcBef>
@@ -10670,7 +10830,7 @@
             </a:r>
           </a:p>
           <a:p>
-            <a:pPr indent="-355600" lvl="0" marL="457200" rtl="0">
+            <a:pPr marL="457200" lvl="0" indent="-355600" rtl="0">
               <a:spcBef>
                 <a:spcPts val="0"/>
               </a:spcBef>
@@ -10686,7 +10846,7 @@
             </a:r>
           </a:p>
           <a:p>
-            <a:pPr indent="-355600" lvl="1" marL="914400" rtl="0">
+            <a:pPr marL="914400" lvl="1" indent="-355600" rtl="0">
               <a:spcBef>
                 <a:spcPts val="0"/>
               </a:spcBef>
@@ -10702,7 +10862,7 @@
             </a:r>
           </a:p>
           <a:p>
-            <a:pPr indent="-355600" lvl="1" marL="914400" rtl="0">
+            <a:pPr marL="914400" lvl="1" indent="-355600" rtl="0">
               <a:spcBef>
                 <a:spcPts val="0"/>
               </a:spcBef>
@@ -10718,7 +10878,7 @@
             </a:r>
           </a:p>
           <a:p>
-            <a:pPr indent="-355600" lvl="0" marL="457200" rtl="0">
+            <a:pPr marL="457200" lvl="0" indent="-355600" rtl="0">
               <a:spcBef>
                 <a:spcPts val="0"/>
               </a:spcBef>
@@ -10769,11 +10929,11 @@
 </file>
 
 <file path=ppt/slides/slide7.xml><?xml version="1.0" encoding="utf-8"?>
-<p:sld xmlns:a="http://schemas.openxmlformats.org/drawingml/2006/main" xmlns:r="http://schemas.openxmlformats.org/officeDocument/2006/relationships" xmlns:mc="http://schemas.openxmlformats.org/markup-compatibility/2006" xmlns:mv="urn:schemas-microsoft-com:mac:vml" xmlns:p="http://schemas.openxmlformats.org/presentationml/2006/main" xmlns:c="http://schemas.openxmlformats.org/drawingml/2006/chart" xmlns:dgm="http://schemas.openxmlformats.org/drawingml/2006/diagram" xmlns:o="urn:schemas-microsoft-com:office:office" xmlns:v="urn:schemas-microsoft-com:vml" xmlns:pvml="urn:schemas-microsoft-com:office:powerpoint" xmlns:com="http://schemas.openxmlformats.org/drawingml/2006/compatibility" xmlns:p14="http://schemas.microsoft.com/office/powerpoint/2010/main" xmlns:p15="http://schemas.microsoft.com/office/powerpoint/2012/main">
+<p:sld xmlns:a="http://schemas.openxmlformats.org/drawingml/2006/main" xmlns:r="http://schemas.openxmlformats.org/officeDocument/2006/relationships" xmlns:p="http://schemas.openxmlformats.org/presentationml/2006/main">
   <p:cSld>
     <p:spTree>
       <p:nvGrpSpPr>
-        <p:cNvPr id="194" name="Shape 194"/>
+        <p:cNvPr id="1" name="Shape 194"/>
         <p:cNvGrpSpPr/>
         <p:nvPr/>
       </p:nvGrpSpPr>
@@ -10788,7 +10948,9 @@
       <p:sp>
         <p:nvSpPr>
           <p:cNvPr id="195" name="Shape 195"/>
-          <p:cNvSpPr txBox="1"/>
+          <p:cNvSpPr txBox="1">
+            <a:spLocks noGrp="1"/>
+          </p:cNvSpPr>
           <p:nvPr>
             <p:ph type="title"/>
           </p:nvPr>
@@ -10803,12 +10965,12 @@
           </a:prstGeom>
         </p:spPr>
         <p:txBody>
-          <a:bodyPr anchorCtr="0" anchor="b" bIns="91425" lIns="91425" rIns="91425" wrap="square" tIns="91425">
+          <a:bodyPr wrap="square" lIns="91425" tIns="91425" rIns="91425" bIns="91425" anchor="b" anchorCtr="0">
             <a:noAutofit/>
           </a:bodyPr>
           <a:lstStyle/>
           <a:p>
-            <a:pPr indent="-69850" lvl="0" marL="0">
+            <a:pPr marL="0" lvl="0" indent="-69850">
               <a:spcBef>
                 <a:spcPts val="0"/>
               </a:spcBef>
@@ -10829,9 +10991,11 @@
       <p:sp>
         <p:nvSpPr>
           <p:cNvPr id="196" name="Shape 196"/>
-          <p:cNvSpPr txBox="1"/>
+          <p:cNvSpPr txBox="1">
+            <a:spLocks noGrp="1"/>
+          </p:cNvSpPr>
           <p:nvPr>
-            <p:ph idx="4294967295" type="body"/>
+            <p:ph type="body" idx="4294967295"/>
           </p:nvPr>
         </p:nvSpPr>
         <p:spPr>
@@ -10844,12 +11008,12 @@
           </a:prstGeom>
         </p:spPr>
         <p:txBody>
-          <a:bodyPr anchorCtr="0" anchor="t" bIns="91425" lIns="91425" rIns="91425" wrap="square" tIns="91425">
+          <a:bodyPr wrap="square" lIns="91425" tIns="91425" rIns="91425" bIns="91425" anchor="t" anchorCtr="0">
             <a:noAutofit/>
           </a:bodyPr>
           <a:lstStyle/>
           <a:p>
-            <a:pPr indent="-355600" lvl="0" marL="457200" rtl="0">
+            <a:pPr marL="457200" lvl="0" indent="-355600" rtl="0">
               <a:spcBef>
                 <a:spcPts val="0"/>
               </a:spcBef>
@@ -10865,7 +11029,7 @@
             </a:r>
           </a:p>
           <a:p>
-            <a:pPr indent="-355600" lvl="1" marL="914400" rtl="0">
+            <a:pPr marL="914400" lvl="1" indent="-355600" rtl="0">
               <a:spcBef>
                 <a:spcPts val="0"/>
               </a:spcBef>
@@ -10881,7 +11045,7 @@
             </a:r>
           </a:p>
           <a:p>
-            <a:pPr indent="-355600" lvl="1" marL="914400" rtl="0">
+            <a:pPr marL="914400" lvl="1" indent="-355600" rtl="0">
               <a:spcBef>
                 <a:spcPts val="0"/>
               </a:spcBef>
@@ -10897,7 +11061,7 @@
             </a:r>
           </a:p>
           <a:p>
-            <a:pPr indent="-355600" lvl="0" marL="457200" rtl="0">
+            <a:pPr marL="457200" lvl="0" indent="-355600" rtl="0">
               <a:spcBef>
                 <a:spcPts val="0"/>
               </a:spcBef>
@@ -10913,7 +11077,7 @@
             </a:r>
           </a:p>
           <a:p>
-            <a:pPr indent="-355600" lvl="1" marL="914400" rtl="0">
+            <a:pPr marL="914400" lvl="1" indent="-355600" rtl="0">
               <a:spcBef>
                 <a:spcPts val="0"/>
               </a:spcBef>
@@ -10929,7 +11093,7 @@
             </a:r>
           </a:p>
           <a:p>
-            <a:pPr indent="-355600" lvl="0" marL="457200" rtl="0">
+            <a:pPr marL="457200" lvl="0" indent="-355600" rtl="0">
               <a:spcBef>
                 <a:spcPts val="0"/>
               </a:spcBef>
@@ -10945,7 +11109,7 @@
             </a:r>
           </a:p>
           <a:p>
-            <a:pPr indent="-355600" lvl="1" marL="914400" rtl="0">
+            <a:pPr marL="914400" lvl="1" indent="-355600" rtl="0">
               <a:spcBef>
                 <a:spcPts val="0"/>
               </a:spcBef>
@@ -10968,11 +11132,11 @@
 </file>
 
 <file path=ppt/slides/slide8.xml><?xml version="1.0" encoding="utf-8"?>
-<p:sld xmlns:a="http://schemas.openxmlformats.org/drawingml/2006/main" xmlns:r="http://schemas.openxmlformats.org/officeDocument/2006/relationships" xmlns:mc="http://schemas.openxmlformats.org/markup-compatibility/2006" xmlns:mv="urn:schemas-microsoft-com:mac:vml" xmlns:p="http://schemas.openxmlformats.org/presentationml/2006/main" xmlns:c="http://schemas.openxmlformats.org/drawingml/2006/chart" xmlns:dgm="http://schemas.openxmlformats.org/drawingml/2006/diagram" xmlns:o="urn:schemas-microsoft-com:office:office" xmlns:v="urn:schemas-microsoft-com:vml" xmlns:pvml="urn:schemas-microsoft-com:office:powerpoint" xmlns:com="http://schemas.openxmlformats.org/drawingml/2006/compatibility" xmlns:p14="http://schemas.microsoft.com/office/powerpoint/2010/main" xmlns:p15="http://schemas.microsoft.com/office/powerpoint/2012/main">
+<p:sld xmlns:a="http://schemas.openxmlformats.org/drawingml/2006/main" xmlns:r="http://schemas.openxmlformats.org/officeDocument/2006/relationships" xmlns:p="http://schemas.openxmlformats.org/presentationml/2006/main">
   <p:cSld>
     <p:spTree>
       <p:nvGrpSpPr>
-        <p:cNvPr id="200" name="Shape 200"/>
+        <p:cNvPr id="1" name="Shape 200"/>
         <p:cNvGrpSpPr/>
         <p:nvPr/>
       </p:nvGrpSpPr>
@@ -10987,7 +11151,9 @@
       <p:sp>
         <p:nvSpPr>
           <p:cNvPr id="201" name="Shape 201"/>
-          <p:cNvSpPr txBox="1"/>
+          <p:cNvSpPr txBox="1">
+            <a:spLocks noGrp="1"/>
+          </p:cNvSpPr>
           <p:nvPr>
             <p:ph type="title"/>
           </p:nvPr>
@@ -11002,12 +11168,12 @@
           </a:prstGeom>
         </p:spPr>
         <p:txBody>
-          <a:bodyPr anchorCtr="0" anchor="b" bIns="91425" lIns="91425" rIns="91425" wrap="square" tIns="91425">
+          <a:bodyPr wrap="square" lIns="91425" tIns="91425" rIns="91425" bIns="91425" anchor="b" anchorCtr="0">
             <a:noAutofit/>
           </a:bodyPr>
           <a:lstStyle/>
           <a:p>
-            <a:pPr indent="0" lvl="0" marL="0" rtl="0">
+            <a:pPr marL="0" lvl="0" indent="0" rtl="0">
               <a:spcBef>
                 <a:spcPts val="0"/>
               </a:spcBef>
@@ -11023,9 +11189,11 @@
       <p:sp>
         <p:nvSpPr>
           <p:cNvPr id="202" name="Shape 202"/>
-          <p:cNvSpPr txBox="1"/>
+          <p:cNvSpPr txBox="1">
+            <a:spLocks noGrp="1"/>
+          </p:cNvSpPr>
           <p:nvPr>
-            <p:ph idx="1" type="body"/>
+            <p:ph type="body" idx="1"/>
           </p:nvPr>
         </p:nvSpPr>
         <p:spPr>
@@ -11038,12 +11206,12 @@
           </a:prstGeom>
         </p:spPr>
         <p:txBody>
-          <a:bodyPr anchorCtr="0" anchor="t" bIns="91425" lIns="91425" rIns="91425" wrap="square" tIns="91425">
+          <a:bodyPr wrap="square" lIns="91425" tIns="91425" rIns="91425" bIns="91425" anchor="t" anchorCtr="0">
             <a:noAutofit/>
           </a:bodyPr>
           <a:lstStyle/>
           <a:p>
-            <a:pPr indent="-355600" lvl="0" marL="457200" marR="0" rtl="0" algn="l">
+            <a:pPr marL="457200" marR="0" lvl="0" indent="-355600" algn="l" rtl="0">
               <a:lnSpc>
                 <a:spcPct val="100000"/>
               </a:lnSpc>
@@ -11062,15 +11230,11 @@
             </a:pPr>
             <a:r>
               <a:rPr lang="en"/>
-              <a:t>S</a:t>
-            </a:r>
-            <a:r>
-              <a:rPr lang="en"/>
-              <a:t>treaming live data feeds (511.org)</a:t>
+              <a:t>Streaming live data feeds (511.org)</a:t>
             </a:r>
           </a:p>
           <a:p>
-            <a:pPr indent="-355600" lvl="0" marL="457200" marR="0" rtl="0" algn="l">
+            <a:pPr marL="457200" marR="0" lvl="0" indent="-355600" algn="l" rtl="0">
               <a:lnSpc>
                 <a:spcPct val="100000"/>
               </a:lnSpc>
@@ -11089,7 +11253,7 @@
             </a:r>
           </a:p>
           <a:p>
-            <a:pPr indent="-355600" lvl="0" marL="457200" marR="0" rtl="0" algn="l">
+            <a:pPr marL="457200" marR="0" lvl="0" indent="-355600" algn="l" rtl="0">
               <a:lnSpc>
                 <a:spcPct val="100000"/>
               </a:lnSpc>
@@ -11108,7 +11272,7 @@
             </a:r>
           </a:p>
           <a:p>
-            <a:pPr indent="0" lvl="0" marL="0" marR="0" rtl="0" algn="l">
+            <a:pPr marL="0" marR="0" lvl="0" indent="0" algn="l" rtl="0">
               <a:lnSpc>
                 <a:spcPct val="100000"/>
               </a:lnSpc>
@@ -11120,9 +11284,6 @@
               </a:spcAft>
               <a:buNone/>
             </a:pPr>
-            <a:r>
-              <a:t/>
-            </a:r>
             <a:endParaRPr/>
           </a:p>
         </p:txBody>
@@ -11136,11 +11297,11 @@
 </file>
 
 <file path=ppt/slides/slide9.xml><?xml version="1.0" encoding="utf-8"?>
-<p:sld xmlns:a="http://schemas.openxmlformats.org/drawingml/2006/main" xmlns:r="http://schemas.openxmlformats.org/officeDocument/2006/relationships" xmlns:mc="http://schemas.openxmlformats.org/markup-compatibility/2006" xmlns:mv="urn:schemas-microsoft-com:mac:vml" xmlns:p="http://schemas.openxmlformats.org/presentationml/2006/main" xmlns:c="http://schemas.openxmlformats.org/drawingml/2006/chart" xmlns:dgm="http://schemas.openxmlformats.org/drawingml/2006/diagram" xmlns:o="urn:schemas-microsoft-com:office:office" xmlns:v="urn:schemas-microsoft-com:vml" xmlns:pvml="urn:schemas-microsoft-com:office:powerpoint" xmlns:com="http://schemas.openxmlformats.org/drawingml/2006/compatibility" xmlns:p14="http://schemas.microsoft.com/office/powerpoint/2010/main" xmlns:p15="http://schemas.microsoft.com/office/powerpoint/2012/main">
+<p:sld xmlns:a="http://schemas.openxmlformats.org/drawingml/2006/main" xmlns:r="http://schemas.openxmlformats.org/officeDocument/2006/relationships" xmlns:p="http://schemas.openxmlformats.org/presentationml/2006/main">
   <p:cSld>
     <p:spTree>
       <p:nvGrpSpPr>
-        <p:cNvPr id="206" name="Shape 206"/>
+        <p:cNvPr id="1" name="Shape 206"/>
         <p:cNvGrpSpPr/>
         <p:nvPr/>
       </p:nvGrpSpPr>
@@ -11155,7 +11316,9 @@
       <p:sp>
         <p:nvSpPr>
           <p:cNvPr id="207" name="Shape 207"/>
-          <p:cNvSpPr txBox="1"/>
+          <p:cNvSpPr txBox="1">
+            <a:spLocks noGrp="1"/>
+          </p:cNvSpPr>
           <p:nvPr>
             <p:ph type="title"/>
           </p:nvPr>
@@ -11170,12 +11333,12 @@
           </a:prstGeom>
         </p:spPr>
         <p:txBody>
-          <a:bodyPr anchorCtr="0" anchor="b" bIns="91425" lIns="91425" rIns="91425" wrap="square" tIns="91425">
+          <a:bodyPr wrap="square" lIns="91425" tIns="91425" rIns="91425" bIns="91425" anchor="b" anchorCtr="0">
             <a:noAutofit/>
           </a:bodyPr>
           <a:lstStyle/>
           <a:p>
-            <a:pPr indent="0" lvl="0" marL="0">
+            <a:pPr marL="0" lvl="0" indent="0">
               <a:spcBef>
                 <a:spcPts val="0"/>
               </a:spcBef>
@@ -11225,7 +11388,7 @@
 </file>
 
 <file path=ppt/theme/theme1.xml><?xml version="1.0" encoding="utf-8"?>
-<a:theme xmlns:a="http://schemas.openxmlformats.org/drawingml/2006/main" xmlns:r="http://schemas.openxmlformats.org/officeDocument/2006/relationships" name="Wolsey template">
+<a:theme xmlns:a="http://schemas.openxmlformats.org/drawingml/2006/main" name="Wolsey template">
   <a:themeElements>
     <a:clrScheme name="Custom 347">
       <a:dk1>
@@ -11500,11 +11663,13 @@
       </a:bgFillStyleLst>
     </a:fmtScheme>
   </a:themeElements>
+  <a:objectDefaults/>
+  <a:extraClrSchemeLst/>
 </a:theme>
 </file>
 
 <file path=ppt/theme/theme2.xml><?xml version="1.0" encoding="utf-8"?>
-<a:theme xmlns:a="http://schemas.openxmlformats.org/drawingml/2006/main" xmlns:r="http://schemas.openxmlformats.org/officeDocument/2006/relationships" name="Custom Theme">
+<a:theme xmlns:a="http://schemas.openxmlformats.org/drawingml/2006/main" name="Custom Theme">
   <a:themeElements>
     <a:clrScheme name="Default">
       <a:dk1>
@@ -11779,5 +11944,7 @@
       </a:bgFillStyleLst>
     </a:fmtScheme>
   </a:themeElements>
+  <a:objectDefaults/>
+  <a:extraClrSchemeLst/>
 </a:theme>
 </file>